--- a/img/images.pptx
+++ b/img/images.pptx
@@ -4,11 +4,19 @@
   <p:sldMasterIdLst>
     <p:sldMasterId id="2147483648" r:id="rId1"/>
   </p:sldMasterIdLst>
+  <p:notesMasterIdLst>
+    <p:notesMasterId r:id="rId11"/>
+  </p:notesMasterIdLst>
   <p:sldIdLst>
     <p:sldId id="256" r:id="rId2"/>
     <p:sldId id="257" r:id="rId3"/>
-    <p:sldId id="258" r:id="rId4"/>
-    <p:sldId id="259" r:id="rId5"/>
+    <p:sldId id="265" r:id="rId4"/>
+    <p:sldId id="262" r:id="rId5"/>
+    <p:sldId id="263" r:id="rId6"/>
+    <p:sldId id="264" r:id="rId7"/>
+    <p:sldId id="260" r:id="rId8"/>
+    <p:sldId id="258" r:id="rId9"/>
+    <p:sldId id="259" r:id="rId10"/>
   </p:sldIdLst>
   <p:sldSz cx="12192000" cy="6858000"/>
   <p:notesSz cx="6858000" cy="9144000"/>
@@ -107,7 +115,445 @@
       </a:defRPr>
     </a:lvl9pPr>
   </p:defaultTextStyle>
+  <p:extLst>
+    <p:ext uri="{EFAFB233-063F-42B5-8137-9DF3F51BA10A}">
+      <p15:sldGuideLst xmlns:p15="http://schemas.microsoft.com/office/powerpoint/2012/main"/>
+    </p:ext>
+  </p:extLst>
 </p:presentation>
+</file>
+
+<file path=ppt/notesMasters/notesMaster1.xml><?xml version="1.0" encoding="utf-8"?>
+<p:notesMaster xmlns:a="http://schemas.openxmlformats.org/drawingml/2006/main" xmlns:r="http://schemas.openxmlformats.org/officeDocument/2006/relationships" xmlns:p="http://schemas.openxmlformats.org/presentationml/2006/main">
+  <p:cSld>
+    <p:bg>
+      <p:bgRef idx="1001">
+        <a:schemeClr val="bg1"/>
+      </p:bgRef>
+    </p:bg>
+    <p:spTree>
+      <p:nvGrpSpPr>
+        <p:cNvPr id="1" name=""/>
+        <p:cNvGrpSpPr/>
+        <p:nvPr/>
+      </p:nvGrpSpPr>
+      <p:grpSpPr>
+        <a:xfrm>
+          <a:off x="0" y="0"/>
+          <a:ext cx="0" cy="0"/>
+          <a:chOff x="0" y="0"/>
+          <a:chExt cx="0" cy="0"/>
+        </a:xfrm>
+      </p:grpSpPr>
+      <p:sp>
+        <p:nvSpPr>
+          <p:cNvPr id="2" name="Header Placeholder 1"/>
+          <p:cNvSpPr>
+            <a:spLocks noGrp="1"/>
+          </p:cNvSpPr>
+          <p:nvPr>
+            <p:ph type="hdr" sz="quarter"/>
+          </p:nvPr>
+        </p:nvSpPr>
+        <p:spPr>
+          <a:xfrm>
+            <a:off x="0" y="0"/>
+            <a:ext cx="2971800" cy="458788"/>
+          </a:xfrm>
+          <a:prstGeom prst="rect">
+            <a:avLst/>
+          </a:prstGeom>
+        </p:spPr>
+        <p:txBody>
+          <a:bodyPr vert="horz" lIns="91440" tIns="45720" rIns="91440" bIns="45720" rtlCol="0"/>
+          <a:lstStyle>
+            <a:lvl1pPr algn="l">
+              <a:defRPr sz="1200"/>
+            </a:lvl1pPr>
+          </a:lstStyle>
+          <a:p>
+            <a:endParaRPr lang="en-US"/>
+          </a:p>
+        </p:txBody>
+      </p:sp>
+      <p:sp>
+        <p:nvSpPr>
+          <p:cNvPr id="3" name="Date Placeholder 2"/>
+          <p:cNvSpPr>
+            <a:spLocks noGrp="1"/>
+          </p:cNvSpPr>
+          <p:nvPr>
+            <p:ph type="dt" idx="1"/>
+          </p:nvPr>
+        </p:nvSpPr>
+        <p:spPr>
+          <a:xfrm>
+            <a:off x="3884613" y="0"/>
+            <a:ext cx="2971800" cy="458788"/>
+          </a:xfrm>
+          <a:prstGeom prst="rect">
+            <a:avLst/>
+          </a:prstGeom>
+        </p:spPr>
+        <p:txBody>
+          <a:bodyPr vert="horz" lIns="91440" tIns="45720" rIns="91440" bIns="45720" rtlCol="0"/>
+          <a:lstStyle>
+            <a:lvl1pPr algn="r">
+              <a:defRPr sz="1200"/>
+            </a:lvl1pPr>
+          </a:lstStyle>
+          <a:p>
+            <a:fld id="{3C603BE5-60CF-AF4D-BDEC-9BAC922B5627}" type="datetimeFigureOut">
+              <a:rPr lang="en-US" smtClean="0"/>
+              <a:t>8/29/23</a:t>
+            </a:fld>
+            <a:endParaRPr lang="en-US"/>
+          </a:p>
+        </p:txBody>
+      </p:sp>
+      <p:sp>
+        <p:nvSpPr>
+          <p:cNvPr id="4" name="Slide Image Placeholder 3"/>
+          <p:cNvSpPr>
+            <a:spLocks noGrp="1" noRot="1" noChangeAspect="1"/>
+          </p:cNvSpPr>
+          <p:nvPr>
+            <p:ph type="sldImg" idx="2"/>
+          </p:nvPr>
+        </p:nvSpPr>
+        <p:spPr>
+          <a:xfrm>
+            <a:off x="685800" y="1143000"/>
+            <a:ext cx="5486400" cy="3086100"/>
+          </a:xfrm>
+          <a:prstGeom prst="rect">
+            <a:avLst/>
+          </a:prstGeom>
+          <a:noFill/>
+          <a:ln w="12700">
+            <a:solidFill>
+              <a:prstClr val="black"/>
+            </a:solidFill>
+          </a:ln>
+        </p:spPr>
+        <p:txBody>
+          <a:bodyPr vert="horz" lIns="91440" tIns="45720" rIns="91440" bIns="45720" rtlCol="0" anchor="ctr"/>
+          <a:lstStyle/>
+          <a:p>
+            <a:endParaRPr lang="en-US"/>
+          </a:p>
+        </p:txBody>
+      </p:sp>
+      <p:sp>
+        <p:nvSpPr>
+          <p:cNvPr id="5" name="Notes Placeholder 4"/>
+          <p:cNvSpPr>
+            <a:spLocks noGrp="1"/>
+          </p:cNvSpPr>
+          <p:nvPr>
+            <p:ph type="body" sz="quarter" idx="3"/>
+          </p:nvPr>
+        </p:nvSpPr>
+        <p:spPr>
+          <a:xfrm>
+            <a:off x="685800" y="4400550"/>
+            <a:ext cx="5486400" cy="3600450"/>
+          </a:xfrm>
+          <a:prstGeom prst="rect">
+            <a:avLst/>
+          </a:prstGeom>
+        </p:spPr>
+        <p:txBody>
+          <a:bodyPr vert="horz" lIns="91440" tIns="45720" rIns="91440" bIns="45720" rtlCol="0"/>
+          <a:lstStyle/>
+          <a:p>
+            <a:pPr lvl="0"/>
+            <a:r>
+              <a:rPr lang="en-US"/>
+              <a:t>Click to edit Master text styles</a:t>
+            </a:r>
+          </a:p>
+          <a:p>
+            <a:pPr lvl="1"/>
+            <a:r>
+              <a:rPr lang="en-US"/>
+              <a:t>Second level</a:t>
+            </a:r>
+          </a:p>
+          <a:p>
+            <a:pPr lvl="2"/>
+            <a:r>
+              <a:rPr lang="en-US"/>
+              <a:t>Third level</a:t>
+            </a:r>
+          </a:p>
+          <a:p>
+            <a:pPr lvl="3"/>
+            <a:r>
+              <a:rPr lang="en-US"/>
+              <a:t>Fourth level</a:t>
+            </a:r>
+          </a:p>
+          <a:p>
+            <a:pPr lvl="4"/>
+            <a:r>
+              <a:rPr lang="en-US"/>
+              <a:t>Fifth level</a:t>
+            </a:r>
+          </a:p>
+        </p:txBody>
+      </p:sp>
+      <p:sp>
+        <p:nvSpPr>
+          <p:cNvPr id="6" name="Footer Placeholder 5"/>
+          <p:cNvSpPr>
+            <a:spLocks noGrp="1"/>
+          </p:cNvSpPr>
+          <p:nvPr>
+            <p:ph type="ftr" sz="quarter" idx="4"/>
+          </p:nvPr>
+        </p:nvSpPr>
+        <p:spPr>
+          <a:xfrm>
+            <a:off x="0" y="8685213"/>
+            <a:ext cx="2971800" cy="458787"/>
+          </a:xfrm>
+          <a:prstGeom prst="rect">
+            <a:avLst/>
+          </a:prstGeom>
+        </p:spPr>
+        <p:txBody>
+          <a:bodyPr vert="horz" lIns="91440" tIns="45720" rIns="91440" bIns="45720" rtlCol="0" anchor="b"/>
+          <a:lstStyle>
+            <a:lvl1pPr algn="l">
+              <a:defRPr sz="1200"/>
+            </a:lvl1pPr>
+          </a:lstStyle>
+          <a:p>
+            <a:endParaRPr lang="en-US"/>
+          </a:p>
+        </p:txBody>
+      </p:sp>
+      <p:sp>
+        <p:nvSpPr>
+          <p:cNvPr id="7" name="Slide Number Placeholder 6"/>
+          <p:cNvSpPr>
+            <a:spLocks noGrp="1"/>
+          </p:cNvSpPr>
+          <p:nvPr>
+            <p:ph type="sldNum" sz="quarter" idx="5"/>
+          </p:nvPr>
+        </p:nvSpPr>
+        <p:spPr>
+          <a:xfrm>
+            <a:off x="3884613" y="8685213"/>
+            <a:ext cx="2971800" cy="458787"/>
+          </a:xfrm>
+          <a:prstGeom prst="rect">
+            <a:avLst/>
+          </a:prstGeom>
+        </p:spPr>
+        <p:txBody>
+          <a:bodyPr vert="horz" lIns="91440" tIns="45720" rIns="91440" bIns="45720" rtlCol="0" anchor="b"/>
+          <a:lstStyle>
+            <a:lvl1pPr algn="r">
+              <a:defRPr sz="1200"/>
+            </a:lvl1pPr>
+          </a:lstStyle>
+          <a:p>
+            <a:fld id="{79655637-46DF-8840-A0EE-853798578610}" type="slidenum">
+              <a:rPr lang="en-US" smtClean="0"/>
+              <a:t>‹#›</a:t>
+            </a:fld>
+            <a:endParaRPr lang="en-US"/>
+          </a:p>
+        </p:txBody>
+      </p:sp>
+    </p:spTree>
+    <p:extLst>
+      <p:ext uri="{BB962C8B-B14F-4D97-AF65-F5344CB8AC3E}">
+        <p14:creationId xmlns:p14="http://schemas.microsoft.com/office/powerpoint/2010/main" val="1654391879"/>
+      </p:ext>
+    </p:extLst>
+  </p:cSld>
+  <p:clrMap bg1="lt1" tx1="dk1" bg2="lt2" tx2="dk2" accent1="accent1" accent2="accent2" accent3="accent3" accent4="accent4" accent5="accent5" accent6="accent6" hlink="hlink" folHlink="folHlink"/>
+  <p:notesStyle>
+    <a:lvl1pPr marL="0" algn="l" defTabSz="914400" rtl="0" eaLnBrk="1" latinLnBrk="0" hangingPunct="1">
+      <a:defRPr sz="1200" kern="1200">
+        <a:solidFill>
+          <a:schemeClr val="tx1"/>
+        </a:solidFill>
+        <a:latin typeface="+mn-lt"/>
+        <a:ea typeface="+mn-ea"/>
+        <a:cs typeface="+mn-cs"/>
+      </a:defRPr>
+    </a:lvl1pPr>
+    <a:lvl2pPr marL="457200" algn="l" defTabSz="914400" rtl="0" eaLnBrk="1" latinLnBrk="0" hangingPunct="1">
+      <a:defRPr sz="1200" kern="1200">
+        <a:solidFill>
+          <a:schemeClr val="tx1"/>
+        </a:solidFill>
+        <a:latin typeface="+mn-lt"/>
+        <a:ea typeface="+mn-ea"/>
+        <a:cs typeface="+mn-cs"/>
+      </a:defRPr>
+    </a:lvl2pPr>
+    <a:lvl3pPr marL="914400" algn="l" defTabSz="914400" rtl="0" eaLnBrk="1" latinLnBrk="0" hangingPunct="1">
+      <a:defRPr sz="1200" kern="1200">
+        <a:solidFill>
+          <a:schemeClr val="tx1"/>
+        </a:solidFill>
+        <a:latin typeface="+mn-lt"/>
+        <a:ea typeface="+mn-ea"/>
+        <a:cs typeface="+mn-cs"/>
+      </a:defRPr>
+    </a:lvl3pPr>
+    <a:lvl4pPr marL="1371600" algn="l" defTabSz="914400" rtl="0" eaLnBrk="1" latinLnBrk="0" hangingPunct="1">
+      <a:defRPr sz="1200" kern="1200">
+        <a:solidFill>
+          <a:schemeClr val="tx1"/>
+        </a:solidFill>
+        <a:latin typeface="+mn-lt"/>
+        <a:ea typeface="+mn-ea"/>
+        <a:cs typeface="+mn-cs"/>
+      </a:defRPr>
+    </a:lvl4pPr>
+    <a:lvl5pPr marL="1828800" algn="l" defTabSz="914400" rtl="0" eaLnBrk="1" latinLnBrk="0" hangingPunct="1">
+      <a:defRPr sz="1200" kern="1200">
+        <a:solidFill>
+          <a:schemeClr val="tx1"/>
+        </a:solidFill>
+        <a:latin typeface="+mn-lt"/>
+        <a:ea typeface="+mn-ea"/>
+        <a:cs typeface="+mn-cs"/>
+      </a:defRPr>
+    </a:lvl5pPr>
+    <a:lvl6pPr marL="2286000" algn="l" defTabSz="914400" rtl="0" eaLnBrk="1" latinLnBrk="0" hangingPunct="1">
+      <a:defRPr sz="1200" kern="1200">
+        <a:solidFill>
+          <a:schemeClr val="tx1"/>
+        </a:solidFill>
+        <a:latin typeface="+mn-lt"/>
+        <a:ea typeface="+mn-ea"/>
+        <a:cs typeface="+mn-cs"/>
+      </a:defRPr>
+    </a:lvl6pPr>
+    <a:lvl7pPr marL="2743200" algn="l" defTabSz="914400" rtl="0" eaLnBrk="1" latinLnBrk="0" hangingPunct="1">
+      <a:defRPr sz="1200" kern="1200">
+        <a:solidFill>
+          <a:schemeClr val="tx1"/>
+        </a:solidFill>
+        <a:latin typeface="+mn-lt"/>
+        <a:ea typeface="+mn-ea"/>
+        <a:cs typeface="+mn-cs"/>
+      </a:defRPr>
+    </a:lvl7pPr>
+    <a:lvl8pPr marL="3200400" algn="l" defTabSz="914400" rtl="0" eaLnBrk="1" latinLnBrk="0" hangingPunct="1">
+      <a:defRPr sz="1200" kern="1200">
+        <a:solidFill>
+          <a:schemeClr val="tx1"/>
+        </a:solidFill>
+        <a:latin typeface="+mn-lt"/>
+        <a:ea typeface="+mn-ea"/>
+        <a:cs typeface="+mn-cs"/>
+      </a:defRPr>
+    </a:lvl8pPr>
+    <a:lvl9pPr marL="3657600" algn="l" defTabSz="914400" rtl="0" eaLnBrk="1" latinLnBrk="0" hangingPunct="1">
+      <a:defRPr sz="1200" kern="1200">
+        <a:solidFill>
+          <a:schemeClr val="tx1"/>
+        </a:solidFill>
+        <a:latin typeface="+mn-lt"/>
+        <a:ea typeface="+mn-ea"/>
+        <a:cs typeface="+mn-cs"/>
+      </a:defRPr>
+    </a:lvl9pPr>
+  </p:notesStyle>
+</p:notesMaster>
+</file>
+
+<file path=ppt/notesSlides/notesSlide1.xml><?xml version="1.0" encoding="utf-8"?>
+<p:notes xmlns:a="http://schemas.openxmlformats.org/drawingml/2006/main" xmlns:r="http://schemas.openxmlformats.org/officeDocument/2006/relationships" xmlns:p="http://schemas.openxmlformats.org/presentationml/2006/main">
+  <p:cSld>
+    <p:spTree>
+      <p:nvGrpSpPr>
+        <p:cNvPr id="1" name=""/>
+        <p:cNvGrpSpPr/>
+        <p:nvPr/>
+      </p:nvGrpSpPr>
+      <p:grpSpPr>
+        <a:xfrm>
+          <a:off x="0" y="0"/>
+          <a:ext cx="0" cy="0"/>
+          <a:chOff x="0" y="0"/>
+          <a:chExt cx="0" cy="0"/>
+        </a:xfrm>
+      </p:grpSpPr>
+      <p:sp>
+        <p:nvSpPr>
+          <p:cNvPr id="2" name="Slide Image Placeholder 1"/>
+          <p:cNvSpPr>
+            <a:spLocks noGrp="1" noRot="1" noChangeAspect="1"/>
+          </p:cNvSpPr>
+          <p:nvPr>
+            <p:ph type="sldImg"/>
+          </p:nvPr>
+        </p:nvSpPr>
+        <p:spPr/>
+      </p:sp>
+      <p:sp>
+        <p:nvSpPr>
+          <p:cNvPr id="3" name="Notes Placeholder 2"/>
+          <p:cNvSpPr>
+            <a:spLocks noGrp="1"/>
+          </p:cNvSpPr>
+          <p:nvPr>
+            <p:ph type="body" idx="1"/>
+          </p:nvPr>
+        </p:nvSpPr>
+        <p:spPr/>
+        <p:txBody>
+          <a:bodyPr/>
+          <a:lstStyle/>
+          <a:p>
+            <a:endParaRPr lang="en-US" dirty="0"/>
+          </a:p>
+        </p:txBody>
+      </p:sp>
+      <p:sp>
+        <p:nvSpPr>
+          <p:cNvPr id="4" name="Slide Number Placeholder 3"/>
+          <p:cNvSpPr>
+            <a:spLocks noGrp="1"/>
+          </p:cNvSpPr>
+          <p:nvPr>
+            <p:ph type="sldNum" sz="quarter" idx="5"/>
+          </p:nvPr>
+        </p:nvSpPr>
+        <p:spPr/>
+        <p:txBody>
+          <a:bodyPr/>
+          <a:lstStyle/>
+          <a:p>
+            <a:fld id="{79655637-46DF-8840-A0EE-853798578610}" type="slidenum">
+              <a:rPr lang="en-US" smtClean="0"/>
+              <a:t>8</a:t>
+            </a:fld>
+            <a:endParaRPr lang="en-US"/>
+          </a:p>
+        </p:txBody>
+      </p:sp>
+    </p:spTree>
+    <p:extLst>
+      <p:ext uri="{BB962C8B-B14F-4D97-AF65-F5344CB8AC3E}">
+        <p14:creationId xmlns:p14="http://schemas.microsoft.com/office/powerpoint/2010/main" val="1238641186"/>
+      </p:ext>
+    </p:extLst>
+  </p:cSld>
+  <p:clrMapOvr>
+    <a:masterClrMapping/>
+  </p:clrMapOvr>
+</p:notes>
 </file>
 
 <file path=ppt/slideLayouts/slideLayout1.xml><?xml version="1.0" encoding="utf-8"?>
@@ -257,7 +703,7 @@
           <a:p>
             <a:fld id="{30BC8078-870A-DB46-A132-721CD772E8ED}" type="datetimeFigureOut">
               <a:rPr lang="en-US" smtClean="0"/>
-              <a:t>8/28/23</a:t>
+              <a:t>8/29/23</a:t>
             </a:fld>
             <a:endParaRPr lang="en-US"/>
           </a:p>
@@ -455,7 +901,7 @@
           <a:p>
             <a:fld id="{30BC8078-870A-DB46-A132-721CD772E8ED}" type="datetimeFigureOut">
               <a:rPr lang="en-US" smtClean="0"/>
-              <a:t>8/28/23</a:t>
+              <a:t>8/29/23</a:t>
             </a:fld>
             <a:endParaRPr lang="en-US"/>
           </a:p>
@@ -663,7 +1109,7 @@
           <a:p>
             <a:fld id="{30BC8078-870A-DB46-A132-721CD772E8ED}" type="datetimeFigureOut">
               <a:rPr lang="en-US" smtClean="0"/>
-              <a:t>8/28/23</a:t>
+              <a:t>8/29/23</a:t>
             </a:fld>
             <a:endParaRPr lang="en-US"/>
           </a:p>
@@ -861,7 +1307,7 @@
           <a:p>
             <a:fld id="{30BC8078-870A-DB46-A132-721CD772E8ED}" type="datetimeFigureOut">
               <a:rPr lang="en-US" smtClean="0"/>
-              <a:t>8/28/23</a:t>
+              <a:t>8/29/23</a:t>
             </a:fld>
             <a:endParaRPr lang="en-US"/>
           </a:p>
@@ -1136,7 +1582,7 @@
           <a:p>
             <a:fld id="{30BC8078-870A-DB46-A132-721CD772E8ED}" type="datetimeFigureOut">
               <a:rPr lang="en-US" smtClean="0"/>
-              <a:t>8/28/23</a:t>
+              <a:t>8/29/23</a:t>
             </a:fld>
             <a:endParaRPr lang="en-US"/>
           </a:p>
@@ -1401,7 +1847,7 @@
           <a:p>
             <a:fld id="{30BC8078-870A-DB46-A132-721CD772E8ED}" type="datetimeFigureOut">
               <a:rPr lang="en-US" smtClean="0"/>
-              <a:t>8/28/23</a:t>
+              <a:t>8/29/23</a:t>
             </a:fld>
             <a:endParaRPr lang="en-US"/>
           </a:p>
@@ -1813,7 +2259,7 @@
           <a:p>
             <a:fld id="{30BC8078-870A-DB46-A132-721CD772E8ED}" type="datetimeFigureOut">
               <a:rPr lang="en-US" smtClean="0"/>
-              <a:t>8/28/23</a:t>
+              <a:t>8/29/23</a:t>
             </a:fld>
             <a:endParaRPr lang="en-US"/>
           </a:p>
@@ -1954,7 +2400,7 @@
           <a:p>
             <a:fld id="{30BC8078-870A-DB46-A132-721CD772E8ED}" type="datetimeFigureOut">
               <a:rPr lang="en-US" smtClean="0"/>
-              <a:t>8/28/23</a:t>
+              <a:t>8/29/23</a:t>
             </a:fld>
             <a:endParaRPr lang="en-US"/>
           </a:p>
@@ -2067,7 +2513,7 @@
           <a:p>
             <a:fld id="{30BC8078-870A-DB46-A132-721CD772E8ED}" type="datetimeFigureOut">
               <a:rPr lang="en-US" smtClean="0"/>
-              <a:t>8/28/23</a:t>
+              <a:t>8/29/23</a:t>
             </a:fld>
             <a:endParaRPr lang="en-US"/>
           </a:p>
@@ -2378,7 +2824,7 @@
           <a:p>
             <a:fld id="{30BC8078-870A-DB46-A132-721CD772E8ED}" type="datetimeFigureOut">
               <a:rPr lang="en-US" smtClean="0"/>
-              <a:t>8/28/23</a:t>
+              <a:t>8/29/23</a:t>
             </a:fld>
             <a:endParaRPr lang="en-US"/>
           </a:p>
@@ -2666,7 +3112,7 @@
           <a:p>
             <a:fld id="{30BC8078-870A-DB46-A132-721CD772E8ED}" type="datetimeFigureOut">
               <a:rPr lang="en-US" smtClean="0"/>
-              <a:t>8/28/23</a:t>
+              <a:t>8/29/23</a:t>
             </a:fld>
             <a:endParaRPr lang="en-US"/>
           </a:p>
@@ -2907,7 +3353,7 @@
           <a:p>
             <a:fld id="{30BC8078-870A-DB46-A132-721CD772E8ED}" type="datetimeFigureOut">
               <a:rPr lang="en-US" smtClean="0"/>
-              <a:t>8/28/23</a:t>
+              <a:t>8/29/23</a:t>
             </a:fld>
             <a:endParaRPr lang="en-US"/>
           </a:p>
@@ -4295,6 +4741,1094 @@
         </p:nvSpPr>
         <p:spPr>
           <a:xfrm>
+            <a:off x="2240601" y="2687193"/>
+            <a:ext cx="2554047" cy="646331"/>
+          </a:xfrm>
+          <a:prstGeom prst="rect">
+            <a:avLst/>
+          </a:prstGeom>
+          <a:noFill/>
+          <a:ln>
+            <a:solidFill>
+              <a:schemeClr val="tx1"/>
+            </a:solidFill>
+          </a:ln>
+        </p:spPr>
+        <p:txBody>
+          <a:bodyPr wrap="square" rtlCol="0">
+            <a:spAutoFit/>
+          </a:bodyPr>
+          <a:lstStyle/>
+          <a:p>
+            <a:r>
+              <a:rPr lang="en-US" dirty="0"/>
+              <a:t>A </a:t>
+            </a:r>
+            <a:r>
+              <a:rPr lang="en-US" b="1" dirty="0">
+                <a:solidFill>
+                  <a:schemeClr val="accent2">
+                    <a:lumMod val="50000"/>
+                  </a:schemeClr>
+                </a:solidFill>
+              </a:rPr>
+              <a:t>dataframe/tibble</a:t>
+            </a:r>
+            <a:r>
+              <a:rPr lang="en-US" b="1" dirty="0"/>
+              <a:t> </a:t>
+            </a:r>
+          </a:p>
+          <a:p>
+            <a:r>
+              <a:rPr lang="en-US" dirty="0"/>
+              <a:t>consists of </a:t>
+            </a:r>
+            <a:r>
+              <a:rPr lang="en-US" b="1" dirty="0">
+                <a:solidFill>
+                  <a:schemeClr val="accent2"/>
+                </a:solidFill>
+              </a:rPr>
+              <a:t>columns</a:t>
+            </a:r>
+            <a:endParaRPr lang="en-US" dirty="0">
+              <a:solidFill>
+                <a:schemeClr val="accent2"/>
+              </a:solidFill>
+            </a:endParaRPr>
+          </a:p>
+        </p:txBody>
+      </p:sp>
+      <p:sp>
+        <p:nvSpPr>
+          <p:cNvPr id="16" name="TextBox 15">
+            <a:extLst>
+              <a:ext uri="{FF2B5EF4-FFF2-40B4-BE49-F238E27FC236}">
+                <a16:creationId xmlns:a16="http://schemas.microsoft.com/office/drawing/2014/main" id="{E0409EC9-2D5A-8B61-6239-55FE0D0525E9}"/>
+              </a:ext>
+            </a:extLst>
+          </p:cNvPr>
+          <p:cNvSpPr txBox="1"/>
+          <p:nvPr/>
+        </p:nvSpPr>
+        <p:spPr>
+          <a:xfrm>
+            <a:off x="4230422" y="3707718"/>
+            <a:ext cx="2713303" cy="646331"/>
+          </a:xfrm>
+          <a:prstGeom prst="rect">
+            <a:avLst/>
+          </a:prstGeom>
+          <a:noFill/>
+          <a:ln>
+            <a:solidFill>
+              <a:schemeClr val="tx1"/>
+            </a:solidFill>
+          </a:ln>
+        </p:spPr>
+        <p:txBody>
+          <a:bodyPr wrap="square" rtlCol="0">
+            <a:spAutoFit/>
+          </a:bodyPr>
+          <a:lstStyle/>
+          <a:p>
+            <a:r>
+              <a:rPr lang="en-US" dirty="0"/>
+              <a:t>A </a:t>
+            </a:r>
+            <a:r>
+              <a:rPr lang="en-US" b="1" dirty="0">
+                <a:solidFill>
+                  <a:schemeClr val="accent2"/>
+                </a:solidFill>
+              </a:rPr>
+              <a:t>chr column </a:t>
+            </a:r>
+          </a:p>
+          <a:p>
+            <a:r>
+              <a:rPr lang="en-US" dirty="0"/>
+              <a:t>consists of individual </a:t>
+            </a:r>
+            <a:r>
+              <a:rPr lang="en-US" b="1" dirty="0">
+                <a:solidFill>
+                  <a:srgbClr val="00B0F0"/>
+                </a:solidFill>
+              </a:rPr>
+              <a:t>chrs</a:t>
+            </a:r>
+            <a:endParaRPr lang="en-US" dirty="0">
+              <a:solidFill>
+                <a:srgbClr val="00B0F0"/>
+              </a:solidFill>
+            </a:endParaRPr>
+          </a:p>
+        </p:txBody>
+      </p:sp>
+      <p:sp>
+        <p:nvSpPr>
+          <p:cNvPr id="50" name="Bent Arrow 49">
+            <a:extLst>
+              <a:ext uri="{FF2B5EF4-FFF2-40B4-BE49-F238E27FC236}">
+                <a16:creationId xmlns:a16="http://schemas.microsoft.com/office/drawing/2014/main" id="{CB353209-4E4C-D277-7B70-4471E5B24603}"/>
+              </a:ext>
+            </a:extLst>
+          </p:cNvPr>
+          <p:cNvSpPr/>
+          <p:nvPr/>
+        </p:nvSpPr>
+        <p:spPr>
+          <a:xfrm flipV="1">
+            <a:off x="10563916" y="2641295"/>
+            <a:ext cx="567159" cy="646330"/>
+          </a:xfrm>
+          <a:prstGeom prst="bentArrow">
+            <a:avLst/>
+          </a:prstGeom>
+          <a:solidFill>
+            <a:schemeClr val="tx1">
+              <a:lumMod val="50000"/>
+              <a:lumOff val="50000"/>
+            </a:schemeClr>
+          </a:solidFill>
+        </p:spPr>
+        <p:style>
+          <a:lnRef idx="2">
+            <a:schemeClr val="accent1">
+              <a:shade val="15000"/>
+            </a:schemeClr>
+          </a:lnRef>
+          <a:fillRef idx="1">
+            <a:schemeClr val="accent1"/>
+          </a:fillRef>
+          <a:effectRef idx="0">
+            <a:schemeClr val="accent1"/>
+          </a:effectRef>
+          <a:fontRef idx="minor">
+            <a:schemeClr val="lt1"/>
+          </a:fontRef>
+        </p:style>
+        <p:txBody>
+          <a:bodyPr rtlCol="0" anchor="ctr"/>
+          <a:lstStyle/>
+          <a:p>
+            <a:pPr algn="ctr"/>
+            <a:endParaRPr lang="en-US">
+              <a:solidFill>
+                <a:schemeClr val="tx1"/>
+              </a:solidFill>
+            </a:endParaRPr>
+          </a:p>
+        </p:txBody>
+      </p:sp>
+      <p:sp>
+        <p:nvSpPr>
+          <p:cNvPr id="52" name="Rounded Rectangle 51">
+            <a:extLst>
+              <a:ext uri="{FF2B5EF4-FFF2-40B4-BE49-F238E27FC236}">
+                <a16:creationId xmlns:a16="http://schemas.microsoft.com/office/drawing/2014/main" id="{5B18842E-40FA-8A48-AAE9-806D09217F6E}"/>
+              </a:ext>
+            </a:extLst>
+          </p:cNvPr>
+          <p:cNvSpPr/>
+          <p:nvPr/>
+        </p:nvSpPr>
+        <p:spPr>
+          <a:xfrm>
+            <a:off x="654783" y="5614615"/>
+            <a:ext cx="6459699" cy="884844"/>
+          </a:xfrm>
+          <a:prstGeom prst="roundRect">
+            <a:avLst/>
+          </a:prstGeom>
+          <a:solidFill>
+            <a:schemeClr val="bg1">
+              <a:lumMod val="75000"/>
+            </a:schemeClr>
+          </a:solidFill>
+          <a:ln>
+            <a:noFill/>
+          </a:ln>
+        </p:spPr>
+        <p:style>
+          <a:lnRef idx="2">
+            <a:schemeClr val="accent1">
+              <a:shade val="15000"/>
+            </a:schemeClr>
+          </a:lnRef>
+          <a:fillRef idx="1">
+            <a:schemeClr val="accent1"/>
+          </a:fillRef>
+          <a:effectRef idx="0">
+            <a:schemeClr val="accent1"/>
+          </a:effectRef>
+          <a:fontRef idx="minor">
+            <a:schemeClr val="lt1"/>
+          </a:fontRef>
+        </p:style>
+        <p:txBody>
+          <a:bodyPr rtlCol="0" anchor="ctr"/>
+          <a:lstStyle/>
+          <a:p>
+            <a:pPr algn="ctr"/>
+            <a:r>
+              <a:rPr lang="en-US" b="1" dirty="0">
+                <a:solidFill>
+                  <a:schemeClr val="accent2"/>
+                </a:solidFill>
+              </a:rPr>
+              <a:t>Data structures </a:t>
+            </a:r>
+            <a:r>
+              <a:rPr lang="en-US" dirty="0">
+                <a:solidFill>
+                  <a:schemeClr val="tx1"/>
+                </a:solidFill>
+              </a:rPr>
+              <a:t>can contain either data or other </a:t>
+            </a:r>
+            <a:r>
+              <a:rPr lang="en-US" b="1" dirty="0">
+                <a:solidFill>
+                  <a:schemeClr val="accent2"/>
+                </a:solidFill>
+              </a:rPr>
+              <a:t>data structures</a:t>
+            </a:r>
+            <a:r>
+              <a:rPr lang="en-US" dirty="0"/>
+              <a:t>.  </a:t>
+            </a:r>
+            <a:r>
+              <a:rPr lang="en-US" dirty="0">
+                <a:solidFill>
+                  <a:schemeClr val="tx1"/>
+                </a:solidFill>
+              </a:rPr>
+              <a:t>Each nested structure represents another </a:t>
+            </a:r>
+            <a:r>
+              <a:rPr lang="en-US" b="1" dirty="0">
+                <a:solidFill>
+                  <a:schemeClr val="accent2"/>
+                </a:solidFill>
+              </a:rPr>
+              <a:t>level of abstraction</a:t>
+            </a:r>
+          </a:p>
+        </p:txBody>
+      </p:sp>
+      <p:sp>
+        <p:nvSpPr>
+          <p:cNvPr id="53" name="Title 52">
+            <a:extLst>
+              <a:ext uri="{FF2B5EF4-FFF2-40B4-BE49-F238E27FC236}">
+                <a16:creationId xmlns:a16="http://schemas.microsoft.com/office/drawing/2014/main" id="{11D09985-DC8B-7C70-B36B-CA4F4B3F71B1}"/>
+              </a:ext>
+            </a:extLst>
+          </p:cNvPr>
+          <p:cNvSpPr>
+            <a:spLocks noGrp="1"/>
+          </p:cNvSpPr>
+          <p:nvPr>
+            <p:ph type="title"/>
+          </p:nvPr>
+        </p:nvSpPr>
+        <p:spPr>
+          <a:xfrm>
+            <a:off x="681584" y="852635"/>
+            <a:ext cx="10515600" cy="527804"/>
+          </a:xfrm>
+        </p:spPr>
+        <p:txBody>
+          <a:bodyPr>
+            <a:normAutofit fontScale="90000"/>
+          </a:bodyPr>
+          <a:lstStyle/>
+          <a:p>
+            <a:r>
+              <a:rPr lang="en-US" dirty="0"/>
+              <a:t>Levels of Abstraction </a:t>
+            </a:r>
+            <a:br>
+              <a:rPr lang="en-US" dirty="0"/>
+            </a:br>
+            <a:r>
+              <a:rPr lang="en-US" dirty="0"/>
+              <a:t>for a chr column</a:t>
+            </a:r>
+          </a:p>
+        </p:txBody>
+      </p:sp>
+      <p:pic>
+        <p:nvPicPr>
+          <p:cNvPr id="14" name="Picture 13">
+            <a:extLst>
+              <a:ext uri="{FF2B5EF4-FFF2-40B4-BE49-F238E27FC236}">
+                <a16:creationId xmlns:a16="http://schemas.microsoft.com/office/drawing/2014/main" id="{6D7CF87C-AC6B-C59B-AA64-46814CC142BB}"/>
+              </a:ext>
+            </a:extLst>
+          </p:cNvPr>
+          <p:cNvPicPr>
+            <a:picLocks noChangeAspect="1"/>
+          </p:cNvPicPr>
+          <p:nvPr/>
+        </p:nvPicPr>
+        <p:blipFill>
+          <a:blip r:embed="rId2"/>
+          <a:stretch>
+            <a:fillRect/>
+          </a:stretch>
+        </p:blipFill>
+        <p:spPr>
+          <a:xfrm>
+            <a:off x="8854679" y="852635"/>
+            <a:ext cx="2273300" cy="5727700"/>
+          </a:xfrm>
+          <a:prstGeom prst="rect">
+            <a:avLst/>
+          </a:prstGeom>
+        </p:spPr>
+      </p:pic>
+      <p:grpSp>
+        <p:nvGrpSpPr>
+          <p:cNvPr id="55" name="Group 54">
+            <a:extLst>
+              <a:ext uri="{FF2B5EF4-FFF2-40B4-BE49-F238E27FC236}">
+                <a16:creationId xmlns:a16="http://schemas.microsoft.com/office/drawing/2014/main" id="{34D220C5-481E-C800-1787-67703EF595A2}"/>
+              </a:ext>
+            </a:extLst>
+          </p:cNvPr>
+          <p:cNvGrpSpPr/>
+          <p:nvPr/>
+        </p:nvGrpSpPr>
+        <p:grpSpPr>
+          <a:xfrm>
+            <a:off x="9991329" y="2072626"/>
+            <a:ext cx="1093516" cy="4426833"/>
+            <a:chOff x="5216641" y="2265862"/>
+            <a:chExt cx="1093516" cy="4426833"/>
+          </a:xfrm>
+        </p:grpSpPr>
+        <p:sp>
+          <p:nvSpPr>
+            <p:cNvPr id="56" name="Rectangle 55">
+              <a:extLst>
+                <a:ext uri="{FF2B5EF4-FFF2-40B4-BE49-F238E27FC236}">
+                  <a16:creationId xmlns:a16="http://schemas.microsoft.com/office/drawing/2014/main" id="{8A1E8FD7-D826-9F32-55A5-9E86B0C7A4D9}"/>
+                </a:ext>
+              </a:extLst>
+            </p:cNvPr>
+            <p:cNvSpPr/>
+            <p:nvPr/>
+          </p:nvSpPr>
+          <p:spPr>
+            <a:xfrm>
+              <a:off x="5216641" y="2265862"/>
+              <a:ext cx="1093516" cy="4426833"/>
+            </a:xfrm>
+            <a:prstGeom prst="rect">
+              <a:avLst/>
+            </a:prstGeom>
+            <a:solidFill>
+              <a:srgbClr val="ED7D31">
+                <a:alpha val="13333"/>
+              </a:srgbClr>
+            </a:solidFill>
+            <a:ln w="38100">
+              <a:solidFill>
+                <a:schemeClr val="accent2"/>
+              </a:solidFill>
+            </a:ln>
+          </p:spPr>
+          <p:style>
+            <a:lnRef idx="2">
+              <a:schemeClr val="accent1">
+                <a:shade val="15000"/>
+              </a:schemeClr>
+            </a:lnRef>
+            <a:fillRef idx="1">
+              <a:schemeClr val="accent1"/>
+            </a:fillRef>
+            <a:effectRef idx="0">
+              <a:schemeClr val="accent1"/>
+            </a:effectRef>
+            <a:fontRef idx="minor">
+              <a:schemeClr val="lt1"/>
+            </a:fontRef>
+          </p:style>
+          <p:txBody>
+            <a:bodyPr rtlCol="0" anchor="ctr"/>
+            <a:lstStyle/>
+            <a:p>
+              <a:pPr algn="ctr"/>
+              <a:endParaRPr lang="en-US"/>
+            </a:p>
+          </p:txBody>
+        </p:sp>
+        <p:sp>
+          <p:nvSpPr>
+            <p:cNvPr id="57" name="Rectangle 56">
+              <a:extLst>
+                <a:ext uri="{FF2B5EF4-FFF2-40B4-BE49-F238E27FC236}">
+                  <a16:creationId xmlns:a16="http://schemas.microsoft.com/office/drawing/2014/main" id="{938EB5FC-7822-1242-AE2D-80DF2CB3A025}"/>
+                </a:ext>
+              </a:extLst>
+            </p:cNvPr>
+            <p:cNvSpPr/>
+            <p:nvPr/>
+          </p:nvSpPr>
+          <p:spPr>
+            <a:xfrm>
+              <a:off x="5905343" y="2323014"/>
+              <a:ext cx="332453" cy="281075"/>
+            </a:xfrm>
+            <a:prstGeom prst="rect">
+              <a:avLst/>
+            </a:prstGeom>
+            <a:solidFill>
+              <a:srgbClr val="00B0F0">
+                <a:alpha val="12157"/>
+              </a:srgbClr>
+            </a:solidFill>
+            <a:ln w="28575">
+              <a:solidFill>
+                <a:srgbClr val="00B0F0"/>
+              </a:solidFill>
+            </a:ln>
+          </p:spPr>
+          <p:style>
+            <a:lnRef idx="2">
+              <a:schemeClr val="accent1">
+                <a:shade val="15000"/>
+              </a:schemeClr>
+            </a:lnRef>
+            <a:fillRef idx="1">
+              <a:schemeClr val="accent1"/>
+            </a:fillRef>
+            <a:effectRef idx="0">
+              <a:schemeClr val="accent1"/>
+            </a:effectRef>
+            <a:fontRef idx="minor">
+              <a:schemeClr val="lt1"/>
+            </a:fontRef>
+          </p:style>
+          <p:txBody>
+            <a:bodyPr rtlCol="0" anchor="ctr"/>
+            <a:lstStyle/>
+            <a:p>
+              <a:pPr algn="ctr"/>
+              <a:endParaRPr lang="en-US" dirty="0"/>
+            </a:p>
+          </p:txBody>
+        </p:sp>
+        <p:sp>
+          <p:nvSpPr>
+            <p:cNvPr id="58" name="Rectangle 57">
+              <a:extLst>
+                <a:ext uri="{FF2B5EF4-FFF2-40B4-BE49-F238E27FC236}">
+                  <a16:creationId xmlns:a16="http://schemas.microsoft.com/office/drawing/2014/main" id="{F8A054FA-30C4-0977-896E-0C6C84A7B4AF}"/>
+                </a:ext>
+              </a:extLst>
+            </p:cNvPr>
+            <p:cNvSpPr/>
+            <p:nvPr/>
+          </p:nvSpPr>
+          <p:spPr>
+            <a:xfrm>
+              <a:off x="5905343" y="2760391"/>
+              <a:ext cx="332453" cy="281075"/>
+            </a:xfrm>
+            <a:prstGeom prst="rect">
+              <a:avLst/>
+            </a:prstGeom>
+            <a:solidFill>
+              <a:srgbClr val="00B0F0">
+                <a:alpha val="12157"/>
+              </a:srgbClr>
+            </a:solidFill>
+            <a:ln w="28575">
+              <a:solidFill>
+                <a:srgbClr val="00B0F0"/>
+              </a:solidFill>
+            </a:ln>
+          </p:spPr>
+          <p:style>
+            <a:lnRef idx="2">
+              <a:schemeClr val="accent1">
+                <a:shade val="15000"/>
+              </a:schemeClr>
+            </a:lnRef>
+            <a:fillRef idx="1">
+              <a:schemeClr val="accent1"/>
+            </a:fillRef>
+            <a:effectRef idx="0">
+              <a:schemeClr val="accent1"/>
+            </a:effectRef>
+            <a:fontRef idx="minor">
+              <a:schemeClr val="lt1"/>
+            </a:fontRef>
+          </p:style>
+          <p:txBody>
+            <a:bodyPr rtlCol="0" anchor="ctr"/>
+            <a:lstStyle/>
+            <a:p>
+              <a:pPr algn="ctr"/>
+              <a:endParaRPr lang="en-US" dirty="0"/>
+            </a:p>
+          </p:txBody>
+        </p:sp>
+        <p:sp>
+          <p:nvSpPr>
+            <p:cNvPr id="59" name="Rectangle 58">
+              <a:extLst>
+                <a:ext uri="{FF2B5EF4-FFF2-40B4-BE49-F238E27FC236}">
+                  <a16:creationId xmlns:a16="http://schemas.microsoft.com/office/drawing/2014/main" id="{08812F25-62F7-7B3E-8F52-9916BC5055C8}"/>
+                </a:ext>
+              </a:extLst>
+            </p:cNvPr>
+            <p:cNvSpPr/>
+            <p:nvPr/>
+          </p:nvSpPr>
+          <p:spPr>
+            <a:xfrm>
+              <a:off x="5905343" y="3214365"/>
+              <a:ext cx="332453" cy="281075"/>
+            </a:xfrm>
+            <a:prstGeom prst="rect">
+              <a:avLst/>
+            </a:prstGeom>
+            <a:solidFill>
+              <a:srgbClr val="00B0F0">
+                <a:alpha val="12157"/>
+              </a:srgbClr>
+            </a:solidFill>
+            <a:ln w="28575">
+              <a:solidFill>
+                <a:srgbClr val="00B0F0"/>
+              </a:solidFill>
+            </a:ln>
+          </p:spPr>
+          <p:style>
+            <a:lnRef idx="2">
+              <a:schemeClr val="accent1">
+                <a:shade val="15000"/>
+              </a:schemeClr>
+            </a:lnRef>
+            <a:fillRef idx="1">
+              <a:schemeClr val="accent1"/>
+            </a:fillRef>
+            <a:effectRef idx="0">
+              <a:schemeClr val="accent1"/>
+            </a:effectRef>
+            <a:fontRef idx="minor">
+              <a:schemeClr val="lt1"/>
+            </a:fontRef>
+          </p:style>
+          <p:txBody>
+            <a:bodyPr rtlCol="0" anchor="ctr"/>
+            <a:lstStyle/>
+            <a:p>
+              <a:pPr algn="ctr"/>
+              <a:endParaRPr lang="en-US" dirty="0"/>
+            </a:p>
+          </p:txBody>
+        </p:sp>
+        <p:sp>
+          <p:nvSpPr>
+            <p:cNvPr id="60" name="Rectangle 59">
+              <a:extLst>
+                <a:ext uri="{FF2B5EF4-FFF2-40B4-BE49-F238E27FC236}">
+                  <a16:creationId xmlns:a16="http://schemas.microsoft.com/office/drawing/2014/main" id="{A6E12DE8-333F-3C9B-ACED-96326F9A86AB}"/>
+                </a:ext>
+              </a:extLst>
+            </p:cNvPr>
+            <p:cNvSpPr/>
+            <p:nvPr/>
+          </p:nvSpPr>
+          <p:spPr>
+            <a:xfrm>
+              <a:off x="5905343" y="3651742"/>
+              <a:ext cx="332453" cy="281075"/>
+            </a:xfrm>
+            <a:prstGeom prst="rect">
+              <a:avLst/>
+            </a:prstGeom>
+            <a:solidFill>
+              <a:srgbClr val="00B0F0">
+                <a:alpha val="12157"/>
+              </a:srgbClr>
+            </a:solidFill>
+            <a:ln w="28575">
+              <a:solidFill>
+                <a:srgbClr val="00B0F0"/>
+              </a:solidFill>
+            </a:ln>
+          </p:spPr>
+          <p:style>
+            <a:lnRef idx="2">
+              <a:schemeClr val="accent1">
+                <a:shade val="15000"/>
+              </a:schemeClr>
+            </a:lnRef>
+            <a:fillRef idx="1">
+              <a:schemeClr val="accent1"/>
+            </a:fillRef>
+            <a:effectRef idx="0">
+              <a:schemeClr val="accent1"/>
+            </a:effectRef>
+            <a:fontRef idx="minor">
+              <a:schemeClr val="lt1"/>
+            </a:fontRef>
+          </p:style>
+          <p:txBody>
+            <a:bodyPr rtlCol="0" anchor="ctr"/>
+            <a:lstStyle/>
+            <a:p>
+              <a:pPr algn="ctr"/>
+              <a:endParaRPr lang="en-US" dirty="0"/>
+            </a:p>
+          </p:txBody>
+        </p:sp>
+        <p:sp>
+          <p:nvSpPr>
+            <p:cNvPr id="61" name="Rectangle 60">
+              <a:extLst>
+                <a:ext uri="{FF2B5EF4-FFF2-40B4-BE49-F238E27FC236}">
+                  <a16:creationId xmlns:a16="http://schemas.microsoft.com/office/drawing/2014/main" id="{21BE86E7-254D-4B17-F691-B2D6321A7394}"/>
+                </a:ext>
+              </a:extLst>
+            </p:cNvPr>
+            <p:cNvSpPr/>
+            <p:nvPr/>
+          </p:nvSpPr>
+          <p:spPr>
+            <a:xfrm>
+              <a:off x="5905343" y="4109908"/>
+              <a:ext cx="332453" cy="281075"/>
+            </a:xfrm>
+            <a:prstGeom prst="rect">
+              <a:avLst/>
+            </a:prstGeom>
+            <a:solidFill>
+              <a:srgbClr val="00B0F0">
+                <a:alpha val="12157"/>
+              </a:srgbClr>
+            </a:solidFill>
+            <a:ln w="28575">
+              <a:solidFill>
+                <a:srgbClr val="00B0F0"/>
+              </a:solidFill>
+            </a:ln>
+          </p:spPr>
+          <p:style>
+            <a:lnRef idx="2">
+              <a:schemeClr val="accent1">
+                <a:shade val="15000"/>
+              </a:schemeClr>
+            </a:lnRef>
+            <a:fillRef idx="1">
+              <a:schemeClr val="accent1"/>
+            </a:fillRef>
+            <a:effectRef idx="0">
+              <a:schemeClr val="accent1"/>
+            </a:effectRef>
+            <a:fontRef idx="minor">
+              <a:schemeClr val="lt1"/>
+            </a:fontRef>
+          </p:style>
+          <p:txBody>
+            <a:bodyPr rtlCol="0" anchor="ctr"/>
+            <a:lstStyle/>
+            <a:p>
+              <a:pPr algn="ctr"/>
+              <a:endParaRPr lang="en-US" dirty="0"/>
+            </a:p>
+          </p:txBody>
+        </p:sp>
+        <p:sp>
+          <p:nvSpPr>
+            <p:cNvPr id="62" name="Rectangle 61">
+              <a:extLst>
+                <a:ext uri="{FF2B5EF4-FFF2-40B4-BE49-F238E27FC236}">
+                  <a16:creationId xmlns:a16="http://schemas.microsoft.com/office/drawing/2014/main" id="{CBFC1983-3C7F-7847-849A-47E3AC0F287F}"/>
+                </a:ext>
+              </a:extLst>
+            </p:cNvPr>
+            <p:cNvSpPr/>
+            <p:nvPr/>
+          </p:nvSpPr>
+          <p:spPr>
+            <a:xfrm>
+              <a:off x="5905343" y="4547285"/>
+              <a:ext cx="332453" cy="281075"/>
+            </a:xfrm>
+            <a:prstGeom prst="rect">
+              <a:avLst/>
+            </a:prstGeom>
+            <a:solidFill>
+              <a:srgbClr val="00B0F0">
+                <a:alpha val="12157"/>
+              </a:srgbClr>
+            </a:solidFill>
+            <a:ln w="28575">
+              <a:solidFill>
+                <a:srgbClr val="00B0F0"/>
+              </a:solidFill>
+            </a:ln>
+          </p:spPr>
+          <p:style>
+            <a:lnRef idx="2">
+              <a:schemeClr val="accent1">
+                <a:shade val="15000"/>
+              </a:schemeClr>
+            </a:lnRef>
+            <a:fillRef idx="1">
+              <a:schemeClr val="accent1"/>
+            </a:fillRef>
+            <a:effectRef idx="0">
+              <a:schemeClr val="accent1"/>
+            </a:effectRef>
+            <a:fontRef idx="minor">
+              <a:schemeClr val="lt1"/>
+            </a:fontRef>
+          </p:style>
+          <p:txBody>
+            <a:bodyPr rtlCol="0" anchor="ctr"/>
+            <a:lstStyle/>
+            <a:p>
+              <a:pPr algn="ctr"/>
+              <a:endParaRPr lang="en-US" dirty="0"/>
+            </a:p>
+          </p:txBody>
+        </p:sp>
+        <p:sp>
+          <p:nvSpPr>
+            <p:cNvPr id="63" name="Rectangle 62">
+              <a:extLst>
+                <a:ext uri="{FF2B5EF4-FFF2-40B4-BE49-F238E27FC236}">
+                  <a16:creationId xmlns:a16="http://schemas.microsoft.com/office/drawing/2014/main" id="{BB596827-80DD-F1C6-AB72-8D8D8DA3A390}"/>
+                </a:ext>
+              </a:extLst>
+            </p:cNvPr>
+            <p:cNvSpPr/>
+            <p:nvPr/>
+          </p:nvSpPr>
+          <p:spPr>
+            <a:xfrm>
+              <a:off x="5905343" y="5001259"/>
+              <a:ext cx="332453" cy="281075"/>
+            </a:xfrm>
+            <a:prstGeom prst="rect">
+              <a:avLst/>
+            </a:prstGeom>
+            <a:solidFill>
+              <a:srgbClr val="00B0F0">
+                <a:alpha val="12157"/>
+              </a:srgbClr>
+            </a:solidFill>
+            <a:ln w="28575">
+              <a:solidFill>
+                <a:srgbClr val="00B0F0"/>
+              </a:solidFill>
+            </a:ln>
+          </p:spPr>
+          <p:style>
+            <a:lnRef idx="2">
+              <a:schemeClr val="accent1">
+                <a:shade val="15000"/>
+              </a:schemeClr>
+            </a:lnRef>
+            <a:fillRef idx="1">
+              <a:schemeClr val="accent1"/>
+            </a:fillRef>
+            <a:effectRef idx="0">
+              <a:schemeClr val="accent1"/>
+            </a:effectRef>
+            <a:fontRef idx="minor">
+              <a:schemeClr val="lt1"/>
+            </a:fontRef>
+          </p:style>
+          <p:txBody>
+            <a:bodyPr rtlCol="0" anchor="ctr"/>
+            <a:lstStyle/>
+            <a:p>
+              <a:pPr algn="ctr"/>
+              <a:endParaRPr lang="en-US" dirty="0"/>
+            </a:p>
+          </p:txBody>
+        </p:sp>
+        <p:sp>
+          <p:nvSpPr>
+            <p:cNvPr id="64" name="Rectangle 63">
+              <a:extLst>
+                <a:ext uri="{FF2B5EF4-FFF2-40B4-BE49-F238E27FC236}">
+                  <a16:creationId xmlns:a16="http://schemas.microsoft.com/office/drawing/2014/main" id="{B12F2278-0602-DD2A-B528-48763D1D87B6}"/>
+                </a:ext>
+              </a:extLst>
+            </p:cNvPr>
+            <p:cNvSpPr/>
+            <p:nvPr/>
+          </p:nvSpPr>
+          <p:spPr>
+            <a:xfrm>
+              <a:off x="5905343" y="5438636"/>
+              <a:ext cx="332453" cy="281075"/>
+            </a:xfrm>
+            <a:prstGeom prst="rect">
+              <a:avLst/>
+            </a:prstGeom>
+            <a:solidFill>
+              <a:srgbClr val="00B0F0">
+                <a:alpha val="12157"/>
+              </a:srgbClr>
+            </a:solidFill>
+            <a:ln w="28575">
+              <a:solidFill>
+                <a:srgbClr val="00B0F0"/>
+              </a:solidFill>
+            </a:ln>
+          </p:spPr>
+          <p:style>
+            <a:lnRef idx="2">
+              <a:schemeClr val="accent1">
+                <a:shade val="15000"/>
+              </a:schemeClr>
+            </a:lnRef>
+            <a:fillRef idx="1">
+              <a:schemeClr val="accent1"/>
+            </a:fillRef>
+            <a:effectRef idx="0">
+              <a:schemeClr val="accent1"/>
+            </a:effectRef>
+            <a:fontRef idx="minor">
+              <a:schemeClr val="lt1"/>
+            </a:fontRef>
+          </p:style>
+          <p:txBody>
+            <a:bodyPr rtlCol="0" anchor="ctr"/>
+            <a:lstStyle/>
+            <a:p>
+              <a:pPr algn="ctr"/>
+              <a:endParaRPr lang="en-US" dirty="0"/>
+            </a:p>
+          </p:txBody>
+        </p:sp>
+        <p:sp>
+          <p:nvSpPr>
+            <p:cNvPr id="65" name="Rectangle 64">
+              <a:extLst>
+                <a:ext uri="{FF2B5EF4-FFF2-40B4-BE49-F238E27FC236}">
+                  <a16:creationId xmlns:a16="http://schemas.microsoft.com/office/drawing/2014/main" id="{0AE51FF4-015C-6E05-AC1C-AFC232039B12}"/>
+                </a:ext>
+              </a:extLst>
+            </p:cNvPr>
+            <p:cNvSpPr/>
+            <p:nvPr/>
+          </p:nvSpPr>
+          <p:spPr>
+            <a:xfrm>
+              <a:off x="5905343" y="5892610"/>
+              <a:ext cx="332453" cy="281075"/>
+            </a:xfrm>
+            <a:prstGeom prst="rect">
+              <a:avLst/>
+            </a:prstGeom>
+            <a:solidFill>
+              <a:srgbClr val="00B0F0">
+                <a:alpha val="12157"/>
+              </a:srgbClr>
+            </a:solidFill>
+            <a:ln w="28575">
+              <a:solidFill>
+                <a:srgbClr val="00B0F0"/>
+              </a:solidFill>
+            </a:ln>
+          </p:spPr>
+          <p:style>
+            <a:lnRef idx="2">
+              <a:schemeClr val="accent1">
+                <a:shade val="15000"/>
+              </a:schemeClr>
+            </a:lnRef>
+            <a:fillRef idx="1">
+              <a:schemeClr val="accent1"/>
+            </a:fillRef>
+            <a:effectRef idx="0">
+              <a:schemeClr val="accent1"/>
+            </a:effectRef>
+            <a:fontRef idx="minor">
+              <a:schemeClr val="lt1"/>
+            </a:fontRef>
+          </p:style>
+          <p:txBody>
+            <a:bodyPr rtlCol="0" anchor="ctr"/>
+            <a:lstStyle/>
+            <a:p>
+              <a:pPr algn="ctr"/>
+              <a:endParaRPr lang="en-US" dirty="0"/>
+            </a:p>
+          </p:txBody>
+        </p:sp>
+        <p:sp>
+          <p:nvSpPr>
+            <p:cNvPr id="66" name="Rectangle 65">
+              <a:extLst>
+                <a:ext uri="{FF2B5EF4-FFF2-40B4-BE49-F238E27FC236}">
+                  <a16:creationId xmlns:a16="http://schemas.microsoft.com/office/drawing/2014/main" id="{3B4C1ACE-F4BC-E5D0-87C6-77C3077374DE}"/>
+                </a:ext>
+              </a:extLst>
+            </p:cNvPr>
+            <p:cNvSpPr/>
+            <p:nvPr/>
+          </p:nvSpPr>
+          <p:spPr>
+            <a:xfrm>
+              <a:off x="5905343" y="6329987"/>
+              <a:ext cx="332453" cy="281075"/>
+            </a:xfrm>
+            <a:prstGeom prst="rect">
+              <a:avLst/>
+            </a:prstGeom>
+            <a:solidFill>
+              <a:srgbClr val="00B0F0">
+                <a:alpha val="12157"/>
+              </a:srgbClr>
+            </a:solidFill>
+            <a:ln w="28575">
+              <a:solidFill>
+                <a:srgbClr val="00B0F0"/>
+              </a:solidFill>
+            </a:ln>
+          </p:spPr>
+          <p:style>
+            <a:lnRef idx="2">
+              <a:schemeClr val="accent1">
+                <a:shade val="15000"/>
+              </a:schemeClr>
+            </a:lnRef>
+            <a:fillRef idx="1">
+              <a:schemeClr val="accent1"/>
+            </a:fillRef>
+            <a:effectRef idx="0">
+              <a:schemeClr val="accent1"/>
+            </a:effectRef>
+            <a:fontRef idx="minor">
+              <a:schemeClr val="lt1"/>
+            </a:fontRef>
+          </p:style>
+          <p:txBody>
+            <a:bodyPr rtlCol="0" anchor="ctr"/>
+            <a:lstStyle/>
+            <a:p>
+              <a:pPr algn="ctr"/>
+              <a:endParaRPr lang="en-US" dirty="0"/>
+            </a:p>
+          </p:txBody>
+        </p:sp>
+      </p:grpSp>
+      <p:sp>
+        <p:nvSpPr>
+          <p:cNvPr id="67" name="Bent Arrow 66">
+            <a:extLst>
+              <a:ext uri="{FF2B5EF4-FFF2-40B4-BE49-F238E27FC236}">
+                <a16:creationId xmlns:a16="http://schemas.microsoft.com/office/drawing/2014/main" id="{A302C97E-FCD9-9B50-D866-0B6EA8343785}"/>
+              </a:ext>
+            </a:extLst>
+          </p:cNvPr>
+          <p:cNvSpPr/>
+          <p:nvPr/>
+        </p:nvSpPr>
+        <p:spPr>
+          <a:xfrm flipV="1">
+            <a:off x="3616886" y="3401554"/>
+            <a:ext cx="567159" cy="646330"/>
+          </a:xfrm>
+          <a:prstGeom prst="bentArrow">
+            <a:avLst/>
+          </a:prstGeom>
+          <a:solidFill>
+            <a:schemeClr val="tx1">
+              <a:lumMod val="50000"/>
+              <a:lumOff val="50000"/>
+            </a:schemeClr>
+          </a:solidFill>
+        </p:spPr>
+        <p:style>
+          <a:lnRef idx="2">
+            <a:schemeClr val="accent1">
+              <a:shade val="15000"/>
+            </a:schemeClr>
+          </a:lnRef>
+          <a:fillRef idx="1">
+            <a:schemeClr val="accent1"/>
+          </a:fillRef>
+          <a:effectRef idx="0">
+            <a:schemeClr val="accent1"/>
+          </a:effectRef>
+          <a:fontRef idx="minor">
+            <a:schemeClr val="lt1"/>
+          </a:fontRef>
+        </p:style>
+        <p:txBody>
+          <a:bodyPr rtlCol="0" anchor="ctr"/>
+          <a:lstStyle/>
+          <a:p>
+            <a:pPr algn="ctr"/>
+            <a:endParaRPr lang="en-US">
+              <a:solidFill>
+                <a:schemeClr val="tx1"/>
+              </a:solidFill>
+            </a:endParaRPr>
+          </a:p>
+        </p:txBody>
+      </p:sp>
+    </p:spTree>
+    <p:extLst>
+      <p:ext uri="{BB962C8B-B14F-4D97-AF65-F5344CB8AC3E}">
+        <p14:creationId xmlns:p14="http://schemas.microsoft.com/office/powerpoint/2010/main" val="279723463"/>
+      </p:ext>
+    </p:extLst>
+  </p:cSld>
+  <p:clrMapOvr>
+    <a:masterClrMapping/>
+  </p:clrMapOvr>
+</p:sld>
+</file>
+
+<file path=ppt/slides/slide3.xml><?xml version="1.0" encoding="utf-8"?>
+<p:sld xmlns:a="http://schemas.openxmlformats.org/drawingml/2006/main" xmlns:r="http://schemas.openxmlformats.org/officeDocument/2006/relationships" xmlns:p="http://schemas.openxmlformats.org/presentationml/2006/main">
+  <p:cSld>
+    <p:spTree>
+      <p:nvGrpSpPr>
+        <p:cNvPr id="1" name=""/>
+        <p:cNvGrpSpPr/>
+        <p:nvPr/>
+      </p:nvGrpSpPr>
+      <p:grpSpPr>
+        <a:xfrm>
+          <a:off x="0" y="0"/>
+          <a:ext cx="0" cy="0"/>
+          <a:chOff x="0" y="0"/>
+          <a:chExt cx="0" cy="0"/>
+        </a:xfrm>
+      </p:grpSpPr>
+      <p:sp>
+        <p:nvSpPr>
+          <p:cNvPr id="15" name="TextBox 14">
+            <a:extLst>
+              <a:ext uri="{FF2B5EF4-FFF2-40B4-BE49-F238E27FC236}">
+                <a16:creationId xmlns:a16="http://schemas.microsoft.com/office/drawing/2014/main" id="{B026D3D2-EF18-5155-09CE-AA6A0BB7593B}"/>
+              </a:ext>
+            </a:extLst>
+          </p:cNvPr>
+          <p:cNvSpPr txBox="1"/>
+          <p:nvPr/>
+        </p:nvSpPr>
+        <p:spPr>
+          <a:xfrm>
             <a:off x="783276" y="2189792"/>
             <a:ext cx="2554047" cy="646331"/>
           </a:xfrm>
@@ -4369,7 +5903,7 @@
         <p:spPr>
           <a:xfrm>
             <a:off x="2773097" y="3210317"/>
-            <a:ext cx="2554047" cy="646331"/>
+            <a:ext cx="2713303" cy="646331"/>
           </a:xfrm>
           <a:prstGeom prst="rect">
             <a:avLst/>
@@ -4411,7 +5945,19 @@
                   <a:srgbClr val="00B0F0"/>
                 </a:solidFill>
               </a:rPr>
-              <a:t>vectors/lists</a:t>
+              <a:t>vectors </a:t>
+            </a:r>
+            <a:r>
+              <a:rPr lang="en-US" dirty="0"/>
+              <a:t>or</a:t>
+            </a:r>
+            <a:r>
+              <a:rPr lang="en-US" b="1" dirty="0">
+                <a:solidFill>
+                  <a:srgbClr val="00B0F0"/>
+                </a:solidFill>
+              </a:rPr>
+              <a:t> lists</a:t>
             </a:r>
             <a:endParaRPr lang="en-US" dirty="0">
               <a:solidFill>
@@ -4536,7 +6082,19 @@
                     <a:srgbClr val="00B0F0"/>
                   </a:solidFill>
                 </a:rPr>
-                <a:t>vectors/lists</a:t>
+                <a:t>vectors </a:t>
+              </a:r>
+              <a:r>
+                <a:rPr lang="en-US" dirty="0"/>
+                <a:t>or</a:t>
+              </a:r>
+              <a:r>
+                <a:rPr lang="en-US" b="1" dirty="0">
+                  <a:solidFill>
+                    <a:srgbClr val="00B0F0"/>
+                  </a:solidFill>
+                </a:rPr>
+                <a:t> lists</a:t>
               </a:r>
               <a:endParaRPr lang="en-US" b="1" dirty="0">
                 <a:solidFill>
@@ -7189,7 +8747,14 @@
           <a:p>
             <a:r>
               <a:rPr lang="en-US" dirty="0"/>
-              <a:t>Levels of Abstraction</a:t>
+              <a:t>Levels of Abstraction </a:t>
+            </a:r>
+            <a:br>
+              <a:rPr lang="en-US" dirty="0"/>
+            </a:br>
+            <a:r>
+              <a:rPr lang="en-US" dirty="0"/>
+              <a:t>for a list column</a:t>
             </a:r>
           </a:p>
         </p:txBody>
@@ -7197,7 +8762,7 @@
     </p:spTree>
     <p:extLst>
       <p:ext uri="{BB962C8B-B14F-4D97-AF65-F5344CB8AC3E}">
-        <p14:creationId xmlns:p14="http://schemas.microsoft.com/office/powerpoint/2010/main" val="279723463"/>
+        <p14:creationId xmlns:p14="http://schemas.microsoft.com/office/powerpoint/2010/main" val="1679130498"/>
       </p:ext>
     </p:extLst>
   </p:cSld>
@@ -7207,7 +8772,6951 @@
 </p:sld>
 </file>
 
-<file path=ppt/slides/slide3.xml><?xml version="1.0" encoding="utf-8"?>
+<file path=ppt/slides/slide4.xml><?xml version="1.0" encoding="utf-8"?>
+<p:sld xmlns:a="http://schemas.openxmlformats.org/drawingml/2006/main" xmlns:r="http://schemas.openxmlformats.org/officeDocument/2006/relationships" xmlns:p="http://schemas.openxmlformats.org/presentationml/2006/main">
+  <p:cSld>
+    <p:spTree>
+      <p:nvGrpSpPr>
+        <p:cNvPr id="1" name=""/>
+        <p:cNvGrpSpPr/>
+        <p:nvPr/>
+      </p:nvGrpSpPr>
+      <p:grpSpPr>
+        <a:xfrm>
+          <a:off x="0" y="0"/>
+          <a:ext cx="0" cy="0"/>
+          <a:chOff x="0" y="0"/>
+          <a:chExt cx="0" cy="0"/>
+        </a:xfrm>
+      </p:grpSpPr>
+      <p:pic>
+        <p:nvPicPr>
+          <p:cNvPr id="48" name="Picture 47">
+            <a:extLst>
+              <a:ext uri="{FF2B5EF4-FFF2-40B4-BE49-F238E27FC236}">
+                <a16:creationId xmlns:a16="http://schemas.microsoft.com/office/drawing/2014/main" id="{1F2FB3E4-D008-3082-731A-B856F0082BAD}"/>
+              </a:ext>
+            </a:extLst>
+          </p:cNvPr>
+          <p:cNvPicPr>
+            <a:picLocks noChangeAspect="1"/>
+          </p:cNvPicPr>
+          <p:nvPr/>
+        </p:nvPicPr>
+        <p:blipFill>
+          <a:blip r:embed="rId2"/>
+          <a:stretch>
+            <a:fillRect/>
+          </a:stretch>
+        </p:blipFill>
+        <p:spPr>
+          <a:xfrm>
+            <a:off x="74664" y="2557847"/>
+            <a:ext cx="6191855" cy="3525674"/>
+          </a:xfrm>
+          <a:prstGeom prst="rect">
+            <a:avLst/>
+          </a:prstGeom>
+        </p:spPr>
+      </p:pic>
+      <p:sp>
+        <p:nvSpPr>
+          <p:cNvPr id="2" name="Title 1">
+            <a:extLst>
+              <a:ext uri="{FF2B5EF4-FFF2-40B4-BE49-F238E27FC236}">
+                <a16:creationId xmlns:a16="http://schemas.microsoft.com/office/drawing/2014/main" id="{4970D44E-C381-28DE-EAB4-AE0350103C3D}"/>
+              </a:ext>
+            </a:extLst>
+          </p:cNvPr>
+          <p:cNvSpPr>
+            <a:spLocks noGrp="1"/>
+          </p:cNvSpPr>
+          <p:nvPr>
+            <p:ph type="title"/>
+          </p:nvPr>
+        </p:nvSpPr>
+        <p:spPr>
+          <a:xfrm>
+            <a:off x="301912" y="178911"/>
+            <a:ext cx="10515600" cy="1325563"/>
+          </a:xfrm>
+        </p:spPr>
+        <p:txBody>
+          <a:bodyPr/>
+          <a:lstStyle/>
+          <a:p>
+            <a:r>
+              <a:rPr lang="en-US" dirty="0"/>
+              <a:t>Simple Outcomes with </a:t>
+            </a:r>
+            <a:r>
+              <a:rPr lang="en-US" dirty="0">
+                <a:latin typeface="Courier New" panose="02070309020205020404" pitchFamily="49" charset="0"/>
+                <a:cs typeface="Courier New" panose="02070309020205020404" pitchFamily="49" charset="0"/>
+              </a:rPr>
+              <a:t>replicate</a:t>
+            </a:r>
+            <a:br>
+              <a:rPr lang="en-US" dirty="0"/>
+            </a:br>
+            <a:r>
+              <a:rPr lang="en-US" dirty="0"/>
+              <a:t>creates an extra level</a:t>
+            </a:r>
+          </a:p>
+        </p:txBody>
+      </p:sp>
+      <p:grpSp>
+        <p:nvGrpSpPr>
+          <p:cNvPr id="47" name="Group 46">
+            <a:extLst>
+              <a:ext uri="{FF2B5EF4-FFF2-40B4-BE49-F238E27FC236}">
+                <a16:creationId xmlns:a16="http://schemas.microsoft.com/office/drawing/2014/main" id="{B21BB4D1-4092-CA01-DD7B-5914FC7B0B7E}"/>
+              </a:ext>
+            </a:extLst>
+          </p:cNvPr>
+          <p:cNvGrpSpPr/>
+          <p:nvPr/>
+        </p:nvGrpSpPr>
+        <p:grpSpPr>
+          <a:xfrm>
+            <a:off x="6585607" y="1034147"/>
+            <a:ext cx="2235200" cy="5708357"/>
+            <a:chOff x="5302250" y="1007380"/>
+            <a:chExt cx="2235200" cy="5708357"/>
+          </a:xfrm>
+        </p:grpSpPr>
+        <p:pic>
+          <p:nvPicPr>
+            <p:cNvPr id="3" name="Picture 2">
+              <a:extLst>
+                <a:ext uri="{FF2B5EF4-FFF2-40B4-BE49-F238E27FC236}">
+                  <a16:creationId xmlns:a16="http://schemas.microsoft.com/office/drawing/2014/main" id="{8D9E7AE1-6DD4-451D-94BB-443DA67960CB}"/>
+                </a:ext>
+              </a:extLst>
+            </p:cNvPr>
+            <p:cNvPicPr>
+              <a:picLocks noChangeAspect="1"/>
+            </p:cNvPicPr>
+            <p:nvPr/>
+          </p:nvPicPr>
+          <p:blipFill>
+            <a:blip r:embed="rId3"/>
+            <a:stretch>
+              <a:fillRect/>
+            </a:stretch>
+          </p:blipFill>
+          <p:spPr>
+            <a:xfrm>
+              <a:off x="5302250" y="1007380"/>
+              <a:ext cx="2235200" cy="5708357"/>
+            </a:xfrm>
+            <a:prstGeom prst="rect">
+              <a:avLst/>
+            </a:prstGeom>
+          </p:spPr>
+        </p:pic>
+        <p:grpSp>
+          <p:nvGrpSpPr>
+            <p:cNvPr id="4" name="Group 3">
+              <a:extLst>
+                <a:ext uri="{FF2B5EF4-FFF2-40B4-BE49-F238E27FC236}">
+                  <a16:creationId xmlns:a16="http://schemas.microsoft.com/office/drawing/2014/main" id="{BEC7ADD0-3377-0C0D-D855-D1BBC22D0401}"/>
+                </a:ext>
+              </a:extLst>
+            </p:cNvPr>
+            <p:cNvGrpSpPr/>
+            <p:nvPr/>
+          </p:nvGrpSpPr>
+          <p:grpSpPr>
+            <a:xfrm>
+              <a:off x="6391274" y="2152469"/>
+              <a:ext cx="1062038" cy="4563268"/>
+              <a:chOff x="9325439" y="2136832"/>
+              <a:chExt cx="1062038" cy="4563268"/>
+            </a:xfrm>
+          </p:grpSpPr>
+          <p:sp>
+            <p:nvSpPr>
+              <p:cNvPr id="6" name="Rectangle 5">
+                <a:extLst>
+                  <a:ext uri="{FF2B5EF4-FFF2-40B4-BE49-F238E27FC236}">
+                    <a16:creationId xmlns:a16="http://schemas.microsoft.com/office/drawing/2014/main" id="{1826A742-84D8-727F-487D-64FACF245D4A}"/>
+                  </a:ext>
+                </a:extLst>
+              </p:cNvPr>
+              <p:cNvSpPr/>
+              <p:nvPr/>
+            </p:nvSpPr>
+            <p:spPr>
+              <a:xfrm>
+                <a:off x="9325439" y="2136832"/>
+                <a:ext cx="1062038" cy="4563268"/>
+              </a:xfrm>
+              <a:prstGeom prst="rect">
+                <a:avLst/>
+              </a:prstGeom>
+              <a:solidFill>
+                <a:srgbClr val="ED7D31">
+                  <a:alpha val="13333"/>
+                </a:srgbClr>
+              </a:solidFill>
+              <a:ln w="38100">
+                <a:solidFill>
+                  <a:schemeClr val="accent2"/>
+                </a:solidFill>
+              </a:ln>
+            </p:spPr>
+            <p:style>
+              <a:lnRef idx="2">
+                <a:schemeClr val="accent1">
+                  <a:shade val="15000"/>
+                </a:schemeClr>
+              </a:lnRef>
+              <a:fillRef idx="1">
+                <a:schemeClr val="accent1"/>
+              </a:fillRef>
+              <a:effectRef idx="0">
+                <a:schemeClr val="accent1"/>
+              </a:effectRef>
+              <a:fontRef idx="minor">
+                <a:schemeClr val="lt1"/>
+              </a:fontRef>
+            </p:style>
+            <p:txBody>
+              <a:bodyPr rtlCol="0" anchor="ctr"/>
+              <a:lstStyle/>
+              <a:p>
+                <a:pPr algn="ctr"/>
+                <a:endParaRPr lang="en-US"/>
+              </a:p>
+            </p:txBody>
+          </p:sp>
+          <p:sp>
+            <p:nvSpPr>
+              <p:cNvPr id="7" name="Rectangle 6">
+                <a:extLst>
+                  <a:ext uri="{FF2B5EF4-FFF2-40B4-BE49-F238E27FC236}">
+                    <a16:creationId xmlns:a16="http://schemas.microsoft.com/office/drawing/2014/main" id="{7B5B00D1-48C6-6213-9AF0-7BDBE3F1F1AB}"/>
+                  </a:ext>
+                </a:extLst>
+              </p:cNvPr>
+              <p:cNvSpPr/>
+              <p:nvPr/>
+            </p:nvSpPr>
+            <p:spPr>
+              <a:xfrm>
+                <a:off x="9963615" y="2193984"/>
+                <a:ext cx="400712" cy="414227"/>
+              </a:xfrm>
+              <a:prstGeom prst="rect">
+                <a:avLst/>
+              </a:prstGeom>
+              <a:solidFill>
+                <a:srgbClr val="00B0F0">
+                  <a:alpha val="12157"/>
+                </a:srgbClr>
+              </a:solidFill>
+              <a:ln w="28575">
+                <a:solidFill>
+                  <a:srgbClr val="00B0F0"/>
+                </a:solidFill>
+              </a:ln>
+            </p:spPr>
+            <p:style>
+              <a:lnRef idx="2">
+                <a:schemeClr val="accent1">
+                  <a:shade val="15000"/>
+                </a:schemeClr>
+              </a:lnRef>
+              <a:fillRef idx="1">
+                <a:schemeClr val="accent1"/>
+              </a:fillRef>
+              <a:effectRef idx="0">
+                <a:schemeClr val="accent1"/>
+              </a:effectRef>
+              <a:fontRef idx="minor">
+                <a:schemeClr val="lt1"/>
+              </a:fontRef>
+            </p:style>
+            <p:txBody>
+              <a:bodyPr rtlCol="0" anchor="ctr"/>
+              <a:lstStyle/>
+              <a:p>
+                <a:pPr algn="ctr"/>
+                <a:endParaRPr lang="en-US" dirty="0"/>
+              </a:p>
+            </p:txBody>
+          </p:sp>
+          <p:sp>
+            <p:nvSpPr>
+              <p:cNvPr id="8" name="Rectangle 7">
+                <a:extLst>
+                  <a:ext uri="{FF2B5EF4-FFF2-40B4-BE49-F238E27FC236}">
+                    <a16:creationId xmlns:a16="http://schemas.microsoft.com/office/drawing/2014/main" id="{483A0E9E-D776-2B01-E865-A930D94604EF}"/>
+                  </a:ext>
+                </a:extLst>
+              </p:cNvPr>
+              <p:cNvSpPr/>
+              <p:nvPr/>
+            </p:nvSpPr>
+            <p:spPr>
+              <a:xfrm>
+                <a:off x="9963615" y="2631361"/>
+                <a:ext cx="400712" cy="414227"/>
+              </a:xfrm>
+              <a:prstGeom prst="rect">
+                <a:avLst/>
+              </a:prstGeom>
+              <a:solidFill>
+                <a:srgbClr val="00B0F0">
+                  <a:alpha val="12157"/>
+                </a:srgbClr>
+              </a:solidFill>
+              <a:ln w="28575">
+                <a:solidFill>
+                  <a:srgbClr val="00B0F0"/>
+                </a:solidFill>
+              </a:ln>
+            </p:spPr>
+            <p:style>
+              <a:lnRef idx="2">
+                <a:schemeClr val="accent1">
+                  <a:shade val="15000"/>
+                </a:schemeClr>
+              </a:lnRef>
+              <a:fillRef idx="1">
+                <a:schemeClr val="accent1"/>
+              </a:fillRef>
+              <a:effectRef idx="0">
+                <a:schemeClr val="accent1"/>
+              </a:effectRef>
+              <a:fontRef idx="minor">
+                <a:schemeClr val="lt1"/>
+              </a:fontRef>
+            </p:style>
+            <p:txBody>
+              <a:bodyPr rtlCol="0" anchor="ctr"/>
+              <a:lstStyle/>
+              <a:p>
+                <a:pPr algn="ctr"/>
+                <a:endParaRPr lang="en-US" dirty="0"/>
+              </a:p>
+            </p:txBody>
+          </p:sp>
+          <p:sp>
+            <p:nvSpPr>
+              <p:cNvPr id="9" name="Rectangle 8">
+                <a:extLst>
+                  <a:ext uri="{FF2B5EF4-FFF2-40B4-BE49-F238E27FC236}">
+                    <a16:creationId xmlns:a16="http://schemas.microsoft.com/office/drawing/2014/main" id="{68906A97-7CEE-90A1-60BA-E1E50866197F}"/>
+                  </a:ext>
+                </a:extLst>
+              </p:cNvPr>
+              <p:cNvSpPr/>
+              <p:nvPr/>
+            </p:nvSpPr>
+            <p:spPr>
+              <a:xfrm>
+                <a:off x="9963615" y="3085335"/>
+                <a:ext cx="400712" cy="414227"/>
+              </a:xfrm>
+              <a:prstGeom prst="rect">
+                <a:avLst/>
+              </a:prstGeom>
+              <a:solidFill>
+                <a:srgbClr val="00B0F0">
+                  <a:alpha val="12157"/>
+                </a:srgbClr>
+              </a:solidFill>
+              <a:ln w="28575">
+                <a:solidFill>
+                  <a:srgbClr val="00B0F0"/>
+                </a:solidFill>
+              </a:ln>
+            </p:spPr>
+            <p:style>
+              <a:lnRef idx="2">
+                <a:schemeClr val="accent1">
+                  <a:shade val="15000"/>
+                </a:schemeClr>
+              </a:lnRef>
+              <a:fillRef idx="1">
+                <a:schemeClr val="accent1"/>
+              </a:fillRef>
+              <a:effectRef idx="0">
+                <a:schemeClr val="accent1"/>
+              </a:effectRef>
+              <a:fontRef idx="minor">
+                <a:schemeClr val="lt1"/>
+              </a:fontRef>
+            </p:style>
+            <p:txBody>
+              <a:bodyPr rtlCol="0" anchor="ctr"/>
+              <a:lstStyle/>
+              <a:p>
+                <a:pPr algn="ctr"/>
+                <a:endParaRPr lang="en-US" dirty="0"/>
+              </a:p>
+            </p:txBody>
+          </p:sp>
+          <p:sp>
+            <p:nvSpPr>
+              <p:cNvPr id="10" name="Rectangle 9">
+                <a:extLst>
+                  <a:ext uri="{FF2B5EF4-FFF2-40B4-BE49-F238E27FC236}">
+                    <a16:creationId xmlns:a16="http://schemas.microsoft.com/office/drawing/2014/main" id="{7039683F-5FC3-8890-C263-5767F8B48BD4}"/>
+                  </a:ext>
+                </a:extLst>
+              </p:cNvPr>
+              <p:cNvSpPr/>
+              <p:nvPr/>
+            </p:nvSpPr>
+            <p:spPr>
+              <a:xfrm>
+                <a:off x="9963615" y="3522712"/>
+                <a:ext cx="400712" cy="414227"/>
+              </a:xfrm>
+              <a:prstGeom prst="rect">
+                <a:avLst/>
+              </a:prstGeom>
+              <a:solidFill>
+                <a:srgbClr val="00B0F0">
+                  <a:alpha val="12157"/>
+                </a:srgbClr>
+              </a:solidFill>
+              <a:ln w="28575">
+                <a:solidFill>
+                  <a:srgbClr val="00B0F0"/>
+                </a:solidFill>
+              </a:ln>
+            </p:spPr>
+            <p:style>
+              <a:lnRef idx="2">
+                <a:schemeClr val="accent1">
+                  <a:shade val="15000"/>
+                </a:schemeClr>
+              </a:lnRef>
+              <a:fillRef idx="1">
+                <a:schemeClr val="accent1"/>
+              </a:fillRef>
+              <a:effectRef idx="0">
+                <a:schemeClr val="accent1"/>
+              </a:effectRef>
+              <a:fontRef idx="minor">
+                <a:schemeClr val="lt1"/>
+              </a:fontRef>
+            </p:style>
+            <p:txBody>
+              <a:bodyPr rtlCol="0" anchor="ctr"/>
+              <a:lstStyle/>
+              <a:p>
+                <a:pPr algn="ctr"/>
+                <a:endParaRPr lang="en-US" dirty="0"/>
+              </a:p>
+            </p:txBody>
+          </p:sp>
+          <p:sp>
+            <p:nvSpPr>
+              <p:cNvPr id="11" name="Rectangle 10">
+                <a:extLst>
+                  <a:ext uri="{FF2B5EF4-FFF2-40B4-BE49-F238E27FC236}">
+                    <a16:creationId xmlns:a16="http://schemas.microsoft.com/office/drawing/2014/main" id="{CD88B422-A2B9-88D7-E1E7-D56CA58DA888}"/>
+                  </a:ext>
+                </a:extLst>
+              </p:cNvPr>
+              <p:cNvSpPr/>
+              <p:nvPr/>
+            </p:nvSpPr>
+            <p:spPr>
+              <a:xfrm>
+                <a:off x="9963615" y="3980878"/>
+                <a:ext cx="400712" cy="414227"/>
+              </a:xfrm>
+              <a:prstGeom prst="rect">
+                <a:avLst/>
+              </a:prstGeom>
+              <a:solidFill>
+                <a:srgbClr val="00B0F0">
+                  <a:alpha val="12157"/>
+                </a:srgbClr>
+              </a:solidFill>
+              <a:ln w="28575">
+                <a:solidFill>
+                  <a:srgbClr val="00B0F0"/>
+                </a:solidFill>
+              </a:ln>
+            </p:spPr>
+            <p:style>
+              <a:lnRef idx="2">
+                <a:schemeClr val="accent1">
+                  <a:shade val="15000"/>
+                </a:schemeClr>
+              </a:lnRef>
+              <a:fillRef idx="1">
+                <a:schemeClr val="accent1"/>
+              </a:fillRef>
+              <a:effectRef idx="0">
+                <a:schemeClr val="accent1"/>
+              </a:effectRef>
+              <a:fontRef idx="minor">
+                <a:schemeClr val="lt1"/>
+              </a:fontRef>
+            </p:style>
+            <p:txBody>
+              <a:bodyPr rtlCol="0" anchor="ctr"/>
+              <a:lstStyle/>
+              <a:p>
+                <a:pPr algn="ctr"/>
+                <a:endParaRPr lang="en-US" dirty="0"/>
+              </a:p>
+            </p:txBody>
+          </p:sp>
+          <p:sp>
+            <p:nvSpPr>
+              <p:cNvPr id="12" name="Rectangle 11">
+                <a:extLst>
+                  <a:ext uri="{FF2B5EF4-FFF2-40B4-BE49-F238E27FC236}">
+                    <a16:creationId xmlns:a16="http://schemas.microsoft.com/office/drawing/2014/main" id="{971B2ABB-9524-AE52-AD3A-3260C52893CC}"/>
+                  </a:ext>
+                </a:extLst>
+              </p:cNvPr>
+              <p:cNvSpPr/>
+              <p:nvPr/>
+            </p:nvSpPr>
+            <p:spPr>
+              <a:xfrm>
+                <a:off x="9963615" y="4418255"/>
+                <a:ext cx="400712" cy="414227"/>
+              </a:xfrm>
+              <a:prstGeom prst="rect">
+                <a:avLst/>
+              </a:prstGeom>
+              <a:solidFill>
+                <a:srgbClr val="00B0F0">
+                  <a:alpha val="12157"/>
+                </a:srgbClr>
+              </a:solidFill>
+              <a:ln w="28575">
+                <a:solidFill>
+                  <a:srgbClr val="00B0F0"/>
+                </a:solidFill>
+              </a:ln>
+            </p:spPr>
+            <p:style>
+              <a:lnRef idx="2">
+                <a:schemeClr val="accent1">
+                  <a:shade val="15000"/>
+                </a:schemeClr>
+              </a:lnRef>
+              <a:fillRef idx="1">
+                <a:schemeClr val="accent1"/>
+              </a:fillRef>
+              <a:effectRef idx="0">
+                <a:schemeClr val="accent1"/>
+              </a:effectRef>
+              <a:fontRef idx="minor">
+                <a:schemeClr val="lt1"/>
+              </a:fontRef>
+            </p:style>
+            <p:txBody>
+              <a:bodyPr rtlCol="0" anchor="ctr"/>
+              <a:lstStyle/>
+              <a:p>
+                <a:pPr algn="ctr"/>
+                <a:endParaRPr lang="en-US" dirty="0"/>
+              </a:p>
+            </p:txBody>
+          </p:sp>
+          <p:sp>
+            <p:nvSpPr>
+              <p:cNvPr id="13" name="Rectangle 12">
+                <a:extLst>
+                  <a:ext uri="{FF2B5EF4-FFF2-40B4-BE49-F238E27FC236}">
+                    <a16:creationId xmlns:a16="http://schemas.microsoft.com/office/drawing/2014/main" id="{9A236A72-1CD7-8CCE-F8D5-6418E7B53C29}"/>
+                  </a:ext>
+                </a:extLst>
+              </p:cNvPr>
+              <p:cNvSpPr/>
+              <p:nvPr/>
+            </p:nvSpPr>
+            <p:spPr>
+              <a:xfrm>
+                <a:off x="9963615" y="4872229"/>
+                <a:ext cx="400712" cy="414227"/>
+              </a:xfrm>
+              <a:prstGeom prst="rect">
+                <a:avLst/>
+              </a:prstGeom>
+              <a:solidFill>
+                <a:srgbClr val="00B0F0">
+                  <a:alpha val="12157"/>
+                </a:srgbClr>
+              </a:solidFill>
+              <a:ln w="28575">
+                <a:solidFill>
+                  <a:srgbClr val="00B0F0"/>
+                </a:solidFill>
+              </a:ln>
+            </p:spPr>
+            <p:style>
+              <a:lnRef idx="2">
+                <a:schemeClr val="accent1">
+                  <a:shade val="15000"/>
+                </a:schemeClr>
+              </a:lnRef>
+              <a:fillRef idx="1">
+                <a:schemeClr val="accent1"/>
+              </a:fillRef>
+              <a:effectRef idx="0">
+                <a:schemeClr val="accent1"/>
+              </a:effectRef>
+              <a:fontRef idx="minor">
+                <a:schemeClr val="lt1"/>
+              </a:fontRef>
+            </p:style>
+            <p:txBody>
+              <a:bodyPr rtlCol="0" anchor="ctr"/>
+              <a:lstStyle/>
+              <a:p>
+                <a:pPr algn="ctr"/>
+                <a:endParaRPr lang="en-US" dirty="0"/>
+              </a:p>
+            </p:txBody>
+          </p:sp>
+          <p:sp>
+            <p:nvSpPr>
+              <p:cNvPr id="14" name="Rectangle 13">
+                <a:extLst>
+                  <a:ext uri="{FF2B5EF4-FFF2-40B4-BE49-F238E27FC236}">
+                    <a16:creationId xmlns:a16="http://schemas.microsoft.com/office/drawing/2014/main" id="{66C06ACC-7CAB-1E6C-74F4-12B4FBE14851}"/>
+                  </a:ext>
+                </a:extLst>
+              </p:cNvPr>
+              <p:cNvSpPr/>
+              <p:nvPr/>
+            </p:nvSpPr>
+            <p:spPr>
+              <a:xfrm>
+                <a:off x="9963615" y="5309606"/>
+                <a:ext cx="400712" cy="414227"/>
+              </a:xfrm>
+              <a:prstGeom prst="rect">
+                <a:avLst/>
+              </a:prstGeom>
+              <a:solidFill>
+                <a:srgbClr val="00B0F0">
+                  <a:alpha val="12157"/>
+                </a:srgbClr>
+              </a:solidFill>
+              <a:ln w="28575">
+                <a:solidFill>
+                  <a:srgbClr val="00B0F0"/>
+                </a:solidFill>
+              </a:ln>
+            </p:spPr>
+            <p:style>
+              <a:lnRef idx="2">
+                <a:schemeClr val="accent1">
+                  <a:shade val="15000"/>
+                </a:schemeClr>
+              </a:lnRef>
+              <a:fillRef idx="1">
+                <a:schemeClr val="accent1"/>
+              </a:fillRef>
+              <a:effectRef idx="0">
+                <a:schemeClr val="accent1"/>
+              </a:effectRef>
+              <a:fontRef idx="minor">
+                <a:schemeClr val="lt1"/>
+              </a:fontRef>
+            </p:style>
+            <p:txBody>
+              <a:bodyPr rtlCol="0" anchor="ctr"/>
+              <a:lstStyle/>
+              <a:p>
+                <a:pPr algn="ctr"/>
+                <a:endParaRPr lang="en-US" dirty="0"/>
+              </a:p>
+            </p:txBody>
+          </p:sp>
+          <p:sp>
+            <p:nvSpPr>
+              <p:cNvPr id="15" name="Rectangle 14">
+                <a:extLst>
+                  <a:ext uri="{FF2B5EF4-FFF2-40B4-BE49-F238E27FC236}">
+                    <a16:creationId xmlns:a16="http://schemas.microsoft.com/office/drawing/2014/main" id="{28556A0C-22C6-D33A-4C1A-090D2CEDE4E6}"/>
+                  </a:ext>
+                </a:extLst>
+              </p:cNvPr>
+              <p:cNvSpPr/>
+              <p:nvPr/>
+            </p:nvSpPr>
+            <p:spPr>
+              <a:xfrm>
+                <a:off x="9963615" y="5763580"/>
+                <a:ext cx="400712" cy="414227"/>
+              </a:xfrm>
+              <a:prstGeom prst="rect">
+                <a:avLst/>
+              </a:prstGeom>
+              <a:solidFill>
+                <a:srgbClr val="00B0F0">
+                  <a:alpha val="12157"/>
+                </a:srgbClr>
+              </a:solidFill>
+              <a:ln w="28575">
+                <a:solidFill>
+                  <a:srgbClr val="00B0F0"/>
+                </a:solidFill>
+              </a:ln>
+            </p:spPr>
+            <p:style>
+              <a:lnRef idx="2">
+                <a:schemeClr val="accent1">
+                  <a:shade val="15000"/>
+                </a:schemeClr>
+              </a:lnRef>
+              <a:fillRef idx="1">
+                <a:schemeClr val="accent1"/>
+              </a:fillRef>
+              <a:effectRef idx="0">
+                <a:schemeClr val="accent1"/>
+              </a:effectRef>
+              <a:fontRef idx="minor">
+                <a:schemeClr val="lt1"/>
+              </a:fontRef>
+            </p:style>
+            <p:txBody>
+              <a:bodyPr rtlCol="0" anchor="ctr"/>
+              <a:lstStyle/>
+              <a:p>
+                <a:pPr algn="ctr"/>
+                <a:endParaRPr lang="en-US" dirty="0"/>
+              </a:p>
+            </p:txBody>
+          </p:sp>
+          <p:sp>
+            <p:nvSpPr>
+              <p:cNvPr id="16" name="Rectangle 15">
+                <a:extLst>
+                  <a:ext uri="{FF2B5EF4-FFF2-40B4-BE49-F238E27FC236}">
+                    <a16:creationId xmlns:a16="http://schemas.microsoft.com/office/drawing/2014/main" id="{4F7E3C85-971F-5228-80E1-BE4D11791552}"/>
+                  </a:ext>
+                </a:extLst>
+              </p:cNvPr>
+              <p:cNvSpPr/>
+              <p:nvPr/>
+            </p:nvSpPr>
+            <p:spPr>
+              <a:xfrm>
+                <a:off x="9963615" y="6200957"/>
+                <a:ext cx="400712" cy="414227"/>
+              </a:xfrm>
+              <a:prstGeom prst="rect">
+                <a:avLst/>
+              </a:prstGeom>
+              <a:solidFill>
+                <a:srgbClr val="00B0F0">
+                  <a:alpha val="12157"/>
+                </a:srgbClr>
+              </a:solidFill>
+              <a:ln w="28575">
+                <a:solidFill>
+                  <a:srgbClr val="00B0F0"/>
+                </a:solidFill>
+              </a:ln>
+            </p:spPr>
+            <p:style>
+              <a:lnRef idx="2">
+                <a:schemeClr val="accent1">
+                  <a:shade val="15000"/>
+                </a:schemeClr>
+              </a:lnRef>
+              <a:fillRef idx="1">
+                <a:schemeClr val="accent1"/>
+              </a:fillRef>
+              <a:effectRef idx="0">
+                <a:schemeClr val="accent1"/>
+              </a:effectRef>
+              <a:fontRef idx="minor">
+                <a:schemeClr val="lt1"/>
+              </a:fontRef>
+            </p:style>
+            <p:txBody>
+              <a:bodyPr rtlCol="0" anchor="ctr"/>
+              <a:lstStyle/>
+              <a:p>
+                <a:pPr algn="ctr"/>
+                <a:endParaRPr lang="en-US" dirty="0"/>
+              </a:p>
+            </p:txBody>
+          </p:sp>
+          <p:sp>
+            <p:nvSpPr>
+              <p:cNvPr id="17" name="Rectangle 16">
+                <a:extLst>
+                  <a:ext uri="{FF2B5EF4-FFF2-40B4-BE49-F238E27FC236}">
+                    <a16:creationId xmlns:a16="http://schemas.microsoft.com/office/drawing/2014/main" id="{9D222221-74DE-0E57-315F-4DA586445884}"/>
+                  </a:ext>
+                </a:extLst>
+              </p:cNvPr>
+              <p:cNvSpPr/>
+              <p:nvPr/>
+            </p:nvSpPr>
+            <p:spPr>
+              <a:xfrm>
+                <a:off x="10090276" y="2285715"/>
+                <a:ext cx="216130" cy="259499"/>
+              </a:xfrm>
+              <a:prstGeom prst="rect">
+                <a:avLst/>
+              </a:prstGeom>
+              <a:solidFill>
+                <a:schemeClr val="bg1">
+                  <a:lumMod val="50000"/>
+                  <a:alpha val="12157"/>
+                </a:schemeClr>
+              </a:solidFill>
+              <a:ln w="28575">
+                <a:solidFill>
+                  <a:schemeClr val="bg1"/>
+                </a:solidFill>
+              </a:ln>
+            </p:spPr>
+            <p:style>
+              <a:lnRef idx="2">
+                <a:schemeClr val="accent1">
+                  <a:shade val="15000"/>
+                </a:schemeClr>
+              </a:lnRef>
+              <a:fillRef idx="1">
+                <a:schemeClr val="accent1"/>
+              </a:fillRef>
+              <a:effectRef idx="0">
+                <a:schemeClr val="accent1"/>
+              </a:effectRef>
+              <a:fontRef idx="minor">
+                <a:schemeClr val="lt1"/>
+              </a:fontRef>
+            </p:style>
+            <p:txBody>
+              <a:bodyPr rtlCol="0" anchor="ctr"/>
+              <a:lstStyle/>
+              <a:p>
+                <a:pPr algn="ctr"/>
+                <a:endParaRPr lang="en-US" dirty="0"/>
+              </a:p>
+            </p:txBody>
+          </p:sp>
+          <p:sp>
+            <p:nvSpPr>
+              <p:cNvPr id="20" name="Rectangle 19">
+                <a:extLst>
+                  <a:ext uri="{FF2B5EF4-FFF2-40B4-BE49-F238E27FC236}">
+                    <a16:creationId xmlns:a16="http://schemas.microsoft.com/office/drawing/2014/main" id="{09C666E6-824A-1EA2-68E1-4BB2A8FE22B9}"/>
+                  </a:ext>
+                </a:extLst>
+              </p:cNvPr>
+              <p:cNvSpPr/>
+              <p:nvPr/>
+            </p:nvSpPr>
+            <p:spPr>
+              <a:xfrm>
+                <a:off x="10086416" y="2732006"/>
+                <a:ext cx="216130" cy="259499"/>
+              </a:xfrm>
+              <a:prstGeom prst="rect">
+                <a:avLst/>
+              </a:prstGeom>
+              <a:solidFill>
+                <a:schemeClr val="bg1">
+                  <a:lumMod val="50000"/>
+                  <a:alpha val="12157"/>
+                </a:schemeClr>
+              </a:solidFill>
+              <a:ln w="28575">
+                <a:solidFill>
+                  <a:schemeClr val="bg1"/>
+                </a:solidFill>
+              </a:ln>
+            </p:spPr>
+            <p:style>
+              <a:lnRef idx="2">
+                <a:schemeClr val="accent1">
+                  <a:shade val="15000"/>
+                </a:schemeClr>
+              </a:lnRef>
+              <a:fillRef idx="1">
+                <a:schemeClr val="accent1"/>
+              </a:fillRef>
+              <a:effectRef idx="0">
+                <a:schemeClr val="accent1"/>
+              </a:effectRef>
+              <a:fontRef idx="minor">
+                <a:schemeClr val="lt1"/>
+              </a:fontRef>
+            </p:style>
+            <p:txBody>
+              <a:bodyPr rtlCol="0" anchor="ctr"/>
+              <a:lstStyle/>
+              <a:p>
+                <a:pPr algn="ctr"/>
+                <a:endParaRPr lang="en-US" dirty="0"/>
+              </a:p>
+            </p:txBody>
+          </p:sp>
+          <p:sp>
+            <p:nvSpPr>
+              <p:cNvPr id="23" name="Rectangle 22">
+                <a:extLst>
+                  <a:ext uri="{FF2B5EF4-FFF2-40B4-BE49-F238E27FC236}">
+                    <a16:creationId xmlns:a16="http://schemas.microsoft.com/office/drawing/2014/main" id="{EED4FF57-54E7-736E-4AE0-ED660C63D55D}"/>
+                  </a:ext>
+                </a:extLst>
+              </p:cNvPr>
+              <p:cNvSpPr/>
+              <p:nvPr/>
+            </p:nvSpPr>
+            <p:spPr>
+              <a:xfrm>
+                <a:off x="10079724" y="3166205"/>
+                <a:ext cx="216130" cy="259499"/>
+              </a:xfrm>
+              <a:prstGeom prst="rect">
+                <a:avLst/>
+              </a:prstGeom>
+              <a:solidFill>
+                <a:schemeClr val="bg1">
+                  <a:lumMod val="50000"/>
+                  <a:alpha val="12157"/>
+                </a:schemeClr>
+              </a:solidFill>
+              <a:ln w="28575">
+                <a:solidFill>
+                  <a:schemeClr val="bg1"/>
+                </a:solidFill>
+              </a:ln>
+            </p:spPr>
+            <p:style>
+              <a:lnRef idx="2">
+                <a:schemeClr val="accent1">
+                  <a:shade val="15000"/>
+                </a:schemeClr>
+              </a:lnRef>
+              <a:fillRef idx="1">
+                <a:schemeClr val="accent1"/>
+              </a:fillRef>
+              <a:effectRef idx="0">
+                <a:schemeClr val="accent1"/>
+              </a:effectRef>
+              <a:fontRef idx="minor">
+                <a:schemeClr val="lt1"/>
+              </a:fontRef>
+            </p:style>
+            <p:txBody>
+              <a:bodyPr rtlCol="0" anchor="ctr"/>
+              <a:lstStyle/>
+              <a:p>
+                <a:pPr algn="ctr"/>
+                <a:endParaRPr lang="en-US" dirty="0"/>
+              </a:p>
+            </p:txBody>
+          </p:sp>
+          <p:sp>
+            <p:nvSpPr>
+              <p:cNvPr id="26" name="Rectangle 25">
+                <a:extLst>
+                  <a:ext uri="{FF2B5EF4-FFF2-40B4-BE49-F238E27FC236}">
+                    <a16:creationId xmlns:a16="http://schemas.microsoft.com/office/drawing/2014/main" id="{C434CFCC-D16E-6045-8FF9-9D12A53C9310}"/>
+                  </a:ext>
+                </a:extLst>
+              </p:cNvPr>
+              <p:cNvSpPr/>
+              <p:nvPr/>
+            </p:nvSpPr>
+            <p:spPr>
+              <a:xfrm>
+                <a:off x="10084608" y="3616850"/>
+                <a:ext cx="216130" cy="259499"/>
+              </a:xfrm>
+              <a:prstGeom prst="rect">
+                <a:avLst/>
+              </a:prstGeom>
+              <a:solidFill>
+                <a:schemeClr val="bg1">
+                  <a:lumMod val="50000"/>
+                  <a:alpha val="12157"/>
+                </a:schemeClr>
+              </a:solidFill>
+              <a:ln w="28575">
+                <a:solidFill>
+                  <a:schemeClr val="bg1"/>
+                </a:solidFill>
+              </a:ln>
+            </p:spPr>
+            <p:style>
+              <a:lnRef idx="2">
+                <a:schemeClr val="accent1">
+                  <a:shade val="15000"/>
+                </a:schemeClr>
+              </a:lnRef>
+              <a:fillRef idx="1">
+                <a:schemeClr val="accent1"/>
+              </a:fillRef>
+              <a:effectRef idx="0">
+                <a:schemeClr val="accent1"/>
+              </a:effectRef>
+              <a:fontRef idx="minor">
+                <a:schemeClr val="lt1"/>
+              </a:fontRef>
+            </p:style>
+            <p:txBody>
+              <a:bodyPr rtlCol="0" anchor="ctr"/>
+              <a:lstStyle/>
+              <a:p>
+                <a:pPr algn="ctr"/>
+                <a:endParaRPr lang="en-US" dirty="0"/>
+              </a:p>
+            </p:txBody>
+          </p:sp>
+          <p:sp>
+            <p:nvSpPr>
+              <p:cNvPr id="29" name="Rectangle 28">
+                <a:extLst>
+                  <a:ext uri="{FF2B5EF4-FFF2-40B4-BE49-F238E27FC236}">
+                    <a16:creationId xmlns:a16="http://schemas.microsoft.com/office/drawing/2014/main" id="{F9654E27-A190-4FAA-E2E3-5CC919EC6C0A}"/>
+                  </a:ext>
+                </a:extLst>
+              </p:cNvPr>
+              <p:cNvSpPr/>
+              <p:nvPr/>
+            </p:nvSpPr>
+            <p:spPr>
+              <a:xfrm>
+                <a:off x="10077916" y="4051049"/>
+                <a:ext cx="216130" cy="259499"/>
+              </a:xfrm>
+              <a:prstGeom prst="rect">
+                <a:avLst/>
+              </a:prstGeom>
+              <a:solidFill>
+                <a:schemeClr val="bg1">
+                  <a:lumMod val="50000"/>
+                  <a:alpha val="12157"/>
+                </a:schemeClr>
+              </a:solidFill>
+              <a:ln w="28575">
+                <a:solidFill>
+                  <a:schemeClr val="bg1"/>
+                </a:solidFill>
+              </a:ln>
+            </p:spPr>
+            <p:style>
+              <a:lnRef idx="2">
+                <a:schemeClr val="accent1">
+                  <a:shade val="15000"/>
+                </a:schemeClr>
+              </a:lnRef>
+              <a:fillRef idx="1">
+                <a:schemeClr val="accent1"/>
+              </a:fillRef>
+              <a:effectRef idx="0">
+                <a:schemeClr val="accent1"/>
+              </a:effectRef>
+              <a:fontRef idx="minor">
+                <a:schemeClr val="lt1"/>
+              </a:fontRef>
+            </p:style>
+            <p:txBody>
+              <a:bodyPr rtlCol="0" anchor="ctr"/>
+              <a:lstStyle/>
+              <a:p>
+                <a:pPr algn="ctr"/>
+                <a:endParaRPr lang="en-US" dirty="0"/>
+              </a:p>
+            </p:txBody>
+          </p:sp>
+          <p:sp>
+            <p:nvSpPr>
+              <p:cNvPr id="32" name="Rectangle 31">
+                <a:extLst>
+                  <a:ext uri="{FF2B5EF4-FFF2-40B4-BE49-F238E27FC236}">
+                    <a16:creationId xmlns:a16="http://schemas.microsoft.com/office/drawing/2014/main" id="{233B8FC7-4DD0-823C-B907-DEFBB1C5384B}"/>
+                  </a:ext>
+                </a:extLst>
+              </p:cNvPr>
+              <p:cNvSpPr/>
+              <p:nvPr/>
+            </p:nvSpPr>
+            <p:spPr>
+              <a:xfrm>
+                <a:off x="10090276" y="4504623"/>
+                <a:ext cx="216130" cy="259499"/>
+              </a:xfrm>
+              <a:prstGeom prst="rect">
+                <a:avLst/>
+              </a:prstGeom>
+              <a:solidFill>
+                <a:schemeClr val="bg1">
+                  <a:lumMod val="50000"/>
+                  <a:alpha val="12157"/>
+                </a:schemeClr>
+              </a:solidFill>
+              <a:ln w="28575">
+                <a:solidFill>
+                  <a:schemeClr val="bg1"/>
+                </a:solidFill>
+              </a:ln>
+            </p:spPr>
+            <p:style>
+              <a:lnRef idx="2">
+                <a:schemeClr val="accent1">
+                  <a:shade val="15000"/>
+                </a:schemeClr>
+              </a:lnRef>
+              <a:fillRef idx="1">
+                <a:schemeClr val="accent1"/>
+              </a:fillRef>
+              <a:effectRef idx="0">
+                <a:schemeClr val="accent1"/>
+              </a:effectRef>
+              <a:fontRef idx="minor">
+                <a:schemeClr val="lt1"/>
+              </a:fontRef>
+            </p:style>
+            <p:txBody>
+              <a:bodyPr rtlCol="0" anchor="ctr"/>
+              <a:lstStyle/>
+              <a:p>
+                <a:pPr algn="ctr"/>
+                <a:endParaRPr lang="en-US" dirty="0"/>
+              </a:p>
+            </p:txBody>
+          </p:sp>
+          <p:sp>
+            <p:nvSpPr>
+              <p:cNvPr id="35" name="Rectangle 34">
+                <a:extLst>
+                  <a:ext uri="{FF2B5EF4-FFF2-40B4-BE49-F238E27FC236}">
+                    <a16:creationId xmlns:a16="http://schemas.microsoft.com/office/drawing/2014/main" id="{DF1C5E04-610A-7AD1-89EE-D49E435CE680}"/>
+                  </a:ext>
+                </a:extLst>
+              </p:cNvPr>
+              <p:cNvSpPr/>
+              <p:nvPr/>
+            </p:nvSpPr>
+            <p:spPr>
+              <a:xfrm>
+                <a:off x="10086416" y="4950914"/>
+                <a:ext cx="216130" cy="259499"/>
+              </a:xfrm>
+              <a:prstGeom prst="rect">
+                <a:avLst/>
+              </a:prstGeom>
+              <a:solidFill>
+                <a:schemeClr val="bg1">
+                  <a:lumMod val="50000"/>
+                  <a:alpha val="12157"/>
+                </a:schemeClr>
+              </a:solidFill>
+              <a:ln w="28575">
+                <a:solidFill>
+                  <a:schemeClr val="bg1"/>
+                </a:solidFill>
+              </a:ln>
+            </p:spPr>
+            <p:style>
+              <a:lnRef idx="2">
+                <a:schemeClr val="accent1">
+                  <a:shade val="15000"/>
+                </a:schemeClr>
+              </a:lnRef>
+              <a:fillRef idx="1">
+                <a:schemeClr val="accent1"/>
+              </a:fillRef>
+              <a:effectRef idx="0">
+                <a:schemeClr val="accent1"/>
+              </a:effectRef>
+              <a:fontRef idx="minor">
+                <a:schemeClr val="lt1"/>
+              </a:fontRef>
+            </p:style>
+            <p:txBody>
+              <a:bodyPr rtlCol="0" anchor="ctr"/>
+              <a:lstStyle/>
+              <a:p>
+                <a:pPr algn="ctr"/>
+                <a:endParaRPr lang="en-US" dirty="0"/>
+              </a:p>
+            </p:txBody>
+          </p:sp>
+          <p:sp>
+            <p:nvSpPr>
+              <p:cNvPr id="38" name="Rectangle 37">
+                <a:extLst>
+                  <a:ext uri="{FF2B5EF4-FFF2-40B4-BE49-F238E27FC236}">
+                    <a16:creationId xmlns:a16="http://schemas.microsoft.com/office/drawing/2014/main" id="{239B8451-9B40-BE97-462D-C0380707B102}"/>
+                  </a:ext>
+                </a:extLst>
+              </p:cNvPr>
+              <p:cNvSpPr/>
+              <p:nvPr/>
+            </p:nvSpPr>
+            <p:spPr>
+              <a:xfrm>
+                <a:off x="10079724" y="5385113"/>
+                <a:ext cx="216130" cy="259499"/>
+              </a:xfrm>
+              <a:prstGeom prst="rect">
+                <a:avLst/>
+              </a:prstGeom>
+              <a:solidFill>
+                <a:schemeClr val="bg1">
+                  <a:lumMod val="50000"/>
+                  <a:alpha val="12157"/>
+                </a:schemeClr>
+              </a:solidFill>
+              <a:ln w="28575">
+                <a:solidFill>
+                  <a:schemeClr val="bg1"/>
+                </a:solidFill>
+              </a:ln>
+            </p:spPr>
+            <p:style>
+              <a:lnRef idx="2">
+                <a:schemeClr val="accent1">
+                  <a:shade val="15000"/>
+                </a:schemeClr>
+              </a:lnRef>
+              <a:fillRef idx="1">
+                <a:schemeClr val="accent1"/>
+              </a:fillRef>
+              <a:effectRef idx="0">
+                <a:schemeClr val="accent1"/>
+              </a:effectRef>
+              <a:fontRef idx="minor">
+                <a:schemeClr val="lt1"/>
+              </a:fontRef>
+            </p:style>
+            <p:txBody>
+              <a:bodyPr rtlCol="0" anchor="ctr"/>
+              <a:lstStyle/>
+              <a:p>
+                <a:pPr algn="ctr"/>
+                <a:endParaRPr lang="en-US" dirty="0"/>
+              </a:p>
+            </p:txBody>
+          </p:sp>
+          <p:sp>
+            <p:nvSpPr>
+              <p:cNvPr id="41" name="Rectangle 40">
+                <a:extLst>
+                  <a:ext uri="{FF2B5EF4-FFF2-40B4-BE49-F238E27FC236}">
+                    <a16:creationId xmlns:a16="http://schemas.microsoft.com/office/drawing/2014/main" id="{19F52B44-A796-637D-B029-C07B452B158B}"/>
+                  </a:ext>
+                </a:extLst>
+              </p:cNvPr>
+              <p:cNvSpPr/>
+              <p:nvPr/>
+            </p:nvSpPr>
+            <p:spPr>
+              <a:xfrm>
+                <a:off x="10084608" y="5835758"/>
+                <a:ext cx="216130" cy="259499"/>
+              </a:xfrm>
+              <a:prstGeom prst="rect">
+                <a:avLst/>
+              </a:prstGeom>
+              <a:solidFill>
+                <a:schemeClr val="bg1">
+                  <a:lumMod val="50000"/>
+                  <a:alpha val="12157"/>
+                </a:schemeClr>
+              </a:solidFill>
+              <a:ln w="28575">
+                <a:solidFill>
+                  <a:schemeClr val="bg1"/>
+                </a:solidFill>
+              </a:ln>
+            </p:spPr>
+            <p:style>
+              <a:lnRef idx="2">
+                <a:schemeClr val="accent1">
+                  <a:shade val="15000"/>
+                </a:schemeClr>
+              </a:lnRef>
+              <a:fillRef idx="1">
+                <a:schemeClr val="accent1"/>
+              </a:fillRef>
+              <a:effectRef idx="0">
+                <a:schemeClr val="accent1"/>
+              </a:effectRef>
+              <a:fontRef idx="minor">
+                <a:schemeClr val="lt1"/>
+              </a:fontRef>
+            </p:style>
+            <p:txBody>
+              <a:bodyPr rtlCol="0" anchor="ctr"/>
+              <a:lstStyle/>
+              <a:p>
+                <a:pPr algn="ctr"/>
+                <a:endParaRPr lang="en-US" dirty="0"/>
+              </a:p>
+            </p:txBody>
+          </p:sp>
+          <p:sp>
+            <p:nvSpPr>
+              <p:cNvPr id="44" name="Rectangle 43">
+                <a:extLst>
+                  <a:ext uri="{FF2B5EF4-FFF2-40B4-BE49-F238E27FC236}">
+                    <a16:creationId xmlns:a16="http://schemas.microsoft.com/office/drawing/2014/main" id="{523F32C0-D280-AB48-77B6-AFE47CB9DB3E}"/>
+                  </a:ext>
+                </a:extLst>
+              </p:cNvPr>
+              <p:cNvSpPr/>
+              <p:nvPr/>
+            </p:nvSpPr>
+            <p:spPr>
+              <a:xfrm>
+                <a:off x="10077916" y="6269957"/>
+                <a:ext cx="216130" cy="259499"/>
+              </a:xfrm>
+              <a:prstGeom prst="rect">
+                <a:avLst/>
+              </a:prstGeom>
+              <a:solidFill>
+                <a:schemeClr val="bg1">
+                  <a:lumMod val="50000"/>
+                  <a:alpha val="12157"/>
+                </a:schemeClr>
+              </a:solidFill>
+              <a:ln w="28575">
+                <a:solidFill>
+                  <a:schemeClr val="bg1"/>
+                </a:solidFill>
+              </a:ln>
+            </p:spPr>
+            <p:style>
+              <a:lnRef idx="2">
+                <a:schemeClr val="accent1">
+                  <a:shade val="15000"/>
+                </a:schemeClr>
+              </a:lnRef>
+              <a:fillRef idx="1">
+                <a:schemeClr val="accent1"/>
+              </a:fillRef>
+              <a:effectRef idx="0">
+                <a:schemeClr val="accent1"/>
+              </a:effectRef>
+              <a:fontRef idx="minor">
+                <a:schemeClr val="lt1"/>
+              </a:fontRef>
+            </p:style>
+            <p:txBody>
+              <a:bodyPr rtlCol="0" anchor="ctr"/>
+              <a:lstStyle/>
+              <a:p>
+                <a:pPr algn="ctr"/>
+                <a:endParaRPr lang="en-US" dirty="0"/>
+              </a:p>
+            </p:txBody>
+          </p:sp>
+        </p:grpSp>
+      </p:grpSp>
+      <p:sp>
+        <p:nvSpPr>
+          <p:cNvPr id="49" name="Rectangle 48">
+            <a:extLst>
+              <a:ext uri="{FF2B5EF4-FFF2-40B4-BE49-F238E27FC236}">
+                <a16:creationId xmlns:a16="http://schemas.microsoft.com/office/drawing/2014/main" id="{6849A37B-0969-45B0-9450-6ECD5FABC0C4}"/>
+              </a:ext>
+            </a:extLst>
+          </p:cNvPr>
+          <p:cNvSpPr/>
+          <p:nvPr/>
+        </p:nvSpPr>
+        <p:spPr>
+          <a:xfrm>
+            <a:off x="736382" y="3107099"/>
+            <a:ext cx="5429501" cy="2791491"/>
+          </a:xfrm>
+          <a:prstGeom prst="rect">
+            <a:avLst/>
+          </a:prstGeom>
+          <a:solidFill>
+            <a:srgbClr val="ED7D31">
+              <a:alpha val="13333"/>
+            </a:srgbClr>
+          </a:solidFill>
+          <a:ln w="38100">
+            <a:solidFill>
+              <a:schemeClr val="accent2"/>
+            </a:solidFill>
+          </a:ln>
+        </p:spPr>
+        <p:style>
+          <a:lnRef idx="2">
+            <a:schemeClr val="accent1">
+              <a:shade val="15000"/>
+            </a:schemeClr>
+          </a:lnRef>
+          <a:fillRef idx="1">
+            <a:schemeClr val="accent1"/>
+          </a:fillRef>
+          <a:effectRef idx="0">
+            <a:schemeClr val="accent1"/>
+          </a:effectRef>
+          <a:fontRef idx="minor">
+            <a:schemeClr val="lt1"/>
+          </a:fontRef>
+        </p:style>
+        <p:txBody>
+          <a:bodyPr rtlCol="0" anchor="ctr"/>
+          <a:lstStyle/>
+          <a:p>
+            <a:pPr algn="ctr"/>
+            <a:endParaRPr lang="en-US"/>
+          </a:p>
+        </p:txBody>
+      </p:sp>
+      <p:sp>
+        <p:nvSpPr>
+          <p:cNvPr id="50" name="Rectangle 49">
+            <a:extLst>
+              <a:ext uri="{FF2B5EF4-FFF2-40B4-BE49-F238E27FC236}">
+                <a16:creationId xmlns:a16="http://schemas.microsoft.com/office/drawing/2014/main" id="{76137CE7-FB0D-C355-E014-0BE527425E44}"/>
+              </a:ext>
+            </a:extLst>
+          </p:cNvPr>
+          <p:cNvSpPr/>
+          <p:nvPr/>
+        </p:nvSpPr>
+        <p:spPr>
+          <a:xfrm flipV="1">
+            <a:off x="809019" y="3328581"/>
+            <a:ext cx="2685101" cy="2570008"/>
+          </a:xfrm>
+          <a:prstGeom prst="rect">
+            <a:avLst/>
+          </a:prstGeom>
+          <a:solidFill>
+            <a:srgbClr val="00B0F0">
+              <a:alpha val="12157"/>
+            </a:srgbClr>
+          </a:solidFill>
+          <a:ln w="28575">
+            <a:solidFill>
+              <a:srgbClr val="00B0F0"/>
+            </a:solidFill>
+          </a:ln>
+        </p:spPr>
+        <p:style>
+          <a:lnRef idx="2">
+            <a:schemeClr val="accent1">
+              <a:shade val="15000"/>
+            </a:schemeClr>
+          </a:lnRef>
+          <a:fillRef idx="1">
+            <a:schemeClr val="accent1"/>
+          </a:fillRef>
+          <a:effectRef idx="0">
+            <a:schemeClr val="accent1"/>
+          </a:effectRef>
+          <a:fontRef idx="minor">
+            <a:schemeClr val="lt1"/>
+          </a:fontRef>
+        </p:style>
+        <p:txBody>
+          <a:bodyPr rtlCol="0" anchor="ctr"/>
+          <a:lstStyle/>
+          <a:p>
+            <a:pPr algn="ctr"/>
+            <a:endParaRPr lang="en-US" dirty="0"/>
+          </a:p>
+        </p:txBody>
+      </p:sp>
+      <p:sp>
+        <p:nvSpPr>
+          <p:cNvPr id="70" name="Rectangle 69">
+            <a:extLst>
+              <a:ext uri="{FF2B5EF4-FFF2-40B4-BE49-F238E27FC236}">
+                <a16:creationId xmlns:a16="http://schemas.microsoft.com/office/drawing/2014/main" id="{9D6E722E-F080-70CF-7C38-C4CE2CAE9279}"/>
+              </a:ext>
+            </a:extLst>
+          </p:cNvPr>
+          <p:cNvSpPr/>
+          <p:nvPr/>
+        </p:nvSpPr>
+        <p:spPr>
+          <a:xfrm>
+            <a:off x="1617208" y="3358232"/>
+            <a:ext cx="1072050" cy="226347"/>
+          </a:xfrm>
+          <a:prstGeom prst="rect">
+            <a:avLst/>
+          </a:prstGeom>
+          <a:solidFill>
+            <a:schemeClr val="bg1">
+              <a:lumMod val="50000"/>
+              <a:alpha val="12157"/>
+            </a:schemeClr>
+          </a:solidFill>
+          <a:ln w="28575">
+            <a:solidFill>
+              <a:schemeClr val="bg1"/>
+            </a:solidFill>
+          </a:ln>
+        </p:spPr>
+        <p:style>
+          <a:lnRef idx="2">
+            <a:schemeClr val="accent1">
+              <a:shade val="15000"/>
+            </a:schemeClr>
+          </a:lnRef>
+          <a:fillRef idx="1">
+            <a:schemeClr val="accent1"/>
+          </a:fillRef>
+          <a:effectRef idx="0">
+            <a:schemeClr val="accent1"/>
+          </a:effectRef>
+          <a:fontRef idx="minor">
+            <a:schemeClr val="lt1"/>
+          </a:fontRef>
+        </p:style>
+        <p:txBody>
+          <a:bodyPr rtlCol="0" anchor="ctr"/>
+          <a:lstStyle/>
+          <a:p>
+            <a:pPr algn="ctr"/>
+            <a:endParaRPr lang="en-US" dirty="0"/>
+          </a:p>
+        </p:txBody>
+      </p:sp>
+      <p:sp>
+        <p:nvSpPr>
+          <p:cNvPr id="71" name="Rectangle 70">
+            <a:extLst>
+              <a:ext uri="{FF2B5EF4-FFF2-40B4-BE49-F238E27FC236}">
+                <a16:creationId xmlns:a16="http://schemas.microsoft.com/office/drawing/2014/main" id="{7C40255B-81CC-08AB-DC50-CB51371CBD5C}"/>
+              </a:ext>
+            </a:extLst>
+          </p:cNvPr>
+          <p:cNvSpPr/>
+          <p:nvPr/>
+        </p:nvSpPr>
+        <p:spPr>
+          <a:xfrm>
+            <a:off x="1612441" y="3596360"/>
+            <a:ext cx="1072050" cy="226347"/>
+          </a:xfrm>
+          <a:prstGeom prst="rect">
+            <a:avLst/>
+          </a:prstGeom>
+          <a:solidFill>
+            <a:schemeClr val="bg1">
+              <a:lumMod val="50000"/>
+              <a:alpha val="12157"/>
+            </a:schemeClr>
+          </a:solidFill>
+          <a:ln w="28575">
+            <a:solidFill>
+              <a:schemeClr val="bg1"/>
+            </a:solidFill>
+          </a:ln>
+        </p:spPr>
+        <p:style>
+          <a:lnRef idx="2">
+            <a:schemeClr val="accent1">
+              <a:shade val="15000"/>
+            </a:schemeClr>
+          </a:lnRef>
+          <a:fillRef idx="1">
+            <a:schemeClr val="accent1"/>
+          </a:fillRef>
+          <a:effectRef idx="0">
+            <a:schemeClr val="accent1"/>
+          </a:effectRef>
+          <a:fontRef idx="minor">
+            <a:schemeClr val="lt1"/>
+          </a:fontRef>
+        </p:style>
+        <p:txBody>
+          <a:bodyPr rtlCol="0" anchor="ctr"/>
+          <a:lstStyle/>
+          <a:p>
+            <a:pPr algn="ctr"/>
+            <a:endParaRPr lang="en-US" dirty="0"/>
+          </a:p>
+        </p:txBody>
+      </p:sp>
+      <p:sp>
+        <p:nvSpPr>
+          <p:cNvPr id="72" name="Rectangle 71">
+            <a:extLst>
+              <a:ext uri="{FF2B5EF4-FFF2-40B4-BE49-F238E27FC236}">
+                <a16:creationId xmlns:a16="http://schemas.microsoft.com/office/drawing/2014/main" id="{A91878B7-8BA0-081A-5FF1-1A2D0AB1543F}"/>
+              </a:ext>
+            </a:extLst>
+          </p:cNvPr>
+          <p:cNvSpPr/>
+          <p:nvPr/>
+        </p:nvSpPr>
+        <p:spPr>
+          <a:xfrm>
+            <a:off x="1617208" y="3837443"/>
+            <a:ext cx="1072050" cy="226347"/>
+          </a:xfrm>
+          <a:prstGeom prst="rect">
+            <a:avLst/>
+          </a:prstGeom>
+          <a:solidFill>
+            <a:schemeClr val="bg1">
+              <a:lumMod val="50000"/>
+              <a:alpha val="12157"/>
+            </a:schemeClr>
+          </a:solidFill>
+          <a:ln w="28575">
+            <a:solidFill>
+              <a:schemeClr val="bg1"/>
+            </a:solidFill>
+          </a:ln>
+        </p:spPr>
+        <p:style>
+          <a:lnRef idx="2">
+            <a:schemeClr val="accent1">
+              <a:shade val="15000"/>
+            </a:schemeClr>
+          </a:lnRef>
+          <a:fillRef idx="1">
+            <a:schemeClr val="accent1"/>
+          </a:fillRef>
+          <a:effectRef idx="0">
+            <a:schemeClr val="accent1"/>
+          </a:effectRef>
+          <a:fontRef idx="minor">
+            <a:schemeClr val="lt1"/>
+          </a:fontRef>
+        </p:style>
+        <p:txBody>
+          <a:bodyPr rtlCol="0" anchor="ctr"/>
+          <a:lstStyle/>
+          <a:p>
+            <a:pPr algn="ctr"/>
+            <a:endParaRPr lang="en-US" dirty="0"/>
+          </a:p>
+        </p:txBody>
+      </p:sp>
+      <p:sp>
+        <p:nvSpPr>
+          <p:cNvPr id="73" name="Rectangle 72">
+            <a:extLst>
+              <a:ext uri="{FF2B5EF4-FFF2-40B4-BE49-F238E27FC236}">
+                <a16:creationId xmlns:a16="http://schemas.microsoft.com/office/drawing/2014/main" id="{9C37FAFB-32D7-6B50-2D1C-3ED41B4CE6C3}"/>
+              </a:ext>
+            </a:extLst>
+          </p:cNvPr>
+          <p:cNvSpPr/>
+          <p:nvPr/>
+        </p:nvSpPr>
+        <p:spPr>
+          <a:xfrm>
+            <a:off x="1612441" y="4089859"/>
+            <a:ext cx="1072050" cy="226347"/>
+          </a:xfrm>
+          <a:prstGeom prst="rect">
+            <a:avLst/>
+          </a:prstGeom>
+          <a:solidFill>
+            <a:schemeClr val="bg1">
+              <a:lumMod val="50000"/>
+              <a:alpha val="12157"/>
+            </a:schemeClr>
+          </a:solidFill>
+          <a:ln w="28575">
+            <a:solidFill>
+              <a:schemeClr val="bg1"/>
+            </a:solidFill>
+          </a:ln>
+        </p:spPr>
+        <p:style>
+          <a:lnRef idx="2">
+            <a:schemeClr val="accent1">
+              <a:shade val="15000"/>
+            </a:schemeClr>
+          </a:lnRef>
+          <a:fillRef idx="1">
+            <a:schemeClr val="accent1"/>
+          </a:fillRef>
+          <a:effectRef idx="0">
+            <a:schemeClr val="accent1"/>
+          </a:effectRef>
+          <a:fontRef idx="minor">
+            <a:schemeClr val="lt1"/>
+          </a:fontRef>
+        </p:style>
+        <p:txBody>
+          <a:bodyPr rtlCol="0" anchor="ctr"/>
+          <a:lstStyle/>
+          <a:p>
+            <a:pPr algn="ctr"/>
+            <a:endParaRPr lang="en-US" dirty="0"/>
+          </a:p>
+        </p:txBody>
+      </p:sp>
+      <p:sp>
+        <p:nvSpPr>
+          <p:cNvPr id="74" name="Rectangle 73">
+            <a:extLst>
+              <a:ext uri="{FF2B5EF4-FFF2-40B4-BE49-F238E27FC236}">
+                <a16:creationId xmlns:a16="http://schemas.microsoft.com/office/drawing/2014/main" id="{4D6C83E9-F3D3-4C46-1AFB-F14E44A81F8D}"/>
+              </a:ext>
+            </a:extLst>
+          </p:cNvPr>
+          <p:cNvSpPr/>
+          <p:nvPr/>
+        </p:nvSpPr>
+        <p:spPr>
+          <a:xfrm>
+            <a:off x="1612440" y="4339318"/>
+            <a:ext cx="1072050" cy="226347"/>
+          </a:xfrm>
+          <a:prstGeom prst="rect">
+            <a:avLst/>
+          </a:prstGeom>
+          <a:solidFill>
+            <a:schemeClr val="bg1">
+              <a:lumMod val="50000"/>
+              <a:alpha val="12157"/>
+            </a:schemeClr>
+          </a:solidFill>
+          <a:ln w="28575">
+            <a:solidFill>
+              <a:schemeClr val="bg1"/>
+            </a:solidFill>
+          </a:ln>
+        </p:spPr>
+        <p:style>
+          <a:lnRef idx="2">
+            <a:schemeClr val="accent1">
+              <a:shade val="15000"/>
+            </a:schemeClr>
+          </a:lnRef>
+          <a:fillRef idx="1">
+            <a:schemeClr val="accent1"/>
+          </a:fillRef>
+          <a:effectRef idx="0">
+            <a:schemeClr val="accent1"/>
+          </a:effectRef>
+          <a:fontRef idx="minor">
+            <a:schemeClr val="lt1"/>
+          </a:fontRef>
+        </p:style>
+        <p:txBody>
+          <a:bodyPr rtlCol="0" anchor="ctr"/>
+          <a:lstStyle/>
+          <a:p>
+            <a:pPr algn="ctr"/>
+            <a:endParaRPr lang="en-US" dirty="0"/>
+          </a:p>
+        </p:txBody>
+      </p:sp>
+      <p:sp>
+        <p:nvSpPr>
+          <p:cNvPr id="75" name="Rectangle 74">
+            <a:extLst>
+              <a:ext uri="{FF2B5EF4-FFF2-40B4-BE49-F238E27FC236}">
+                <a16:creationId xmlns:a16="http://schemas.microsoft.com/office/drawing/2014/main" id="{0325EC31-C53B-E9FB-D48F-B900AB245158}"/>
+              </a:ext>
+            </a:extLst>
+          </p:cNvPr>
+          <p:cNvSpPr/>
+          <p:nvPr/>
+        </p:nvSpPr>
+        <p:spPr>
+          <a:xfrm>
+            <a:off x="1607673" y="4591734"/>
+            <a:ext cx="1072050" cy="226347"/>
+          </a:xfrm>
+          <a:prstGeom prst="rect">
+            <a:avLst/>
+          </a:prstGeom>
+          <a:solidFill>
+            <a:schemeClr val="bg1">
+              <a:lumMod val="50000"/>
+              <a:alpha val="12157"/>
+            </a:schemeClr>
+          </a:solidFill>
+          <a:ln w="28575">
+            <a:solidFill>
+              <a:schemeClr val="bg1"/>
+            </a:solidFill>
+          </a:ln>
+        </p:spPr>
+        <p:style>
+          <a:lnRef idx="2">
+            <a:schemeClr val="accent1">
+              <a:shade val="15000"/>
+            </a:schemeClr>
+          </a:lnRef>
+          <a:fillRef idx="1">
+            <a:schemeClr val="accent1"/>
+          </a:fillRef>
+          <a:effectRef idx="0">
+            <a:schemeClr val="accent1"/>
+          </a:effectRef>
+          <a:fontRef idx="minor">
+            <a:schemeClr val="lt1"/>
+          </a:fontRef>
+        </p:style>
+        <p:txBody>
+          <a:bodyPr rtlCol="0" anchor="ctr"/>
+          <a:lstStyle/>
+          <a:p>
+            <a:pPr algn="ctr"/>
+            <a:endParaRPr lang="en-US" dirty="0"/>
+          </a:p>
+        </p:txBody>
+      </p:sp>
+      <p:sp>
+        <p:nvSpPr>
+          <p:cNvPr id="76" name="Rectangle 75">
+            <a:extLst>
+              <a:ext uri="{FF2B5EF4-FFF2-40B4-BE49-F238E27FC236}">
+                <a16:creationId xmlns:a16="http://schemas.microsoft.com/office/drawing/2014/main" id="{67C3BCFF-D0F4-DAFB-D956-4A24166F5D5A}"/>
+              </a:ext>
+            </a:extLst>
+          </p:cNvPr>
+          <p:cNvSpPr/>
+          <p:nvPr/>
+        </p:nvSpPr>
+        <p:spPr>
+          <a:xfrm>
+            <a:off x="1612440" y="4832817"/>
+            <a:ext cx="1072050" cy="226347"/>
+          </a:xfrm>
+          <a:prstGeom prst="rect">
+            <a:avLst/>
+          </a:prstGeom>
+          <a:solidFill>
+            <a:schemeClr val="bg1">
+              <a:lumMod val="50000"/>
+              <a:alpha val="12157"/>
+            </a:schemeClr>
+          </a:solidFill>
+          <a:ln w="28575">
+            <a:solidFill>
+              <a:schemeClr val="bg1"/>
+            </a:solidFill>
+          </a:ln>
+        </p:spPr>
+        <p:style>
+          <a:lnRef idx="2">
+            <a:schemeClr val="accent1">
+              <a:shade val="15000"/>
+            </a:schemeClr>
+          </a:lnRef>
+          <a:fillRef idx="1">
+            <a:schemeClr val="accent1"/>
+          </a:fillRef>
+          <a:effectRef idx="0">
+            <a:schemeClr val="accent1"/>
+          </a:effectRef>
+          <a:fontRef idx="minor">
+            <a:schemeClr val="lt1"/>
+          </a:fontRef>
+        </p:style>
+        <p:txBody>
+          <a:bodyPr rtlCol="0" anchor="ctr"/>
+          <a:lstStyle/>
+          <a:p>
+            <a:pPr algn="ctr"/>
+            <a:endParaRPr lang="en-US" dirty="0"/>
+          </a:p>
+        </p:txBody>
+      </p:sp>
+      <p:sp>
+        <p:nvSpPr>
+          <p:cNvPr id="77" name="Rectangle 76">
+            <a:extLst>
+              <a:ext uri="{FF2B5EF4-FFF2-40B4-BE49-F238E27FC236}">
+                <a16:creationId xmlns:a16="http://schemas.microsoft.com/office/drawing/2014/main" id="{1DDF4286-2D9D-3A07-278E-38C4F4FB3A27}"/>
+              </a:ext>
+            </a:extLst>
+          </p:cNvPr>
+          <p:cNvSpPr/>
+          <p:nvPr/>
+        </p:nvSpPr>
+        <p:spPr>
+          <a:xfrm>
+            <a:off x="1607673" y="5070945"/>
+            <a:ext cx="1072050" cy="226347"/>
+          </a:xfrm>
+          <a:prstGeom prst="rect">
+            <a:avLst/>
+          </a:prstGeom>
+          <a:solidFill>
+            <a:schemeClr val="bg1">
+              <a:lumMod val="50000"/>
+              <a:alpha val="12157"/>
+            </a:schemeClr>
+          </a:solidFill>
+          <a:ln w="28575">
+            <a:solidFill>
+              <a:schemeClr val="bg1"/>
+            </a:solidFill>
+          </a:ln>
+        </p:spPr>
+        <p:style>
+          <a:lnRef idx="2">
+            <a:schemeClr val="accent1">
+              <a:shade val="15000"/>
+            </a:schemeClr>
+          </a:lnRef>
+          <a:fillRef idx="1">
+            <a:schemeClr val="accent1"/>
+          </a:fillRef>
+          <a:effectRef idx="0">
+            <a:schemeClr val="accent1"/>
+          </a:effectRef>
+          <a:fontRef idx="minor">
+            <a:schemeClr val="lt1"/>
+          </a:fontRef>
+        </p:style>
+        <p:txBody>
+          <a:bodyPr rtlCol="0" anchor="ctr"/>
+          <a:lstStyle/>
+          <a:p>
+            <a:pPr algn="ctr"/>
+            <a:endParaRPr lang="en-US" dirty="0"/>
+          </a:p>
+        </p:txBody>
+      </p:sp>
+      <p:sp>
+        <p:nvSpPr>
+          <p:cNvPr id="78" name="Rectangle 77">
+            <a:extLst>
+              <a:ext uri="{FF2B5EF4-FFF2-40B4-BE49-F238E27FC236}">
+                <a16:creationId xmlns:a16="http://schemas.microsoft.com/office/drawing/2014/main" id="{4C694F0D-C89E-A6B4-8A4F-35FB06E9406C}"/>
+              </a:ext>
+            </a:extLst>
+          </p:cNvPr>
+          <p:cNvSpPr/>
+          <p:nvPr/>
+        </p:nvSpPr>
+        <p:spPr>
+          <a:xfrm>
+            <a:off x="1607672" y="5328121"/>
+            <a:ext cx="1072050" cy="226347"/>
+          </a:xfrm>
+          <a:prstGeom prst="rect">
+            <a:avLst/>
+          </a:prstGeom>
+          <a:solidFill>
+            <a:schemeClr val="bg1">
+              <a:lumMod val="50000"/>
+              <a:alpha val="12157"/>
+            </a:schemeClr>
+          </a:solidFill>
+          <a:ln w="28575">
+            <a:solidFill>
+              <a:schemeClr val="bg1"/>
+            </a:solidFill>
+          </a:ln>
+        </p:spPr>
+        <p:style>
+          <a:lnRef idx="2">
+            <a:schemeClr val="accent1">
+              <a:shade val="15000"/>
+            </a:schemeClr>
+          </a:lnRef>
+          <a:fillRef idx="1">
+            <a:schemeClr val="accent1"/>
+          </a:fillRef>
+          <a:effectRef idx="0">
+            <a:schemeClr val="accent1"/>
+          </a:effectRef>
+          <a:fontRef idx="minor">
+            <a:schemeClr val="lt1"/>
+          </a:fontRef>
+        </p:style>
+        <p:txBody>
+          <a:bodyPr rtlCol="0" anchor="ctr"/>
+          <a:lstStyle/>
+          <a:p>
+            <a:pPr algn="ctr"/>
+            <a:endParaRPr lang="en-US" dirty="0"/>
+          </a:p>
+        </p:txBody>
+      </p:sp>
+      <p:sp>
+        <p:nvSpPr>
+          <p:cNvPr id="79" name="Rectangle 78">
+            <a:extLst>
+              <a:ext uri="{FF2B5EF4-FFF2-40B4-BE49-F238E27FC236}">
+                <a16:creationId xmlns:a16="http://schemas.microsoft.com/office/drawing/2014/main" id="{339B2C75-DAF8-5D25-1A87-485A75AF5DA9}"/>
+              </a:ext>
+            </a:extLst>
+          </p:cNvPr>
+          <p:cNvSpPr/>
+          <p:nvPr/>
+        </p:nvSpPr>
+        <p:spPr>
+          <a:xfrm>
+            <a:off x="1602905" y="5566249"/>
+            <a:ext cx="1072050" cy="226347"/>
+          </a:xfrm>
+          <a:prstGeom prst="rect">
+            <a:avLst/>
+          </a:prstGeom>
+          <a:solidFill>
+            <a:schemeClr val="bg1">
+              <a:lumMod val="50000"/>
+              <a:alpha val="12157"/>
+            </a:schemeClr>
+          </a:solidFill>
+          <a:ln w="28575">
+            <a:solidFill>
+              <a:schemeClr val="bg1"/>
+            </a:solidFill>
+          </a:ln>
+        </p:spPr>
+        <p:style>
+          <a:lnRef idx="2">
+            <a:schemeClr val="accent1">
+              <a:shade val="15000"/>
+            </a:schemeClr>
+          </a:lnRef>
+          <a:fillRef idx="1">
+            <a:schemeClr val="accent1"/>
+          </a:fillRef>
+          <a:effectRef idx="0">
+            <a:schemeClr val="accent1"/>
+          </a:effectRef>
+          <a:fontRef idx="minor">
+            <a:schemeClr val="lt1"/>
+          </a:fontRef>
+        </p:style>
+        <p:txBody>
+          <a:bodyPr rtlCol="0" anchor="ctr"/>
+          <a:lstStyle/>
+          <a:p>
+            <a:pPr algn="ctr"/>
+            <a:endParaRPr lang="en-US" dirty="0"/>
+          </a:p>
+        </p:txBody>
+      </p:sp>
+      <p:sp>
+        <p:nvSpPr>
+          <p:cNvPr id="81" name="Left Arrow 80">
+            <a:extLst>
+              <a:ext uri="{FF2B5EF4-FFF2-40B4-BE49-F238E27FC236}">
+                <a16:creationId xmlns:a16="http://schemas.microsoft.com/office/drawing/2014/main" id="{F4E8B67F-7C2C-D18C-BCCF-361E8BFF8C4C}"/>
+              </a:ext>
+            </a:extLst>
+          </p:cNvPr>
+          <p:cNvSpPr/>
+          <p:nvPr/>
+        </p:nvSpPr>
+        <p:spPr>
+          <a:xfrm>
+            <a:off x="8643238" y="1760126"/>
+            <a:ext cx="651300" cy="513909"/>
+          </a:xfrm>
+          <a:prstGeom prst="leftArrow">
+            <a:avLst/>
+          </a:prstGeom>
+          <a:solidFill>
+            <a:srgbClr val="FF0000"/>
+          </a:solidFill>
+        </p:spPr>
+        <p:style>
+          <a:lnRef idx="2">
+            <a:schemeClr val="accent1">
+              <a:shade val="15000"/>
+            </a:schemeClr>
+          </a:lnRef>
+          <a:fillRef idx="1">
+            <a:schemeClr val="accent1"/>
+          </a:fillRef>
+          <a:effectRef idx="0">
+            <a:schemeClr val="accent1"/>
+          </a:effectRef>
+          <a:fontRef idx="minor">
+            <a:schemeClr val="lt1"/>
+          </a:fontRef>
+        </p:style>
+        <p:txBody>
+          <a:bodyPr rtlCol="0" anchor="ctr"/>
+          <a:lstStyle/>
+          <a:p>
+            <a:pPr algn="ctr"/>
+            <a:endParaRPr lang="en-US"/>
+          </a:p>
+        </p:txBody>
+      </p:sp>
+      <p:sp>
+        <p:nvSpPr>
+          <p:cNvPr id="82" name="Left Arrow 81">
+            <a:extLst>
+              <a:ext uri="{FF2B5EF4-FFF2-40B4-BE49-F238E27FC236}">
+                <a16:creationId xmlns:a16="http://schemas.microsoft.com/office/drawing/2014/main" id="{9903A232-6C9D-6F74-3BA1-7BCD32CAF2C6}"/>
+              </a:ext>
+            </a:extLst>
+          </p:cNvPr>
+          <p:cNvSpPr/>
+          <p:nvPr/>
+        </p:nvSpPr>
+        <p:spPr>
+          <a:xfrm rot="10800000">
+            <a:off x="7200900" y="1760127"/>
+            <a:ext cx="651300" cy="465374"/>
+          </a:xfrm>
+          <a:prstGeom prst="leftArrow">
+            <a:avLst/>
+          </a:prstGeom>
+          <a:solidFill>
+            <a:srgbClr val="FF0000"/>
+          </a:solidFill>
+        </p:spPr>
+        <p:style>
+          <a:lnRef idx="2">
+            <a:schemeClr val="accent1">
+              <a:shade val="15000"/>
+            </a:schemeClr>
+          </a:lnRef>
+          <a:fillRef idx="1">
+            <a:schemeClr val="accent1"/>
+          </a:fillRef>
+          <a:effectRef idx="0">
+            <a:schemeClr val="accent1"/>
+          </a:effectRef>
+          <a:fontRef idx="minor">
+            <a:schemeClr val="lt1"/>
+          </a:fontRef>
+        </p:style>
+        <p:txBody>
+          <a:bodyPr rtlCol="0" anchor="ctr"/>
+          <a:lstStyle/>
+          <a:p>
+            <a:pPr algn="ctr"/>
+            <a:endParaRPr lang="en-US"/>
+          </a:p>
+        </p:txBody>
+      </p:sp>
+      <p:sp>
+        <p:nvSpPr>
+          <p:cNvPr id="83" name="TextBox 82">
+            <a:extLst>
+              <a:ext uri="{FF2B5EF4-FFF2-40B4-BE49-F238E27FC236}">
+                <a16:creationId xmlns:a16="http://schemas.microsoft.com/office/drawing/2014/main" id="{35B7E51D-6DBC-0A85-0A90-40090DD02366}"/>
+              </a:ext>
+            </a:extLst>
+          </p:cNvPr>
+          <p:cNvSpPr txBox="1"/>
+          <p:nvPr/>
+        </p:nvSpPr>
+        <p:spPr>
+          <a:xfrm>
+            <a:off x="9135133" y="3583686"/>
+            <a:ext cx="2900254" cy="1569660"/>
+          </a:xfrm>
+          <a:prstGeom prst="rect">
+            <a:avLst/>
+          </a:prstGeom>
+          <a:solidFill>
+            <a:srgbClr val="383838"/>
+          </a:solidFill>
+        </p:spPr>
+        <p:txBody>
+          <a:bodyPr wrap="square" rtlCol="0">
+            <a:spAutoFit/>
+          </a:bodyPr>
+          <a:lstStyle/>
+          <a:p>
+            <a:r>
+              <a:rPr lang="en-US" sz="2400" dirty="0">
+                <a:solidFill>
+                  <a:schemeClr val="bg1">
+                    <a:lumMod val="65000"/>
+                  </a:schemeClr>
+                </a:solidFill>
+                <a:latin typeface="Courier New" panose="02070309020205020404" pitchFamily="49" charset="0"/>
+                <a:cs typeface="Courier New" panose="02070309020205020404" pitchFamily="49" charset="0"/>
+              </a:rPr>
+              <a:t>replicate</a:t>
+            </a:r>
+            <a:r>
+              <a:rPr lang="en-US" sz="2400" dirty="0">
+                <a:solidFill>
+                  <a:schemeClr val="bg1">
+                    <a:lumMod val="65000"/>
+                  </a:schemeClr>
+                </a:solidFill>
+              </a:rPr>
+              <a:t> returns </a:t>
+            </a:r>
+          </a:p>
+          <a:p>
+            <a:r>
+              <a:rPr lang="en-US" sz="2400" dirty="0">
+                <a:solidFill>
+                  <a:schemeClr val="bg1">
+                    <a:lumMod val="65000"/>
+                  </a:schemeClr>
+                </a:solidFill>
+              </a:rPr>
+              <a:t>a </a:t>
+            </a:r>
+            <a:r>
+              <a:rPr lang="en-US" sz="2400" b="1" dirty="0">
+                <a:solidFill>
+                  <a:schemeClr val="accent2"/>
+                </a:solidFill>
+              </a:rPr>
+              <a:t>list column </a:t>
+            </a:r>
+          </a:p>
+          <a:p>
+            <a:r>
+              <a:rPr lang="en-US" sz="2400" dirty="0">
+                <a:solidFill>
+                  <a:schemeClr val="bg1">
+                    <a:lumMod val="65000"/>
+                  </a:schemeClr>
+                </a:solidFill>
+              </a:rPr>
+              <a:t>of </a:t>
+            </a:r>
+            <a:r>
+              <a:rPr lang="en-US" sz="2400" b="1" dirty="0">
+                <a:solidFill>
+                  <a:srgbClr val="00B0F0"/>
+                </a:solidFill>
+              </a:rPr>
+              <a:t>chr vectors </a:t>
+            </a:r>
+          </a:p>
+          <a:p>
+            <a:r>
+              <a:rPr lang="en-US" sz="2400" dirty="0">
+                <a:solidFill>
+                  <a:schemeClr val="bg1">
+                    <a:lumMod val="65000"/>
+                  </a:schemeClr>
+                </a:solidFill>
+              </a:rPr>
+              <a:t>of a </a:t>
+            </a:r>
+            <a:r>
+              <a:rPr lang="en-US" sz="2400" b="1" dirty="0">
+                <a:solidFill>
+                  <a:schemeClr val="bg1"/>
+                </a:solidFill>
+              </a:rPr>
+              <a:t>single chr</a:t>
+            </a:r>
+          </a:p>
+        </p:txBody>
+      </p:sp>
+      <p:sp>
+        <p:nvSpPr>
+          <p:cNvPr id="84" name="Left Arrow 83">
+            <a:extLst>
+              <a:ext uri="{FF2B5EF4-FFF2-40B4-BE49-F238E27FC236}">
+                <a16:creationId xmlns:a16="http://schemas.microsoft.com/office/drawing/2014/main" id="{31215666-2710-B109-0483-5966BC921F06}"/>
+              </a:ext>
+            </a:extLst>
+          </p:cNvPr>
+          <p:cNvSpPr/>
+          <p:nvPr/>
+        </p:nvSpPr>
+        <p:spPr>
+          <a:xfrm>
+            <a:off x="3480996" y="2968422"/>
+            <a:ext cx="651300" cy="513909"/>
+          </a:xfrm>
+          <a:prstGeom prst="leftArrow">
+            <a:avLst/>
+          </a:prstGeom>
+          <a:solidFill>
+            <a:srgbClr val="FF0000"/>
+          </a:solidFill>
+        </p:spPr>
+        <p:style>
+          <a:lnRef idx="2">
+            <a:schemeClr val="accent1">
+              <a:shade val="15000"/>
+            </a:schemeClr>
+          </a:lnRef>
+          <a:fillRef idx="1">
+            <a:schemeClr val="accent1"/>
+          </a:fillRef>
+          <a:effectRef idx="0">
+            <a:schemeClr val="accent1"/>
+          </a:effectRef>
+          <a:fontRef idx="minor">
+            <a:schemeClr val="lt1"/>
+          </a:fontRef>
+        </p:style>
+        <p:txBody>
+          <a:bodyPr rtlCol="0" anchor="ctr"/>
+          <a:lstStyle/>
+          <a:p>
+            <a:pPr algn="ctr"/>
+            <a:endParaRPr lang="en-US"/>
+          </a:p>
+        </p:txBody>
+      </p:sp>
+    </p:spTree>
+    <p:extLst>
+      <p:ext uri="{BB962C8B-B14F-4D97-AF65-F5344CB8AC3E}">
+        <p14:creationId xmlns:p14="http://schemas.microsoft.com/office/powerpoint/2010/main" val="804728206"/>
+      </p:ext>
+    </p:extLst>
+  </p:cSld>
+  <p:clrMapOvr>
+    <a:masterClrMapping/>
+  </p:clrMapOvr>
+</p:sld>
+</file>
+
+<file path=ppt/slides/slide5.xml><?xml version="1.0" encoding="utf-8"?>
+<p:sld xmlns:a="http://schemas.openxmlformats.org/drawingml/2006/main" xmlns:r="http://schemas.openxmlformats.org/officeDocument/2006/relationships" xmlns:p="http://schemas.openxmlformats.org/presentationml/2006/main">
+  <p:cSld>
+    <p:spTree>
+      <p:nvGrpSpPr>
+        <p:cNvPr id="1" name=""/>
+        <p:cNvGrpSpPr/>
+        <p:nvPr/>
+      </p:nvGrpSpPr>
+      <p:grpSpPr>
+        <a:xfrm>
+          <a:off x="0" y="0"/>
+          <a:ext cx="0" cy="0"/>
+          <a:chOff x="0" y="0"/>
+          <a:chExt cx="0" cy="0"/>
+        </a:xfrm>
+      </p:grpSpPr>
+      <p:pic>
+        <p:nvPicPr>
+          <p:cNvPr id="40" name="Picture 39">
+            <a:extLst>
+              <a:ext uri="{FF2B5EF4-FFF2-40B4-BE49-F238E27FC236}">
+                <a16:creationId xmlns:a16="http://schemas.microsoft.com/office/drawing/2014/main" id="{8AE73F7D-1E32-3254-30E2-F2D8E23029C1}"/>
+              </a:ext>
+            </a:extLst>
+          </p:cNvPr>
+          <p:cNvPicPr>
+            <a:picLocks noChangeAspect="1"/>
+          </p:cNvPicPr>
+          <p:nvPr/>
+        </p:nvPicPr>
+        <p:blipFill>
+          <a:blip r:embed="rId2"/>
+          <a:stretch>
+            <a:fillRect/>
+          </a:stretch>
+        </p:blipFill>
+        <p:spPr>
+          <a:xfrm>
+            <a:off x="274083" y="3614039"/>
+            <a:ext cx="5965681" cy="1017675"/>
+          </a:xfrm>
+          <a:prstGeom prst="rect">
+            <a:avLst/>
+          </a:prstGeom>
+        </p:spPr>
+      </p:pic>
+      <p:sp>
+        <p:nvSpPr>
+          <p:cNvPr id="2" name="Title 1">
+            <a:extLst>
+              <a:ext uri="{FF2B5EF4-FFF2-40B4-BE49-F238E27FC236}">
+                <a16:creationId xmlns:a16="http://schemas.microsoft.com/office/drawing/2014/main" id="{4970D44E-C381-28DE-EAB4-AE0350103C3D}"/>
+              </a:ext>
+            </a:extLst>
+          </p:cNvPr>
+          <p:cNvSpPr>
+            <a:spLocks noGrp="1"/>
+          </p:cNvSpPr>
+          <p:nvPr>
+            <p:ph type="title"/>
+          </p:nvPr>
+        </p:nvSpPr>
+        <p:spPr>
+          <a:xfrm>
+            <a:off x="301912" y="178911"/>
+            <a:ext cx="10515600" cy="1325563"/>
+          </a:xfrm>
+        </p:spPr>
+        <p:txBody>
+          <a:bodyPr/>
+          <a:lstStyle/>
+          <a:p>
+            <a:r>
+              <a:rPr lang="en-US" dirty="0"/>
+              <a:t>Simple Outcomes with </a:t>
+            </a:r>
+            <a:r>
+              <a:rPr lang="en-US" dirty="0">
+                <a:latin typeface="Courier New" panose="02070309020205020404" pitchFamily="49" charset="0"/>
+                <a:cs typeface="Courier New" panose="02070309020205020404" pitchFamily="49" charset="0"/>
+              </a:rPr>
+              <a:t>replicate_chr</a:t>
+            </a:r>
+            <a:br>
+              <a:rPr lang="en-US" dirty="0"/>
+            </a:br>
+            <a:r>
+              <a:rPr lang="en-US" dirty="0"/>
+              <a:t>creates an extra level</a:t>
+            </a:r>
+          </a:p>
+        </p:txBody>
+      </p:sp>
+      <p:sp>
+        <p:nvSpPr>
+          <p:cNvPr id="49" name="Rectangle 48">
+            <a:extLst>
+              <a:ext uri="{FF2B5EF4-FFF2-40B4-BE49-F238E27FC236}">
+                <a16:creationId xmlns:a16="http://schemas.microsoft.com/office/drawing/2014/main" id="{6849A37B-0969-45B0-9450-6ECD5FABC0C4}"/>
+              </a:ext>
+            </a:extLst>
+          </p:cNvPr>
+          <p:cNvSpPr/>
+          <p:nvPr/>
+        </p:nvSpPr>
+        <p:spPr>
+          <a:xfrm>
+            <a:off x="468050" y="4106314"/>
+            <a:ext cx="5752614" cy="380067"/>
+          </a:xfrm>
+          <a:prstGeom prst="rect">
+            <a:avLst/>
+          </a:prstGeom>
+          <a:solidFill>
+            <a:srgbClr val="ED7D31">
+              <a:alpha val="13333"/>
+            </a:srgbClr>
+          </a:solidFill>
+          <a:ln w="38100">
+            <a:solidFill>
+              <a:schemeClr val="accent2"/>
+            </a:solidFill>
+          </a:ln>
+        </p:spPr>
+        <p:style>
+          <a:lnRef idx="2">
+            <a:schemeClr val="accent1">
+              <a:shade val="15000"/>
+            </a:schemeClr>
+          </a:lnRef>
+          <a:fillRef idx="1">
+            <a:schemeClr val="accent1"/>
+          </a:fillRef>
+          <a:effectRef idx="0">
+            <a:schemeClr val="accent1"/>
+          </a:effectRef>
+          <a:fontRef idx="minor">
+            <a:schemeClr val="lt1"/>
+          </a:fontRef>
+        </p:style>
+        <p:txBody>
+          <a:bodyPr rtlCol="0" anchor="ctr"/>
+          <a:lstStyle/>
+          <a:p>
+            <a:pPr algn="ctr"/>
+            <a:endParaRPr lang="en-US"/>
+          </a:p>
+        </p:txBody>
+      </p:sp>
+      <p:sp>
+        <p:nvSpPr>
+          <p:cNvPr id="50" name="Rectangle 49">
+            <a:extLst>
+              <a:ext uri="{FF2B5EF4-FFF2-40B4-BE49-F238E27FC236}">
+                <a16:creationId xmlns:a16="http://schemas.microsoft.com/office/drawing/2014/main" id="{76137CE7-FB0D-C355-E014-0BE527425E44}"/>
+              </a:ext>
+            </a:extLst>
+          </p:cNvPr>
+          <p:cNvSpPr/>
+          <p:nvPr/>
+        </p:nvSpPr>
+        <p:spPr>
+          <a:xfrm flipV="1">
+            <a:off x="1987518" y="4133461"/>
+            <a:ext cx="3879832" cy="338632"/>
+          </a:xfrm>
+          <a:prstGeom prst="rect">
+            <a:avLst/>
+          </a:prstGeom>
+          <a:solidFill>
+            <a:srgbClr val="00B0F0">
+              <a:alpha val="12157"/>
+            </a:srgbClr>
+          </a:solidFill>
+          <a:ln w="28575">
+            <a:solidFill>
+              <a:srgbClr val="00B0F0"/>
+            </a:solidFill>
+          </a:ln>
+        </p:spPr>
+        <p:style>
+          <a:lnRef idx="2">
+            <a:schemeClr val="accent1">
+              <a:shade val="15000"/>
+            </a:schemeClr>
+          </a:lnRef>
+          <a:fillRef idx="1">
+            <a:schemeClr val="accent1"/>
+          </a:fillRef>
+          <a:effectRef idx="0">
+            <a:schemeClr val="accent1"/>
+          </a:effectRef>
+          <a:fontRef idx="minor">
+            <a:schemeClr val="lt1"/>
+          </a:fontRef>
+        </p:style>
+        <p:txBody>
+          <a:bodyPr rtlCol="0" anchor="ctr"/>
+          <a:lstStyle/>
+          <a:p>
+            <a:pPr algn="ctr"/>
+            <a:endParaRPr lang="en-US" dirty="0"/>
+          </a:p>
+        </p:txBody>
+      </p:sp>
+      <p:sp>
+        <p:nvSpPr>
+          <p:cNvPr id="83" name="TextBox 82">
+            <a:extLst>
+              <a:ext uri="{FF2B5EF4-FFF2-40B4-BE49-F238E27FC236}">
+                <a16:creationId xmlns:a16="http://schemas.microsoft.com/office/drawing/2014/main" id="{35B7E51D-6DBC-0A85-0A90-40090DD02366}"/>
+              </a:ext>
+            </a:extLst>
+          </p:cNvPr>
+          <p:cNvSpPr txBox="1"/>
+          <p:nvPr/>
+        </p:nvSpPr>
+        <p:spPr>
+          <a:xfrm>
+            <a:off x="9135133" y="3583686"/>
+            <a:ext cx="2900254" cy="1200329"/>
+          </a:xfrm>
+          <a:prstGeom prst="rect">
+            <a:avLst/>
+          </a:prstGeom>
+          <a:solidFill>
+            <a:srgbClr val="383838"/>
+          </a:solidFill>
+        </p:spPr>
+        <p:txBody>
+          <a:bodyPr wrap="square" rtlCol="0">
+            <a:spAutoFit/>
+          </a:bodyPr>
+          <a:lstStyle/>
+          <a:p>
+            <a:r>
+              <a:rPr lang="en-US" sz="2400" dirty="0">
+                <a:solidFill>
+                  <a:schemeClr val="bg1">
+                    <a:lumMod val="65000"/>
+                  </a:schemeClr>
+                </a:solidFill>
+                <a:latin typeface="Courier New" panose="02070309020205020404" pitchFamily="49" charset="0"/>
+                <a:cs typeface="Courier New" panose="02070309020205020404" pitchFamily="49" charset="0"/>
+              </a:rPr>
+              <a:t>replicate_chr</a:t>
+            </a:r>
+            <a:r>
+              <a:rPr lang="en-US" sz="2400" dirty="0">
+                <a:solidFill>
+                  <a:schemeClr val="bg1">
+                    <a:lumMod val="65000"/>
+                  </a:schemeClr>
+                </a:solidFill>
+              </a:rPr>
+              <a:t> returns a </a:t>
+            </a:r>
+            <a:r>
+              <a:rPr lang="en-US" sz="2400" b="1" dirty="0">
+                <a:solidFill>
+                  <a:schemeClr val="accent2"/>
+                </a:solidFill>
+              </a:rPr>
+              <a:t>list column </a:t>
+            </a:r>
+          </a:p>
+          <a:p>
+            <a:r>
+              <a:rPr lang="en-US" sz="2400" dirty="0">
+                <a:solidFill>
+                  <a:schemeClr val="bg1">
+                    <a:lumMod val="65000"/>
+                  </a:schemeClr>
+                </a:solidFill>
+              </a:rPr>
+              <a:t>of </a:t>
+            </a:r>
+            <a:r>
+              <a:rPr lang="en-US" sz="2400" b="1" dirty="0">
+                <a:solidFill>
+                  <a:srgbClr val="00B0F0"/>
+                </a:solidFill>
+              </a:rPr>
+              <a:t>single chr</a:t>
+            </a:r>
+          </a:p>
+        </p:txBody>
+      </p:sp>
+      <p:pic>
+        <p:nvPicPr>
+          <p:cNvPr id="5" name="Picture 4">
+            <a:extLst>
+              <a:ext uri="{FF2B5EF4-FFF2-40B4-BE49-F238E27FC236}">
+                <a16:creationId xmlns:a16="http://schemas.microsoft.com/office/drawing/2014/main" id="{8F974F92-EB29-BC9F-20A6-14F20C3290B0}"/>
+              </a:ext>
+            </a:extLst>
+          </p:cNvPr>
+          <p:cNvPicPr>
+            <a:picLocks noChangeAspect="1"/>
+          </p:cNvPicPr>
+          <p:nvPr/>
+        </p:nvPicPr>
+        <p:blipFill>
+          <a:blip r:embed="rId3"/>
+          <a:stretch>
+            <a:fillRect/>
+          </a:stretch>
+        </p:blipFill>
+        <p:spPr>
+          <a:xfrm>
+            <a:off x="6414631" y="1130300"/>
+            <a:ext cx="2273300" cy="5727700"/>
+          </a:xfrm>
+          <a:prstGeom prst="rect">
+            <a:avLst/>
+          </a:prstGeom>
+        </p:spPr>
+      </p:pic>
+      <p:grpSp>
+        <p:nvGrpSpPr>
+          <p:cNvPr id="18" name="Group 17">
+            <a:extLst>
+              <a:ext uri="{FF2B5EF4-FFF2-40B4-BE49-F238E27FC236}">
+                <a16:creationId xmlns:a16="http://schemas.microsoft.com/office/drawing/2014/main" id="{165B9ACB-E83A-6339-0831-F3FA4AFEF0B4}"/>
+              </a:ext>
+            </a:extLst>
+          </p:cNvPr>
+          <p:cNvGrpSpPr/>
+          <p:nvPr/>
+        </p:nvGrpSpPr>
+        <p:grpSpPr>
+          <a:xfrm>
+            <a:off x="7551281" y="2350291"/>
+            <a:ext cx="1093516" cy="4426833"/>
+            <a:chOff x="5216641" y="2265862"/>
+            <a:chExt cx="1093516" cy="4426833"/>
+          </a:xfrm>
+        </p:grpSpPr>
+        <p:sp>
+          <p:nvSpPr>
+            <p:cNvPr id="19" name="Rectangle 18">
+              <a:extLst>
+                <a:ext uri="{FF2B5EF4-FFF2-40B4-BE49-F238E27FC236}">
+                  <a16:creationId xmlns:a16="http://schemas.microsoft.com/office/drawing/2014/main" id="{7EABEF94-718A-D5E8-EE18-575E6BD40216}"/>
+                </a:ext>
+              </a:extLst>
+            </p:cNvPr>
+            <p:cNvSpPr/>
+            <p:nvPr/>
+          </p:nvSpPr>
+          <p:spPr>
+            <a:xfrm>
+              <a:off x="5216641" y="2265862"/>
+              <a:ext cx="1093516" cy="4426833"/>
+            </a:xfrm>
+            <a:prstGeom prst="rect">
+              <a:avLst/>
+            </a:prstGeom>
+            <a:solidFill>
+              <a:srgbClr val="ED7D31">
+                <a:alpha val="13333"/>
+              </a:srgbClr>
+            </a:solidFill>
+            <a:ln w="38100">
+              <a:solidFill>
+                <a:schemeClr val="accent2"/>
+              </a:solidFill>
+            </a:ln>
+          </p:spPr>
+          <p:style>
+            <a:lnRef idx="2">
+              <a:schemeClr val="accent1">
+                <a:shade val="15000"/>
+              </a:schemeClr>
+            </a:lnRef>
+            <a:fillRef idx="1">
+              <a:schemeClr val="accent1"/>
+            </a:fillRef>
+            <a:effectRef idx="0">
+              <a:schemeClr val="accent1"/>
+            </a:effectRef>
+            <a:fontRef idx="minor">
+              <a:schemeClr val="lt1"/>
+            </a:fontRef>
+          </p:style>
+          <p:txBody>
+            <a:bodyPr rtlCol="0" anchor="ctr"/>
+            <a:lstStyle/>
+            <a:p>
+              <a:pPr algn="ctr"/>
+              <a:endParaRPr lang="en-US"/>
+            </a:p>
+          </p:txBody>
+        </p:sp>
+        <p:sp>
+          <p:nvSpPr>
+            <p:cNvPr id="21" name="Rectangle 20">
+              <a:extLst>
+                <a:ext uri="{FF2B5EF4-FFF2-40B4-BE49-F238E27FC236}">
+                  <a16:creationId xmlns:a16="http://schemas.microsoft.com/office/drawing/2014/main" id="{F3892402-351E-EB16-CDF4-0611EFAC22E2}"/>
+                </a:ext>
+              </a:extLst>
+            </p:cNvPr>
+            <p:cNvSpPr/>
+            <p:nvPr/>
+          </p:nvSpPr>
+          <p:spPr>
+            <a:xfrm>
+              <a:off x="5905343" y="2323014"/>
+              <a:ext cx="332453" cy="281075"/>
+            </a:xfrm>
+            <a:prstGeom prst="rect">
+              <a:avLst/>
+            </a:prstGeom>
+            <a:solidFill>
+              <a:srgbClr val="00B0F0">
+                <a:alpha val="12157"/>
+              </a:srgbClr>
+            </a:solidFill>
+            <a:ln w="28575">
+              <a:solidFill>
+                <a:srgbClr val="00B0F0"/>
+              </a:solidFill>
+            </a:ln>
+          </p:spPr>
+          <p:style>
+            <a:lnRef idx="2">
+              <a:schemeClr val="accent1">
+                <a:shade val="15000"/>
+              </a:schemeClr>
+            </a:lnRef>
+            <a:fillRef idx="1">
+              <a:schemeClr val="accent1"/>
+            </a:fillRef>
+            <a:effectRef idx="0">
+              <a:schemeClr val="accent1"/>
+            </a:effectRef>
+            <a:fontRef idx="minor">
+              <a:schemeClr val="lt1"/>
+            </a:fontRef>
+          </p:style>
+          <p:txBody>
+            <a:bodyPr rtlCol="0" anchor="ctr"/>
+            <a:lstStyle/>
+            <a:p>
+              <a:pPr algn="ctr"/>
+              <a:endParaRPr lang="en-US" dirty="0"/>
+            </a:p>
+          </p:txBody>
+        </p:sp>
+        <p:sp>
+          <p:nvSpPr>
+            <p:cNvPr id="22" name="Rectangle 21">
+              <a:extLst>
+                <a:ext uri="{FF2B5EF4-FFF2-40B4-BE49-F238E27FC236}">
+                  <a16:creationId xmlns:a16="http://schemas.microsoft.com/office/drawing/2014/main" id="{437B0E5F-FAD7-D623-974A-35F9BE53528F}"/>
+                </a:ext>
+              </a:extLst>
+            </p:cNvPr>
+            <p:cNvSpPr/>
+            <p:nvPr/>
+          </p:nvSpPr>
+          <p:spPr>
+            <a:xfrm>
+              <a:off x="5905343" y="2760391"/>
+              <a:ext cx="332453" cy="281075"/>
+            </a:xfrm>
+            <a:prstGeom prst="rect">
+              <a:avLst/>
+            </a:prstGeom>
+            <a:solidFill>
+              <a:srgbClr val="00B0F0">
+                <a:alpha val="12157"/>
+              </a:srgbClr>
+            </a:solidFill>
+            <a:ln w="28575">
+              <a:solidFill>
+                <a:srgbClr val="00B0F0"/>
+              </a:solidFill>
+            </a:ln>
+          </p:spPr>
+          <p:style>
+            <a:lnRef idx="2">
+              <a:schemeClr val="accent1">
+                <a:shade val="15000"/>
+              </a:schemeClr>
+            </a:lnRef>
+            <a:fillRef idx="1">
+              <a:schemeClr val="accent1"/>
+            </a:fillRef>
+            <a:effectRef idx="0">
+              <a:schemeClr val="accent1"/>
+            </a:effectRef>
+            <a:fontRef idx="minor">
+              <a:schemeClr val="lt1"/>
+            </a:fontRef>
+          </p:style>
+          <p:txBody>
+            <a:bodyPr rtlCol="0" anchor="ctr"/>
+            <a:lstStyle/>
+            <a:p>
+              <a:pPr algn="ctr"/>
+              <a:endParaRPr lang="en-US" dirty="0"/>
+            </a:p>
+          </p:txBody>
+        </p:sp>
+        <p:sp>
+          <p:nvSpPr>
+            <p:cNvPr id="24" name="Rectangle 23">
+              <a:extLst>
+                <a:ext uri="{FF2B5EF4-FFF2-40B4-BE49-F238E27FC236}">
+                  <a16:creationId xmlns:a16="http://schemas.microsoft.com/office/drawing/2014/main" id="{1BE18C26-266E-30FF-832F-0A9C92E44849}"/>
+                </a:ext>
+              </a:extLst>
+            </p:cNvPr>
+            <p:cNvSpPr/>
+            <p:nvPr/>
+          </p:nvSpPr>
+          <p:spPr>
+            <a:xfrm>
+              <a:off x="5905343" y="3214365"/>
+              <a:ext cx="332453" cy="281075"/>
+            </a:xfrm>
+            <a:prstGeom prst="rect">
+              <a:avLst/>
+            </a:prstGeom>
+            <a:solidFill>
+              <a:srgbClr val="00B0F0">
+                <a:alpha val="12157"/>
+              </a:srgbClr>
+            </a:solidFill>
+            <a:ln w="28575">
+              <a:solidFill>
+                <a:srgbClr val="00B0F0"/>
+              </a:solidFill>
+            </a:ln>
+          </p:spPr>
+          <p:style>
+            <a:lnRef idx="2">
+              <a:schemeClr val="accent1">
+                <a:shade val="15000"/>
+              </a:schemeClr>
+            </a:lnRef>
+            <a:fillRef idx="1">
+              <a:schemeClr val="accent1"/>
+            </a:fillRef>
+            <a:effectRef idx="0">
+              <a:schemeClr val="accent1"/>
+            </a:effectRef>
+            <a:fontRef idx="minor">
+              <a:schemeClr val="lt1"/>
+            </a:fontRef>
+          </p:style>
+          <p:txBody>
+            <a:bodyPr rtlCol="0" anchor="ctr"/>
+            <a:lstStyle/>
+            <a:p>
+              <a:pPr algn="ctr"/>
+              <a:endParaRPr lang="en-US" dirty="0"/>
+            </a:p>
+          </p:txBody>
+        </p:sp>
+        <p:sp>
+          <p:nvSpPr>
+            <p:cNvPr id="25" name="Rectangle 24">
+              <a:extLst>
+                <a:ext uri="{FF2B5EF4-FFF2-40B4-BE49-F238E27FC236}">
+                  <a16:creationId xmlns:a16="http://schemas.microsoft.com/office/drawing/2014/main" id="{939A7C61-3B35-3E7B-6799-B4A338024B6A}"/>
+                </a:ext>
+              </a:extLst>
+            </p:cNvPr>
+            <p:cNvSpPr/>
+            <p:nvPr/>
+          </p:nvSpPr>
+          <p:spPr>
+            <a:xfrm>
+              <a:off x="5905343" y="3651742"/>
+              <a:ext cx="332453" cy="281075"/>
+            </a:xfrm>
+            <a:prstGeom prst="rect">
+              <a:avLst/>
+            </a:prstGeom>
+            <a:solidFill>
+              <a:srgbClr val="00B0F0">
+                <a:alpha val="12157"/>
+              </a:srgbClr>
+            </a:solidFill>
+            <a:ln w="28575">
+              <a:solidFill>
+                <a:srgbClr val="00B0F0"/>
+              </a:solidFill>
+            </a:ln>
+          </p:spPr>
+          <p:style>
+            <a:lnRef idx="2">
+              <a:schemeClr val="accent1">
+                <a:shade val="15000"/>
+              </a:schemeClr>
+            </a:lnRef>
+            <a:fillRef idx="1">
+              <a:schemeClr val="accent1"/>
+            </a:fillRef>
+            <a:effectRef idx="0">
+              <a:schemeClr val="accent1"/>
+            </a:effectRef>
+            <a:fontRef idx="minor">
+              <a:schemeClr val="lt1"/>
+            </a:fontRef>
+          </p:style>
+          <p:txBody>
+            <a:bodyPr rtlCol="0" anchor="ctr"/>
+            <a:lstStyle/>
+            <a:p>
+              <a:pPr algn="ctr"/>
+              <a:endParaRPr lang="en-US" dirty="0"/>
+            </a:p>
+          </p:txBody>
+        </p:sp>
+        <p:sp>
+          <p:nvSpPr>
+            <p:cNvPr id="27" name="Rectangle 26">
+              <a:extLst>
+                <a:ext uri="{FF2B5EF4-FFF2-40B4-BE49-F238E27FC236}">
+                  <a16:creationId xmlns:a16="http://schemas.microsoft.com/office/drawing/2014/main" id="{67D9237E-FBCC-2E32-AFDC-1716415C4DE2}"/>
+                </a:ext>
+              </a:extLst>
+            </p:cNvPr>
+            <p:cNvSpPr/>
+            <p:nvPr/>
+          </p:nvSpPr>
+          <p:spPr>
+            <a:xfrm>
+              <a:off x="5905343" y="4109908"/>
+              <a:ext cx="332453" cy="281075"/>
+            </a:xfrm>
+            <a:prstGeom prst="rect">
+              <a:avLst/>
+            </a:prstGeom>
+            <a:solidFill>
+              <a:srgbClr val="00B0F0">
+                <a:alpha val="12157"/>
+              </a:srgbClr>
+            </a:solidFill>
+            <a:ln w="28575">
+              <a:solidFill>
+                <a:srgbClr val="00B0F0"/>
+              </a:solidFill>
+            </a:ln>
+          </p:spPr>
+          <p:style>
+            <a:lnRef idx="2">
+              <a:schemeClr val="accent1">
+                <a:shade val="15000"/>
+              </a:schemeClr>
+            </a:lnRef>
+            <a:fillRef idx="1">
+              <a:schemeClr val="accent1"/>
+            </a:fillRef>
+            <a:effectRef idx="0">
+              <a:schemeClr val="accent1"/>
+            </a:effectRef>
+            <a:fontRef idx="minor">
+              <a:schemeClr val="lt1"/>
+            </a:fontRef>
+          </p:style>
+          <p:txBody>
+            <a:bodyPr rtlCol="0" anchor="ctr"/>
+            <a:lstStyle/>
+            <a:p>
+              <a:pPr algn="ctr"/>
+              <a:endParaRPr lang="en-US" dirty="0"/>
+            </a:p>
+          </p:txBody>
+        </p:sp>
+        <p:sp>
+          <p:nvSpPr>
+            <p:cNvPr id="28" name="Rectangle 27">
+              <a:extLst>
+                <a:ext uri="{FF2B5EF4-FFF2-40B4-BE49-F238E27FC236}">
+                  <a16:creationId xmlns:a16="http://schemas.microsoft.com/office/drawing/2014/main" id="{9B8F60CF-1B36-B6BD-CBCA-A13EE199BF21}"/>
+                </a:ext>
+              </a:extLst>
+            </p:cNvPr>
+            <p:cNvSpPr/>
+            <p:nvPr/>
+          </p:nvSpPr>
+          <p:spPr>
+            <a:xfrm>
+              <a:off x="5905343" y="4547285"/>
+              <a:ext cx="332453" cy="281075"/>
+            </a:xfrm>
+            <a:prstGeom prst="rect">
+              <a:avLst/>
+            </a:prstGeom>
+            <a:solidFill>
+              <a:srgbClr val="00B0F0">
+                <a:alpha val="12157"/>
+              </a:srgbClr>
+            </a:solidFill>
+            <a:ln w="28575">
+              <a:solidFill>
+                <a:srgbClr val="00B0F0"/>
+              </a:solidFill>
+            </a:ln>
+          </p:spPr>
+          <p:style>
+            <a:lnRef idx="2">
+              <a:schemeClr val="accent1">
+                <a:shade val="15000"/>
+              </a:schemeClr>
+            </a:lnRef>
+            <a:fillRef idx="1">
+              <a:schemeClr val="accent1"/>
+            </a:fillRef>
+            <a:effectRef idx="0">
+              <a:schemeClr val="accent1"/>
+            </a:effectRef>
+            <a:fontRef idx="minor">
+              <a:schemeClr val="lt1"/>
+            </a:fontRef>
+          </p:style>
+          <p:txBody>
+            <a:bodyPr rtlCol="0" anchor="ctr"/>
+            <a:lstStyle/>
+            <a:p>
+              <a:pPr algn="ctr"/>
+              <a:endParaRPr lang="en-US" dirty="0"/>
+            </a:p>
+          </p:txBody>
+        </p:sp>
+        <p:sp>
+          <p:nvSpPr>
+            <p:cNvPr id="30" name="Rectangle 29">
+              <a:extLst>
+                <a:ext uri="{FF2B5EF4-FFF2-40B4-BE49-F238E27FC236}">
+                  <a16:creationId xmlns:a16="http://schemas.microsoft.com/office/drawing/2014/main" id="{07DD3598-52D5-99D6-6FB5-A20514103415}"/>
+                </a:ext>
+              </a:extLst>
+            </p:cNvPr>
+            <p:cNvSpPr/>
+            <p:nvPr/>
+          </p:nvSpPr>
+          <p:spPr>
+            <a:xfrm>
+              <a:off x="5905343" y="5001259"/>
+              <a:ext cx="332453" cy="281075"/>
+            </a:xfrm>
+            <a:prstGeom prst="rect">
+              <a:avLst/>
+            </a:prstGeom>
+            <a:solidFill>
+              <a:srgbClr val="00B0F0">
+                <a:alpha val="12157"/>
+              </a:srgbClr>
+            </a:solidFill>
+            <a:ln w="28575">
+              <a:solidFill>
+                <a:srgbClr val="00B0F0"/>
+              </a:solidFill>
+            </a:ln>
+          </p:spPr>
+          <p:style>
+            <a:lnRef idx="2">
+              <a:schemeClr val="accent1">
+                <a:shade val="15000"/>
+              </a:schemeClr>
+            </a:lnRef>
+            <a:fillRef idx="1">
+              <a:schemeClr val="accent1"/>
+            </a:fillRef>
+            <a:effectRef idx="0">
+              <a:schemeClr val="accent1"/>
+            </a:effectRef>
+            <a:fontRef idx="minor">
+              <a:schemeClr val="lt1"/>
+            </a:fontRef>
+          </p:style>
+          <p:txBody>
+            <a:bodyPr rtlCol="0" anchor="ctr"/>
+            <a:lstStyle/>
+            <a:p>
+              <a:pPr algn="ctr"/>
+              <a:endParaRPr lang="en-US" dirty="0"/>
+            </a:p>
+          </p:txBody>
+        </p:sp>
+        <p:sp>
+          <p:nvSpPr>
+            <p:cNvPr id="31" name="Rectangle 30">
+              <a:extLst>
+                <a:ext uri="{FF2B5EF4-FFF2-40B4-BE49-F238E27FC236}">
+                  <a16:creationId xmlns:a16="http://schemas.microsoft.com/office/drawing/2014/main" id="{E4DFEA21-840B-0853-E128-0F9B36108754}"/>
+                </a:ext>
+              </a:extLst>
+            </p:cNvPr>
+            <p:cNvSpPr/>
+            <p:nvPr/>
+          </p:nvSpPr>
+          <p:spPr>
+            <a:xfrm>
+              <a:off x="5905343" y="5438636"/>
+              <a:ext cx="332453" cy="281075"/>
+            </a:xfrm>
+            <a:prstGeom prst="rect">
+              <a:avLst/>
+            </a:prstGeom>
+            <a:solidFill>
+              <a:srgbClr val="00B0F0">
+                <a:alpha val="12157"/>
+              </a:srgbClr>
+            </a:solidFill>
+            <a:ln w="28575">
+              <a:solidFill>
+                <a:srgbClr val="00B0F0"/>
+              </a:solidFill>
+            </a:ln>
+          </p:spPr>
+          <p:style>
+            <a:lnRef idx="2">
+              <a:schemeClr val="accent1">
+                <a:shade val="15000"/>
+              </a:schemeClr>
+            </a:lnRef>
+            <a:fillRef idx="1">
+              <a:schemeClr val="accent1"/>
+            </a:fillRef>
+            <a:effectRef idx="0">
+              <a:schemeClr val="accent1"/>
+            </a:effectRef>
+            <a:fontRef idx="minor">
+              <a:schemeClr val="lt1"/>
+            </a:fontRef>
+          </p:style>
+          <p:txBody>
+            <a:bodyPr rtlCol="0" anchor="ctr"/>
+            <a:lstStyle/>
+            <a:p>
+              <a:pPr algn="ctr"/>
+              <a:endParaRPr lang="en-US" dirty="0"/>
+            </a:p>
+          </p:txBody>
+        </p:sp>
+        <p:sp>
+          <p:nvSpPr>
+            <p:cNvPr id="33" name="Rectangle 32">
+              <a:extLst>
+                <a:ext uri="{FF2B5EF4-FFF2-40B4-BE49-F238E27FC236}">
+                  <a16:creationId xmlns:a16="http://schemas.microsoft.com/office/drawing/2014/main" id="{9415DC38-10A1-C463-4D8B-C6E9BA76CC4F}"/>
+                </a:ext>
+              </a:extLst>
+            </p:cNvPr>
+            <p:cNvSpPr/>
+            <p:nvPr/>
+          </p:nvSpPr>
+          <p:spPr>
+            <a:xfrm>
+              <a:off x="5905343" y="5892610"/>
+              <a:ext cx="332453" cy="281075"/>
+            </a:xfrm>
+            <a:prstGeom prst="rect">
+              <a:avLst/>
+            </a:prstGeom>
+            <a:solidFill>
+              <a:srgbClr val="00B0F0">
+                <a:alpha val="12157"/>
+              </a:srgbClr>
+            </a:solidFill>
+            <a:ln w="28575">
+              <a:solidFill>
+                <a:srgbClr val="00B0F0"/>
+              </a:solidFill>
+            </a:ln>
+          </p:spPr>
+          <p:style>
+            <a:lnRef idx="2">
+              <a:schemeClr val="accent1">
+                <a:shade val="15000"/>
+              </a:schemeClr>
+            </a:lnRef>
+            <a:fillRef idx="1">
+              <a:schemeClr val="accent1"/>
+            </a:fillRef>
+            <a:effectRef idx="0">
+              <a:schemeClr val="accent1"/>
+            </a:effectRef>
+            <a:fontRef idx="minor">
+              <a:schemeClr val="lt1"/>
+            </a:fontRef>
+          </p:style>
+          <p:txBody>
+            <a:bodyPr rtlCol="0" anchor="ctr"/>
+            <a:lstStyle/>
+            <a:p>
+              <a:pPr algn="ctr"/>
+              <a:endParaRPr lang="en-US" dirty="0"/>
+            </a:p>
+          </p:txBody>
+        </p:sp>
+        <p:sp>
+          <p:nvSpPr>
+            <p:cNvPr id="34" name="Rectangle 33">
+              <a:extLst>
+                <a:ext uri="{FF2B5EF4-FFF2-40B4-BE49-F238E27FC236}">
+                  <a16:creationId xmlns:a16="http://schemas.microsoft.com/office/drawing/2014/main" id="{A534323B-58CA-9703-27E4-A10C90598D5B}"/>
+                </a:ext>
+              </a:extLst>
+            </p:cNvPr>
+            <p:cNvSpPr/>
+            <p:nvPr/>
+          </p:nvSpPr>
+          <p:spPr>
+            <a:xfrm>
+              <a:off x="5905343" y="6329987"/>
+              <a:ext cx="332453" cy="281075"/>
+            </a:xfrm>
+            <a:prstGeom prst="rect">
+              <a:avLst/>
+            </a:prstGeom>
+            <a:solidFill>
+              <a:srgbClr val="00B0F0">
+                <a:alpha val="12157"/>
+              </a:srgbClr>
+            </a:solidFill>
+            <a:ln w="28575">
+              <a:solidFill>
+                <a:srgbClr val="00B0F0"/>
+              </a:solidFill>
+            </a:ln>
+          </p:spPr>
+          <p:style>
+            <a:lnRef idx="2">
+              <a:schemeClr val="accent1">
+                <a:shade val="15000"/>
+              </a:schemeClr>
+            </a:lnRef>
+            <a:fillRef idx="1">
+              <a:schemeClr val="accent1"/>
+            </a:fillRef>
+            <a:effectRef idx="0">
+              <a:schemeClr val="accent1"/>
+            </a:effectRef>
+            <a:fontRef idx="minor">
+              <a:schemeClr val="lt1"/>
+            </a:fontRef>
+          </p:style>
+          <p:txBody>
+            <a:bodyPr rtlCol="0" anchor="ctr"/>
+            <a:lstStyle/>
+            <a:p>
+              <a:pPr algn="ctr"/>
+              <a:endParaRPr lang="en-US" dirty="0"/>
+            </a:p>
+          </p:txBody>
+        </p:sp>
+      </p:grpSp>
+      <p:sp>
+        <p:nvSpPr>
+          <p:cNvPr id="36" name="Left Arrow 35">
+            <a:extLst>
+              <a:ext uri="{FF2B5EF4-FFF2-40B4-BE49-F238E27FC236}">
+                <a16:creationId xmlns:a16="http://schemas.microsoft.com/office/drawing/2014/main" id="{1E278356-F508-58B8-122F-392B5A903341}"/>
+              </a:ext>
+            </a:extLst>
+          </p:cNvPr>
+          <p:cNvSpPr/>
+          <p:nvPr/>
+        </p:nvSpPr>
+        <p:spPr>
+          <a:xfrm>
+            <a:off x="8621511" y="1889225"/>
+            <a:ext cx="651300" cy="513909"/>
+          </a:xfrm>
+          <a:prstGeom prst="leftArrow">
+            <a:avLst/>
+          </a:prstGeom>
+          <a:solidFill>
+            <a:srgbClr val="00B050"/>
+          </a:solidFill>
+        </p:spPr>
+        <p:style>
+          <a:lnRef idx="2">
+            <a:schemeClr val="accent1">
+              <a:shade val="15000"/>
+            </a:schemeClr>
+          </a:lnRef>
+          <a:fillRef idx="1">
+            <a:schemeClr val="accent1"/>
+          </a:fillRef>
+          <a:effectRef idx="0">
+            <a:schemeClr val="accent1"/>
+          </a:effectRef>
+          <a:fontRef idx="minor">
+            <a:schemeClr val="lt1"/>
+          </a:fontRef>
+        </p:style>
+        <p:txBody>
+          <a:bodyPr rtlCol="0" anchor="ctr"/>
+          <a:lstStyle/>
+          <a:p>
+            <a:pPr algn="ctr"/>
+            <a:endParaRPr lang="en-US"/>
+          </a:p>
+        </p:txBody>
+      </p:sp>
+      <p:sp>
+        <p:nvSpPr>
+          <p:cNvPr id="37" name="Left Arrow 36">
+            <a:extLst>
+              <a:ext uri="{FF2B5EF4-FFF2-40B4-BE49-F238E27FC236}">
+                <a16:creationId xmlns:a16="http://schemas.microsoft.com/office/drawing/2014/main" id="{D8F086CA-FE1A-C754-54BB-C864C148A2F2}"/>
+              </a:ext>
+            </a:extLst>
+          </p:cNvPr>
+          <p:cNvSpPr/>
+          <p:nvPr/>
+        </p:nvSpPr>
+        <p:spPr>
+          <a:xfrm rot="10800000">
+            <a:off x="7179173" y="1889226"/>
+            <a:ext cx="651300" cy="465374"/>
+          </a:xfrm>
+          <a:prstGeom prst="leftArrow">
+            <a:avLst/>
+          </a:prstGeom>
+          <a:solidFill>
+            <a:srgbClr val="00B050"/>
+          </a:solidFill>
+        </p:spPr>
+        <p:style>
+          <a:lnRef idx="2">
+            <a:schemeClr val="accent1">
+              <a:shade val="15000"/>
+            </a:schemeClr>
+          </a:lnRef>
+          <a:fillRef idx="1">
+            <a:schemeClr val="accent1"/>
+          </a:fillRef>
+          <a:effectRef idx="0">
+            <a:schemeClr val="accent1"/>
+          </a:effectRef>
+          <a:fontRef idx="minor">
+            <a:schemeClr val="lt1"/>
+          </a:fontRef>
+        </p:style>
+        <p:txBody>
+          <a:bodyPr rtlCol="0" anchor="ctr"/>
+          <a:lstStyle/>
+          <a:p>
+            <a:pPr algn="ctr"/>
+            <a:endParaRPr lang="en-US"/>
+          </a:p>
+        </p:txBody>
+      </p:sp>
+      <p:sp>
+        <p:nvSpPr>
+          <p:cNvPr id="42" name="Left Arrow 41">
+            <a:extLst>
+              <a:ext uri="{FF2B5EF4-FFF2-40B4-BE49-F238E27FC236}">
+                <a16:creationId xmlns:a16="http://schemas.microsoft.com/office/drawing/2014/main" id="{8B31A8E5-2C87-09CC-B904-DEEA0B996E70}"/>
+              </a:ext>
+            </a:extLst>
+          </p:cNvPr>
+          <p:cNvSpPr/>
+          <p:nvPr/>
+        </p:nvSpPr>
+        <p:spPr>
+          <a:xfrm rot="5400000">
+            <a:off x="1918822" y="4515297"/>
+            <a:ext cx="651300" cy="513909"/>
+          </a:xfrm>
+          <a:prstGeom prst="leftArrow">
+            <a:avLst/>
+          </a:prstGeom>
+          <a:solidFill>
+            <a:srgbClr val="00B050"/>
+          </a:solidFill>
+        </p:spPr>
+        <p:style>
+          <a:lnRef idx="2">
+            <a:schemeClr val="accent1">
+              <a:shade val="15000"/>
+            </a:schemeClr>
+          </a:lnRef>
+          <a:fillRef idx="1">
+            <a:schemeClr val="accent1"/>
+          </a:fillRef>
+          <a:effectRef idx="0">
+            <a:schemeClr val="accent1"/>
+          </a:effectRef>
+          <a:fontRef idx="minor">
+            <a:schemeClr val="lt1"/>
+          </a:fontRef>
+        </p:style>
+        <p:txBody>
+          <a:bodyPr rtlCol="0" anchor="ctr"/>
+          <a:lstStyle/>
+          <a:p>
+            <a:pPr algn="ctr"/>
+            <a:endParaRPr lang="en-US"/>
+          </a:p>
+        </p:txBody>
+      </p:sp>
+    </p:spTree>
+    <p:extLst>
+      <p:ext uri="{BB962C8B-B14F-4D97-AF65-F5344CB8AC3E}">
+        <p14:creationId xmlns:p14="http://schemas.microsoft.com/office/powerpoint/2010/main" val="2865119193"/>
+      </p:ext>
+    </p:extLst>
+  </p:cSld>
+  <p:clrMapOvr>
+    <a:masterClrMapping/>
+  </p:clrMapOvr>
+</p:sld>
+</file>
+
+<file path=ppt/slides/slide6.xml><?xml version="1.0" encoding="utf-8"?>
+<p:sld xmlns:a="http://schemas.openxmlformats.org/drawingml/2006/main" xmlns:r="http://schemas.openxmlformats.org/officeDocument/2006/relationships" xmlns:p="http://schemas.openxmlformats.org/presentationml/2006/main">
+  <p:cSld>
+    <p:spTree>
+      <p:nvGrpSpPr>
+        <p:cNvPr id="1" name=""/>
+        <p:cNvGrpSpPr/>
+        <p:nvPr/>
+      </p:nvGrpSpPr>
+      <p:grpSpPr>
+        <a:xfrm>
+          <a:off x="0" y="0"/>
+          <a:ext cx="0" cy="0"/>
+          <a:chOff x="0" y="0"/>
+          <a:chExt cx="0" cy="0"/>
+        </a:xfrm>
+      </p:grpSpPr>
+      <p:sp>
+        <p:nvSpPr>
+          <p:cNvPr id="2" name="Title 1">
+            <a:extLst>
+              <a:ext uri="{FF2B5EF4-FFF2-40B4-BE49-F238E27FC236}">
+                <a16:creationId xmlns:a16="http://schemas.microsoft.com/office/drawing/2014/main" id="{CBB9E679-A9BB-D53A-11F4-CB264C352028}"/>
+              </a:ext>
+            </a:extLst>
+          </p:cNvPr>
+          <p:cNvSpPr>
+            <a:spLocks noGrp="1"/>
+          </p:cNvSpPr>
+          <p:nvPr>
+            <p:ph type="title"/>
+          </p:nvPr>
+        </p:nvSpPr>
+        <p:spPr>
+          <a:xfrm>
+            <a:off x="2441902" y="90035"/>
+            <a:ext cx="7234238" cy="1325563"/>
+          </a:xfrm>
+        </p:spPr>
+        <p:txBody>
+          <a:bodyPr/>
+          <a:lstStyle/>
+          <a:p>
+            <a:pPr algn="ctr"/>
+            <a:r>
+              <a:rPr lang="en-US" b="1" dirty="0">
+                <a:solidFill>
+                  <a:srgbClr val="00B050"/>
+                </a:solidFill>
+              </a:rPr>
+              <a:t>replicate_chr </a:t>
+            </a:r>
+            <a:r>
+              <a:rPr lang="en-US" dirty="0"/>
+              <a:t>versus </a:t>
+            </a:r>
+            <a:r>
+              <a:rPr lang="en-US" b="1" dirty="0">
+                <a:solidFill>
+                  <a:srgbClr val="FF0000"/>
+                </a:solidFill>
+              </a:rPr>
+              <a:t>replicate</a:t>
+            </a:r>
+            <a:r>
+              <a:rPr lang="en-US" dirty="0"/>
+              <a:t> </a:t>
+            </a:r>
+            <a:br>
+              <a:rPr lang="en-US" dirty="0"/>
+            </a:br>
+            <a:r>
+              <a:rPr lang="en-US" dirty="0"/>
+              <a:t>for simple outcomes</a:t>
+            </a:r>
+          </a:p>
+        </p:txBody>
+      </p:sp>
+      <p:grpSp>
+        <p:nvGrpSpPr>
+          <p:cNvPr id="5" name="Group 4">
+            <a:extLst>
+              <a:ext uri="{FF2B5EF4-FFF2-40B4-BE49-F238E27FC236}">
+                <a16:creationId xmlns:a16="http://schemas.microsoft.com/office/drawing/2014/main" id="{2499977A-7BF2-AB5C-526A-0391FF84F44D}"/>
+              </a:ext>
+            </a:extLst>
+          </p:cNvPr>
+          <p:cNvGrpSpPr/>
+          <p:nvPr/>
+        </p:nvGrpSpPr>
+        <p:grpSpPr>
+          <a:xfrm>
+            <a:off x="9409410" y="1053960"/>
+            <a:ext cx="2235200" cy="5708357"/>
+            <a:chOff x="5302250" y="1007380"/>
+            <a:chExt cx="2235200" cy="5708357"/>
+          </a:xfrm>
+        </p:grpSpPr>
+        <p:pic>
+          <p:nvPicPr>
+            <p:cNvPr id="6" name="Picture 5">
+              <a:extLst>
+                <a:ext uri="{FF2B5EF4-FFF2-40B4-BE49-F238E27FC236}">
+                  <a16:creationId xmlns:a16="http://schemas.microsoft.com/office/drawing/2014/main" id="{E8CCF9C3-1AFD-F501-0A74-5A6F8B4AC4BE}"/>
+                </a:ext>
+              </a:extLst>
+            </p:cNvPr>
+            <p:cNvPicPr>
+              <a:picLocks noChangeAspect="1"/>
+            </p:cNvPicPr>
+            <p:nvPr/>
+          </p:nvPicPr>
+          <p:blipFill>
+            <a:blip r:embed="rId2"/>
+            <a:stretch>
+              <a:fillRect/>
+            </a:stretch>
+          </p:blipFill>
+          <p:spPr>
+            <a:xfrm>
+              <a:off x="5302250" y="1007380"/>
+              <a:ext cx="2235200" cy="5708357"/>
+            </a:xfrm>
+            <a:prstGeom prst="rect">
+              <a:avLst/>
+            </a:prstGeom>
+          </p:spPr>
+        </p:pic>
+        <p:grpSp>
+          <p:nvGrpSpPr>
+            <p:cNvPr id="7" name="Group 6">
+              <a:extLst>
+                <a:ext uri="{FF2B5EF4-FFF2-40B4-BE49-F238E27FC236}">
+                  <a16:creationId xmlns:a16="http://schemas.microsoft.com/office/drawing/2014/main" id="{187034A5-B161-8C64-2B34-8D955B8EB5D1}"/>
+                </a:ext>
+              </a:extLst>
+            </p:cNvPr>
+            <p:cNvGrpSpPr/>
+            <p:nvPr/>
+          </p:nvGrpSpPr>
+          <p:grpSpPr>
+            <a:xfrm>
+              <a:off x="6391274" y="2152469"/>
+              <a:ext cx="1062038" cy="4563268"/>
+              <a:chOff x="9325439" y="2136832"/>
+              <a:chExt cx="1062038" cy="4563268"/>
+            </a:xfrm>
+          </p:grpSpPr>
+          <p:sp>
+            <p:nvSpPr>
+              <p:cNvPr id="8" name="Rectangle 7">
+                <a:extLst>
+                  <a:ext uri="{FF2B5EF4-FFF2-40B4-BE49-F238E27FC236}">
+                    <a16:creationId xmlns:a16="http://schemas.microsoft.com/office/drawing/2014/main" id="{5B136FED-FDAC-81D4-BE25-8AB64A6E1AF5}"/>
+                  </a:ext>
+                </a:extLst>
+              </p:cNvPr>
+              <p:cNvSpPr/>
+              <p:nvPr/>
+            </p:nvSpPr>
+            <p:spPr>
+              <a:xfrm>
+                <a:off x="9325439" y="2136832"/>
+                <a:ext cx="1062038" cy="4563268"/>
+              </a:xfrm>
+              <a:prstGeom prst="rect">
+                <a:avLst/>
+              </a:prstGeom>
+              <a:solidFill>
+                <a:srgbClr val="ED7D31">
+                  <a:alpha val="13333"/>
+                </a:srgbClr>
+              </a:solidFill>
+              <a:ln w="38100">
+                <a:solidFill>
+                  <a:schemeClr val="accent2"/>
+                </a:solidFill>
+              </a:ln>
+            </p:spPr>
+            <p:style>
+              <a:lnRef idx="2">
+                <a:schemeClr val="accent1">
+                  <a:shade val="15000"/>
+                </a:schemeClr>
+              </a:lnRef>
+              <a:fillRef idx="1">
+                <a:schemeClr val="accent1"/>
+              </a:fillRef>
+              <a:effectRef idx="0">
+                <a:schemeClr val="accent1"/>
+              </a:effectRef>
+              <a:fontRef idx="minor">
+                <a:schemeClr val="lt1"/>
+              </a:fontRef>
+            </p:style>
+            <p:txBody>
+              <a:bodyPr rtlCol="0" anchor="ctr"/>
+              <a:lstStyle/>
+              <a:p>
+                <a:pPr algn="ctr"/>
+                <a:endParaRPr lang="en-US"/>
+              </a:p>
+            </p:txBody>
+          </p:sp>
+          <p:sp>
+            <p:nvSpPr>
+              <p:cNvPr id="9" name="Rectangle 8">
+                <a:extLst>
+                  <a:ext uri="{FF2B5EF4-FFF2-40B4-BE49-F238E27FC236}">
+                    <a16:creationId xmlns:a16="http://schemas.microsoft.com/office/drawing/2014/main" id="{907ED2D1-4921-3F05-ED00-00FE363E7D82}"/>
+                  </a:ext>
+                </a:extLst>
+              </p:cNvPr>
+              <p:cNvSpPr/>
+              <p:nvPr/>
+            </p:nvSpPr>
+            <p:spPr>
+              <a:xfrm>
+                <a:off x="9963615" y="2193984"/>
+                <a:ext cx="400712" cy="414227"/>
+              </a:xfrm>
+              <a:prstGeom prst="rect">
+                <a:avLst/>
+              </a:prstGeom>
+              <a:solidFill>
+                <a:srgbClr val="00B0F0">
+                  <a:alpha val="12157"/>
+                </a:srgbClr>
+              </a:solidFill>
+              <a:ln w="28575">
+                <a:solidFill>
+                  <a:srgbClr val="00B0F0"/>
+                </a:solidFill>
+              </a:ln>
+            </p:spPr>
+            <p:style>
+              <a:lnRef idx="2">
+                <a:schemeClr val="accent1">
+                  <a:shade val="15000"/>
+                </a:schemeClr>
+              </a:lnRef>
+              <a:fillRef idx="1">
+                <a:schemeClr val="accent1"/>
+              </a:fillRef>
+              <a:effectRef idx="0">
+                <a:schemeClr val="accent1"/>
+              </a:effectRef>
+              <a:fontRef idx="minor">
+                <a:schemeClr val="lt1"/>
+              </a:fontRef>
+            </p:style>
+            <p:txBody>
+              <a:bodyPr rtlCol="0" anchor="ctr"/>
+              <a:lstStyle/>
+              <a:p>
+                <a:pPr algn="ctr"/>
+                <a:endParaRPr lang="en-US" dirty="0"/>
+              </a:p>
+            </p:txBody>
+          </p:sp>
+          <p:sp>
+            <p:nvSpPr>
+              <p:cNvPr id="10" name="Rectangle 9">
+                <a:extLst>
+                  <a:ext uri="{FF2B5EF4-FFF2-40B4-BE49-F238E27FC236}">
+                    <a16:creationId xmlns:a16="http://schemas.microsoft.com/office/drawing/2014/main" id="{B2FAF5FF-EC6E-E489-DB88-B98FC3B6F259}"/>
+                  </a:ext>
+                </a:extLst>
+              </p:cNvPr>
+              <p:cNvSpPr/>
+              <p:nvPr/>
+            </p:nvSpPr>
+            <p:spPr>
+              <a:xfrm>
+                <a:off x="9963615" y="2631361"/>
+                <a:ext cx="400712" cy="414227"/>
+              </a:xfrm>
+              <a:prstGeom prst="rect">
+                <a:avLst/>
+              </a:prstGeom>
+              <a:solidFill>
+                <a:srgbClr val="00B0F0">
+                  <a:alpha val="12157"/>
+                </a:srgbClr>
+              </a:solidFill>
+              <a:ln w="28575">
+                <a:solidFill>
+                  <a:srgbClr val="00B0F0"/>
+                </a:solidFill>
+              </a:ln>
+            </p:spPr>
+            <p:style>
+              <a:lnRef idx="2">
+                <a:schemeClr val="accent1">
+                  <a:shade val="15000"/>
+                </a:schemeClr>
+              </a:lnRef>
+              <a:fillRef idx="1">
+                <a:schemeClr val="accent1"/>
+              </a:fillRef>
+              <a:effectRef idx="0">
+                <a:schemeClr val="accent1"/>
+              </a:effectRef>
+              <a:fontRef idx="minor">
+                <a:schemeClr val="lt1"/>
+              </a:fontRef>
+            </p:style>
+            <p:txBody>
+              <a:bodyPr rtlCol="0" anchor="ctr"/>
+              <a:lstStyle/>
+              <a:p>
+                <a:pPr algn="ctr"/>
+                <a:endParaRPr lang="en-US" dirty="0"/>
+              </a:p>
+            </p:txBody>
+          </p:sp>
+          <p:sp>
+            <p:nvSpPr>
+              <p:cNvPr id="11" name="Rectangle 10">
+                <a:extLst>
+                  <a:ext uri="{FF2B5EF4-FFF2-40B4-BE49-F238E27FC236}">
+                    <a16:creationId xmlns:a16="http://schemas.microsoft.com/office/drawing/2014/main" id="{1F3453D1-2BA8-DC3F-3868-12E7BF460A7B}"/>
+                  </a:ext>
+                </a:extLst>
+              </p:cNvPr>
+              <p:cNvSpPr/>
+              <p:nvPr/>
+            </p:nvSpPr>
+            <p:spPr>
+              <a:xfrm>
+                <a:off x="9963615" y="3085335"/>
+                <a:ext cx="400712" cy="414227"/>
+              </a:xfrm>
+              <a:prstGeom prst="rect">
+                <a:avLst/>
+              </a:prstGeom>
+              <a:solidFill>
+                <a:srgbClr val="00B0F0">
+                  <a:alpha val="12157"/>
+                </a:srgbClr>
+              </a:solidFill>
+              <a:ln w="28575">
+                <a:solidFill>
+                  <a:srgbClr val="00B0F0"/>
+                </a:solidFill>
+              </a:ln>
+            </p:spPr>
+            <p:style>
+              <a:lnRef idx="2">
+                <a:schemeClr val="accent1">
+                  <a:shade val="15000"/>
+                </a:schemeClr>
+              </a:lnRef>
+              <a:fillRef idx="1">
+                <a:schemeClr val="accent1"/>
+              </a:fillRef>
+              <a:effectRef idx="0">
+                <a:schemeClr val="accent1"/>
+              </a:effectRef>
+              <a:fontRef idx="minor">
+                <a:schemeClr val="lt1"/>
+              </a:fontRef>
+            </p:style>
+            <p:txBody>
+              <a:bodyPr rtlCol="0" anchor="ctr"/>
+              <a:lstStyle/>
+              <a:p>
+                <a:pPr algn="ctr"/>
+                <a:endParaRPr lang="en-US" dirty="0"/>
+              </a:p>
+            </p:txBody>
+          </p:sp>
+          <p:sp>
+            <p:nvSpPr>
+              <p:cNvPr id="12" name="Rectangle 11">
+                <a:extLst>
+                  <a:ext uri="{FF2B5EF4-FFF2-40B4-BE49-F238E27FC236}">
+                    <a16:creationId xmlns:a16="http://schemas.microsoft.com/office/drawing/2014/main" id="{2254BC84-6D6E-FC83-6B57-3DD377DB785E}"/>
+                  </a:ext>
+                </a:extLst>
+              </p:cNvPr>
+              <p:cNvSpPr/>
+              <p:nvPr/>
+            </p:nvSpPr>
+            <p:spPr>
+              <a:xfrm>
+                <a:off x="9963615" y="3522712"/>
+                <a:ext cx="400712" cy="414227"/>
+              </a:xfrm>
+              <a:prstGeom prst="rect">
+                <a:avLst/>
+              </a:prstGeom>
+              <a:solidFill>
+                <a:srgbClr val="00B0F0">
+                  <a:alpha val="12157"/>
+                </a:srgbClr>
+              </a:solidFill>
+              <a:ln w="28575">
+                <a:solidFill>
+                  <a:srgbClr val="00B0F0"/>
+                </a:solidFill>
+              </a:ln>
+            </p:spPr>
+            <p:style>
+              <a:lnRef idx="2">
+                <a:schemeClr val="accent1">
+                  <a:shade val="15000"/>
+                </a:schemeClr>
+              </a:lnRef>
+              <a:fillRef idx="1">
+                <a:schemeClr val="accent1"/>
+              </a:fillRef>
+              <a:effectRef idx="0">
+                <a:schemeClr val="accent1"/>
+              </a:effectRef>
+              <a:fontRef idx="minor">
+                <a:schemeClr val="lt1"/>
+              </a:fontRef>
+            </p:style>
+            <p:txBody>
+              <a:bodyPr rtlCol="0" anchor="ctr"/>
+              <a:lstStyle/>
+              <a:p>
+                <a:pPr algn="ctr"/>
+                <a:endParaRPr lang="en-US" dirty="0"/>
+              </a:p>
+            </p:txBody>
+          </p:sp>
+          <p:sp>
+            <p:nvSpPr>
+              <p:cNvPr id="13" name="Rectangle 12">
+                <a:extLst>
+                  <a:ext uri="{FF2B5EF4-FFF2-40B4-BE49-F238E27FC236}">
+                    <a16:creationId xmlns:a16="http://schemas.microsoft.com/office/drawing/2014/main" id="{B78FFCA3-5B23-59FC-0FAA-4456AE381B66}"/>
+                  </a:ext>
+                </a:extLst>
+              </p:cNvPr>
+              <p:cNvSpPr/>
+              <p:nvPr/>
+            </p:nvSpPr>
+            <p:spPr>
+              <a:xfrm>
+                <a:off x="9963615" y="3980878"/>
+                <a:ext cx="400712" cy="414227"/>
+              </a:xfrm>
+              <a:prstGeom prst="rect">
+                <a:avLst/>
+              </a:prstGeom>
+              <a:solidFill>
+                <a:srgbClr val="00B0F0">
+                  <a:alpha val="12157"/>
+                </a:srgbClr>
+              </a:solidFill>
+              <a:ln w="28575">
+                <a:solidFill>
+                  <a:srgbClr val="00B0F0"/>
+                </a:solidFill>
+              </a:ln>
+            </p:spPr>
+            <p:style>
+              <a:lnRef idx="2">
+                <a:schemeClr val="accent1">
+                  <a:shade val="15000"/>
+                </a:schemeClr>
+              </a:lnRef>
+              <a:fillRef idx="1">
+                <a:schemeClr val="accent1"/>
+              </a:fillRef>
+              <a:effectRef idx="0">
+                <a:schemeClr val="accent1"/>
+              </a:effectRef>
+              <a:fontRef idx="minor">
+                <a:schemeClr val="lt1"/>
+              </a:fontRef>
+            </p:style>
+            <p:txBody>
+              <a:bodyPr rtlCol="0" anchor="ctr"/>
+              <a:lstStyle/>
+              <a:p>
+                <a:pPr algn="ctr"/>
+                <a:endParaRPr lang="en-US" dirty="0"/>
+              </a:p>
+            </p:txBody>
+          </p:sp>
+          <p:sp>
+            <p:nvSpPr>
+              <p:cNvPr id="14" name="Rectangle 13">
+                <a:extLst>
+                  <a:ext uri="{FF2B5EF4-FFF2-40B4-BE49-F238E27FC236}">
+                    <a16:creationId xmlns:a16="http://schemas.microsoft.com/office/drawing/2014/main" id="{F116C47C-1386-C73C-9F6C-86F4363C1ACF}"/>
+                  </a:ext>
+                </a:extLst>
+              </p:cNvPr>
+              <p:cNvSpPr/>
+              <p:nvPr/>
+            </p:nvSpPr>
+            <p:spPr>
+              <a:xfrm>
+                <a:off x="9963615" y="4418255"/>
+                <a:ext cx="400712" cy="414227"/>
+              </a:xfrm>
+              <a:prstGeom prst="rect">
+                <a:avLst/>
+              </a:prstGeom>
+              <a:solidFill>
+                <a:srgbClr val="00B0F0">
+                  <a:alpha val="12157"/>
+                </a:srgbClr>
+              </a:solidFill>
+              <a:ln w="28575">
+                <a:solidFill>
+                  <a:srgbClr val="00B0F0"/>
+                </a:solidFill>
+              </a:ln>
+            </p:spPr>
+            <p:style>
+              <a:lnRef idx="2">
+                <a:schemeClr val="accent1">
+                  <a:shade val="15000"/>
+                </a:schemeClr>
+              </a:lnRef>
+              <a:fillRef idx="1">
+                <a:schemeClr val="accent1"/>
+              </a:fillRef>
+              <a:effectRef idx="0">
+                <a:schemeClr val="accent1"/>
+              </a:effectRef>
+              <a:fontRef idx="minor">
+                <a:schemeClr val="lt1"/>
+              </a:fontRef>
+            </p:style>
+            <p:txBody>
+              <a:bodyPr rtlCol="0" anchor="ctr"/>
+              <a:lstStyle/>
+              <a:p>
+                <a:pPr algn="ctr"/>
+                <a:endParaRPr lang="en-US" dirty="0"/>
+              </a:p>
+            </p:txBody>
+          </p:sp>
+          <p:sp>
+            <p:nvSpPr>
+              <p:cNvPr id="15" name="Rectangle 14">
+                <a:extLst>
+                  <a:ext uri="{FF2B5EF4-FFF2-40B4-BE49-F238E27FC236}">
+                    <a16:creationId xmlns:a16="http://schemas.microsoft.com/office/drawing/2014/main" id="{5ABCAC52-C7CC-28A0-F7A8-D854DF08D293}"/>
+                  </a:ext>
+                </a:extLst>
+              </p:cNvPr>
+              <p:cNvSpPr/>
+              <p:nvPr/>
+            </p:nvSpPr>
+            <p:spPr>
+              <a:xfrm>
+                <a:off x="9963615" y="4872229"/>
+                <a:ext cx="400712" cy="414227"/>
+              </a:xfrm>
+              <a:prstGeom prst="rect">
+                <a:avLst/>
+              </a:prstGeom>
+              <a:solidFill>
+                <a:srgbClr val="00B0F0">
+                  <a:alpha val="12157"/>
+                </a:srgbClr>
+              </a:solidFill>
+              <a:ln w="28575">
+                <a:solidFill>
+                  <a:srgbClr val="00B0F0"/>
+                </a:solidFill>
+              </a:ln>
+            </p:spPr>
+            <p:style>
+              <a:lnRef idx="2">
+                <a:schemeClr val="accent1">
+                  <a:shade val="15000"/>
+                </a:schemeClr>
+              </a:lnRef>
+              <a:fillRef idx="1">
+                <a:schemeClr val="accent1"/>
+              </a:fillRef>
+              <a:effectRef idx="0">
+                <a:schemeClr val="accent1"/>
+              </a:effectRef>
+              <a:fontRef idx="minor">
+                <a:schemeClr val="lt1"/>
+              </a:fontRef>
+            </p:style>
+            <p:txBody>
+              <a:bodyPr rtlCol="0" anchor="ctr"/>
+              <a:lstStyle/>
+              <a:p>
+                <a:pPr algn="ctr"/>
+                <a:endParaRPr lang="en-US" dirty="0"/>
+              </a:p>
+            </p:txBody>
+          </p:sp>
+          <p:sp>
+            <p:nvSpPr>
+              <p:cNvPr id="16" name="Rectangle 15">
+                <a:extLst>
+                  <a:ext uri="{FF2B5EF4-FFF2-40B4-BE49-F238E27FC236}">
+                    <a16:creationId xmlns:a16="http://schemas.microsoft.com/office/drawing/2014/main" id="{E74C2212-DE92-7B17-F9AC-AEFCFB4C81D2}"/>
+                  </a:ext>
+                </a:extLst>
+              </p:cNvPr>
+              <p:cNvSpPr/>
+              <p:nvPr/>
+            </p:nvSpPr>
+            <p:spPr>
+              <a:xfrm>
+                <a:off x="9963615" y="5309606"/>
+                <a:ext cx="400712" cy="414227"/>
+              </a:xfrm>
+              <a:prstGeom prst="rect">
+                <a:avLst/>
+              </a:prstGeom>
+              <a:solidFill>
+                <a:srgbClr val="00B0F0">
+                  <a:alpha val="12157"/>
+                </a:srgbClr>
+              </a:solidFill>
+              <a:ln w="28575">
+                <a:solidFill>
+                  <a:srgbClr val="00B0F0"/>
+                </a:solidFill>
+              </a:ln>
+            </p:spPr>
+            <p:style>
+              <a:lnRef idx="2">
+                <a:schemeClr val="accent1">
+                  <a:shade val="15000"/>
+                </a:schemeClr>
+              </a:lnRef>
+              <a:fillRef idx="1">
+                <a:schemeClr val="accent1"/>
+              </a:fillRef>
+              <a:effectRef idx="0">
+                <a:schemeClr val="accent1"/>
+              </a:effectRef>
+              <a:fontRef idx="minor">
+                <a:schemeClr val="lt1"/>
+              </a:fontRef>
+            </p:style>
+            <p:txBody>
+              <a:bodyPr rtlCol="0" anchor="ctr"/>
+              <a:lstStyle/>
+              <a:p>
+                <a:pPr algn="ctr"/>
+                <a:endParaRPr lang="en-US" dirty="0"/>
+              </a:p>
+            </p:txBody>
+          </p:sp>
+          <p:sp>
+            <p:nvSpPr>
+              <p:cNvPr id="17" name="Rectangle 16">
+                <a:extLst>
+                  <a:ext uri="{FF2B5EF4-FFF2-40B4-BE49-F238E27FC236}">
+                    <a16:creationId xmlns:a16="http://schemas.microsoft.com/office/drawing/2014/main" id="{8F682D92-0832-0BE6-5BE7-58E1D2824C33}"/>
+                  </a:ext>
+                </a:extLst>
+              </p:cNvPr>
+              <p:cNvSpPr/>
+              <p:nvPr/>
+            </p:nvSpPr>
+            <p:spPr>
+              <a:xfrm>
+                <a:off x="9963615" y="5763580"/>
+                <a:ext cx="400712" cy="414227"/>
+              </a:xfrm>
+              <a:prstGeom prst="rect">
+                <a:avLst/>
+              </a:prstGeom>
+              <a:solidFill>
+                <a:srgbClr val="00B0F0">
+                  <a:alpha val="12157"/>
+                </a:srgbClr>
+              </a:solidFill>
+              <a:ln w="28575">
+                <a:solidFill>
+                  <a:srgbClr val="00B0F0"/>
+                </a:solidFill>
+              </a:ln>
+            </p:spPr>
+            <p:style>
+              <a:lnRef idx="2">
+                <a:schemeClr val="accent1">
+                  <a:shade val="15000"/>
+                </a:schemeClr>
+              </a:lnRef>
+              <a:fillRef idx="1">
+                <a:schemeClr val="accent1"/>
+              </a:fillRef>
+              <a:effectRef idx="0">
+                <a:schemeClr val="accent1"/>
+              </a:effectRef>
+              <a:fontRef idx="minor">
+                <a:schemeClr val="lt1"/>
+              </a:fontRef>
+            </p:style>
+            <p:txBody>
+              <a:bodyPr rtlCol="0" anchor="ctr"/>
+              <a:lstStyle/>
+              <a:p>
+                <a:pPr algn="ctr"/>
+                <a:endParaRPr lang="en-US" dirty="0"/>
+              </a:p>
+            </p:txBody>
+          </p:sp>
+          <p:sp>
+            <p:nvSpPr>
+              <p:cNvPr id="18" name="Rectangle 17">
+                <a:extLst>
+                  <a:ext uri="{FF2B5EF4-FFF2-40B4-BE49-F238E27FC236}">
+                    <a16:creationId xmlns:a16="http://schemas.microsoft.com/office/drawing/2014/main" id="{1AAA8C0F-164B-F24B-0DE0-C3949D187D7C}"/>
+                  </a:ext>
+                </a:extLst>
+              </p:cNvPr>
+              <p:cNvSpPr/>
+              <p:nvPr/>
+            </p:nvSpPr>
+            <p:spPr>
+              <a:xfrm>
+                <a:off x="9963615" y="6200957"/>
+                <a:ext cx="400712" cy="414227"/>
+              </a:xfrm>
+              <a:prstGeom prst="rect">
+                <a:avLst/>
+              </a:prstGeom>
+              <a:solidFill>
+                <a:srgbClr val="00B0F0">
+                  <a:alpha val="12157"/>
+                </a:srgbClr>
+              </a:solidFill>
+              <a:ln w="28575">
+                <a:solidFill>
+                  <a:srgbClr val="00B0F0"/>
+                </a:solidFill>
+              </a:ln>
+            </p:spPr>
+            <p:style>
+              <a:lnRef idx="2">
+                <a:schemeClr val="accent1">
+                  <a:shade val="15000"/>
+                </a:schemeClr>
+              </a:lnRef>
+              <a:fillRef idx="1">
+                <a:schemeClr val="accent1"/>
+              </a:fillRef>
+              <a:effectRef idx="0">
+                <a:schemeClr val="accent1"/>
+              </a:effectRef>
+              <a:fontRef idx="minor">
+                <a:schemeClr val="lt1"/>
+              </a:fontRef>
+            </p:style>
+            <p:txBody>
+              <a:bodyPr rtlCol="0" anchor="ctr"/>
+              <a:lstStyle/>
+              <a:p>
+                <a:pPr algn="ctr"/>
+                <a:endParaRPr lang="en-US" dirty="0"/>
+              </a:p>
+            </p:txBody>
+          </p:sp>
+          <p:sp>
+            <p:nvSpPr>
+              <p:cNvPr id="19" name="Rectangle 18">
+                <a:extLst>
+                  <a:ext uri="{FF2B5EF4-FFF2-40B4-BE49-F238E27FC236}">
+                    <a16:creationId xmlns:a16="http://schemas.microsoft.com/office/drawing/2014/main" id="{12780DEB-F894-D3BE-F13F-5176C9486D16}"/>
+                  </a:ext>
+                </a:extLst>
+              </p:cNvPr>
+              <p:cNvSpPr/>
+              <p:nvPr/>
+            </p:nvSpPr>
+            <p:spPr>
+              <a:xfrm>
+                <a:off x="10090276" y="2285715"/>
+                <a:ext cx="216130" cy="259499"/>
+              </a:xfrm>
+              <a:prstGeom prst="rect">
+                <a:avLst/>
+              </a:prstGeom>
+              <a:solidFill>
+                <a:schemeClr val="bg1">
+                  <a:lumMod val="50000"/>
+                  <a:alpha val="12157"/>
+                </a:schemeClr>
+              </a:solidFill>
+              <a:ln w="28575">
+                <a:solidFill>
+                  <a:schemeClr val="bg1"/>
+                </a:solidFill>
+              </a:ln>
+            </p:spPr>
+            <p:style>
+              <a:lnRef idx="2">
+                <a:schemeClr val="accent1">
+                  <a:shade val="15000"/>
+                </a:schemeClr>
+              </a:lnRef>
+              <a:fillRef idx="1">
+                <a:schemeClr val="accent1"/>
+              </a:fillRef>
+              <a:effectRef idx="0">
+                <a:schemeClr val="accent1"/>
+              </a:effectRef>
+              <a:fontRef idx="minor">
+                <a:schemeClr val="lt1"/>
+              </a:fontRef>
+            </p:style>
+            <p:txBody>
+              <a:bodyPr rtlCol="0" anchor="ctr"/>
+              <a:lstStyle/>
+              <a:p>
+                <a:pPr algn="ctr"/>
+                <a:endParaRPr lang="en-US" dirty="0"/>
+              </a:p>
+            </p:txBody>
+          </p:sp>
+          <p:sp>
+            <p:nvSpPr>
+              <p:cNvPr id="20" name="Rectangle 19">
+                <a:extLst>
+                  <a:ext uri="{FF2B5EF4-FFF2-40B4-BE49-F238E27FC236}">
+                    <a16:creationId xmlns:a16="http://schemas.microsoft.com/office/drawing/2014/main" id="{B45202AF-D521-2AD4-CF32-8AF5500355C8}"/>
+                  </a:ext>
+                </a:extLst>
+              </p:cNvPr>
+              <p:cNvSpPr/>
+              <p:nvPr/>
+            </p:nvSpPr>
+            <p:spPr>
+              <a:xfrm>
+                <a:off x="10086416" y="2732006"/>
+                <a:ext cx="216130" cy="259499"/>
+              </a:xfrm>
+              <a:prstGeom prst="rect">
+                <a:avLst/>
+              </a:prstGeom>
+              <a:solidFill>
+                <a:schemeClr val="bg1">
+                  <a:lumMod val="50000"/>
+                  <a:alpha val="12157"/>
+                </a:schemeClr>
+              </a:solidFill>
+              <a:ln w="28575">
+                <a:solidFill>
+                  <a:schemeClr val="bg1"/>
+                </a:solidFill>
+              </a:ln>
+            </p:spPr>
+            <p:style>
+              <a:lnRef idx="2">
+                <a:schemeClr val="accent1">
+                  <a:shade val="15000"/>
+                </a:schemeClr>
+              </a:lnRef>
+              <a:fillRef idx="1">
+                <a:schemeClr val="accent1"/>
+              </a:fillRef>
+              <a:effectRef idx="0">
+                <a:schemeClr val="accent1"/>
+              </a:effectRef>
+              <a:fontRef idx="minor">
+                <a:schemeClr val="lt1"/>
+              </a:fontRef>
+            </p:style>
+            <p:txBody>
+              <a:bodyPr rtlCol="0" anchor="ctr"/>
+              <a:lstStyle/>
+              <a:p>
+                <a:pPr algn="ctr"/>
+                <a:endParaRPr lang="en-US" dirty="0"/>
+              </a:p>
+            </p:txBody>
+          </p:sp>
+          <p:sp>
+            <p:nvSpPr>
+              <p:cNvPr id="21" name="Rectangle 20">
+                <a:extLst>
+                  <a:ext uri="{FF2B5EF4-FFF2-40B4-BE49-F238E27FC236}">
+                    <a16:creationId xmlns:a16="http://schemas.microsoft.com/office/drawing/2014/main" id="{831328D6-1D29-FE73-F614-0BA038E4C283}"/>
+                  </a:ext>
+                </a:extLst>
+              </p:cNvPr>
+              <p:cNvSpPr/>
+              <p:nvPr/>
+            </p:nvSpPr>
+            <p:spPr>
+              <a:xfrm>
+                <a:off x="10079724" y="3166205"/>
+                <a:ext cx="216130" cy="259499"/>
+              </a:xfrm>
+              <a:prstGeom prst="rect">
+                <a:avLst/>
+              </a:prstGeom>
+              <a:solidFill>
+                <a:schemeClr val="bg1">
+                  <a:lumMod val="50000"/>
+                  <a:alpha val="12157"/>
+                </a:schemeClr>
+              </a:solidFill>
+              <a:ln w="28575">
+                <a:solidFill>
+                  <a:schemeClr val="bg1"/>
+                </a:solidFill>
+              </a:ln>
+            </p:spPr>
+            <p:style>
+              <a:lnRef idx="2">
+                <a:schemeClr val="accent1">
+                  <a:shade val="15000"/>
+                </a:schemeClr>
+              </a:lnRef>
+              <a:fillRef idx="1">
+                <a:schemeClr val="accent1"/>
+              </a:fillRef>
+              <a:effectRef idx="0">
+                <a:schemeClr val="accent1"/>
+              </a:effectRef>
+              <a:fontRef idx="minor">
+                <a:schemeClr val="lt1"/>
+              </a:fontRef>
+            </p:style>
+            <p:txBody>
+              <a:bodyPr rtlCol="0" anchor="ctr"/>
+              <a:lstStyle/>
+              <a:p>
+                <a:pPr algn="ctr"/>
+                <a:endParaRPr lang="en-US" dirty="0"/>
+              </a:p>
+            </p:txBody>
+          </p:sp>
+          <p:sp>
+            <p:nvSpPr>
+              <p:cNvPr id="22" name="Rectangle 21">
+                <a:extLst>
+                  <a:ext uri="{FF2B5EF4-FFF2-40B4-BE49-F238E27FC236}">
+                    <a16:creationId xmlns:a16="http://schemas.microsoft.com/office/drawing/2014/main" id="{627AE6AA-3F9D-B14B-DC5F-2B3CE78AA2D5}"/>
+                  </a:ext>
+                </a:extLst>
+              </p:cNvPr>
+              <p:cNvSpPr/>
+              <p:nvPr/>
+            </p:nvSpPr>
+            <p:spPr>
+              <a:xfrm>
+                <a:off x="10084608" y="3616850"/>
+                <a:ext cx="216130" cy="259499"/>
+              </a:xfrm>
+              <a:prstGeom prst="rect">
+                <a:avLst/>
+              </a:prstGeom>
+              <a:solidFill>
+                <a:schemeClr val="bg1">
+                  <a:lumMod val="50000"/>
+                  <a:alpha val="12157"/>
+                </a:schemeClr>
+              </a:solidFill>
+              <a:ln w="28575">
+                <a:solidFill>
+                  <a:schemeClr val="bg1"/>
+                </a:solidFill>
+              </a:ln>
+            </p:spPr>
+            <p:style>
+              <a:lnRef idx="2">
+                <a:schemeClr val="accent1">
+                  <a:shade val="15000"/>
+                </a:schemeClr>
+              </a:lnRef>
+              <a:fillRef idx="1">
+                <a:schemeClr val="accent1"/>
+              </a:fillRef>
+              <a:effectRef idx="0">
+                <a:schemeClr val="accent1"/>
+              </a:effectRef>
+              <a:fontRef idx="minor">
+                <a:schemeClr val="lt1"/>
+              </a:fontRef>
+            </p:style>
+            <p:txBody>
+              <a:bodyPr rtlCol="0" anchor="ctr"/>
+              <a:lstStyle/>
+              <a:p>
+                <a:pPr algn="ctr"/>
+                <a:endParaRPr lang="en-US" dirty="0"/>
+              </a:p>
+            </p:txBody>
+          </p:sp>
+          <p:sp>
+            <p:nvSpPr>
+              <p:cNvPr id="23" name="Rectangle 22">
+                <a:extLst>
+                  <a:ext uri="{FF2B5EF4-FFF2-40B4-BE49-F238E27FC236}">
+                    <a16:creationId xmlns:a16="http://schemas.microsoft.com/office/drawing/2014/main" id="{05D4B4BD-BDDF-4EA2-41D1-51C419D05360}"/>
+                  </a:ext>
+                </a:extLst>
+              </p:cNvPr>
+              <p:cNvSpPr/>
+              <p:nvPr/>
+            </p:nvSpPr>
+            <p:spPr>
+              <a:xfrm>
+                <a:off x="10077916" y="4051049"/>
+                <a:ext cx="216130" cy="259499"/>
+              </a:xfrm>
+              <a:prstGeom prst="rect">
+                <a:avLst/>
+              </a:prstGeom>
+              <a:solidFill>
+                <a:schemeClr val="bg1">
+                  <a:lumMod val="50000"/>
+                  <a:alpha val="12157"/>
+                </a:schemeClr>
+              </a:solidFill>
+              <a:ln w="28575">
+                <a:solidFill>
+                  <a:schemeClr val="bg1"/>
+                </a:solidFill>
+              </a:ln>
+            </p:spPr>
+            <p:style>
+              <a:lnRef idx="2">
+                <a:schemeClr val="accent1">
+                  <a:shade val="15000"/>
+                </a:schemeClr>
+              </a:lnRef>
+              <a:fillRef idx="1">
+                <a:schemeClr val="accent1"/>
+              </a:fillRef>
+              <a:effectRef idx="0">
+                <a:schemeClr val="accent1"/>
+              </a:effectRef>
+              <a:fontRef idx="minor">
+                <a:schemeClr val="lt1"/>
+              </a:fontRef>
+            </p:style>
+            <p:txBody>
+              <a:bodyPr rtlCol="0" anchor="ctr"/>
+              <a:lstStyle/>
+              <a:p>
+                <a:pPr algn="ctr"/>
+                <a:endParaRPr lang="en-US" dirty="0"/>
+              </a:p>
+            </p:txBody>
+          </p:sp>
+          <p:sp>
+            <p:nvSpPr>
+              <p:cNvPr id="24" name="Rectangle 23">
+                <a:extLst>
+                  <a:ext uri="{FF2B5EF4-FFF2-40B4-BE49-F238E27FC236}">
+                    <a16:creationId xmlns:a16="http://schemas.microsoft.com/office/drawing/2014/main" id="{EC018AC3-89B3-0E5E-DD8B-00DF69EC7446}"/>
+                  </a:ext>
+                </a:extLst>
+              </p:cNvPr>
+              <p:cNvSpPr/>
+              <p:nvPr/>
+            </p:nvSpPr>
+            <p:spPr>
+              <a:xfrm>
+                <a:off x="10090276" y="4504623"/>
+                <a:ext cx="216130" cy="259499"/>
+              </a:xfrm>
+              <a:prstGeom prst="rect">
+                <a:avLst/>
+              </a:prstGeom>
+              <a:solidFill>
+                <a:schemeClr val="bg1">
+                  <a:lumMod val="50000"/>
+                  <a:alpha val="12157"/>
+                </a:schemeClr>
+              </a:solidFill>
+              <a:ln w="28575">
+                <a:solidFill>
+                  <a:schemeClr val="bg1"/>
+                </a:solidFill>
+              </a:ln>
+            </p:spPr>
+            <p:style>
+              <a:lnRef idx="2">
+                <a:schemeClr val="accent1">
+                  <a:shade val="15000"/>
+                </a:schemeClr>
+              </a:lnRef>
+              <a:fillRef idx="1">
+                <a:schemeClr val="accent1"/>
+              </a:fillRef>
+              <a:effectRef idx="0">
+                <a:schemeClr val="accent1"/>
+              </a:effectRef>
+              <a:fontRef idx="minor">
+                <a:schemeClr val="lt1"/>
+              </a:fontRef>
+            </p:style>
+            <p:txBody>
+              <a:bodyPr rtlCol="0" anchor="ctr"/>
+              <a:lstStyle/>
+              <a:p>
+                <a:pPr algn="ctr"/>
+                <a:endParaRPr lang="en-US" dirty="0"/>
+              </a:p>
+            </p:txBody>
+          </p:sp>
+          <p:sp>
+            <p:nvSpPr>
+              <p:cNvPr id="25" name="Rectangle 24">
+                <a:extLst>
+                  <a:ext uri="{FF2B5EF4-FFF2-40B4-BE49-F238E27FC236}">
+                    <a16:creationId xmlns:a16="http://schemas.microsoft.com/office/drawing/2014/main" id="{C51BE91F-ED3A-C4A9-B076-C0DC8BE56522}"/>
+                  </a:ext>
+                </a:extLst>
+              </p:cNvPr>
+              <p:cNvSpPr/>
+              <p:nvPr/>
+            </p:nvSpPr>
+            <p:spPr>
+              <a:xfrm>
+                <a:off x="10086416" y="4950914"/>
+                <a:ext cx="216130" cy="259499"/>
+              </a:xfrm>
+              <a:prstGeom prst="rect">
+                <a:avLst/>
+              </a:prstGeom>
+              <a:solidFill>
+                <a:schemeClr val="bg1">
+                  <a:lumMod val="50000"/>
+                  <a:alpha val="12157"/>
+                </a:schemeClr>
+              </a:solidFill>
+              <a:ln w="28575">
+                <a:solidFill>
+                  <a:schemeClr val="bg1"/>
+                </a:solidFill>
+              </a:ln>
+            </p:spPr>
+            <p:style>
+              <a:lnRef idx="2">
+                <a:schemeClr val="accent1">
+                  <a:shade val="15000"/>
+                </a:schemeClr>
+              </a:lnRef>
+              <a:fillRef idx="1">
+                <a:schemeClr val="accent1"/>
+              </a:fillRef>
+              <a:effectRef idx="0">
+                <a:schemeClr val="accent1"/>
+              </a:effectRef>
+              <a:fontRef idx="minor">
+                <a:schemeClr val="lt1"/>
+              </a:fontRef>
+            </p:style>
+            <p:txBody>
+              <a:bodyPr rtlCol="0" anchor="ctr"/>
+              <a:lstStyle/>
+              <a:p>
+                <a:pPr algn="ctr"/>
+                <a:endParaRPr lang="en-US" dirty="0"/>
+              </a:p>
+            </p:txBody>
+          </p:sp>
+          <p:sp>
+            <p:nvSpPr>
+              <p:cNvPr id="26" name="Rectangle 25">
+                <a:extLst>
+                  <a:ext uri="{FF2B5EF4-FFF2-40B4-BE49-F238E27FC236}">
+                    <a16:creationId xmlns:a16="http://schemas.microsoft.com/office/drawing/2014/main" id="{0E2D5BA8-F66B-3D84-4FA8-7DC75F354465}"/>
+                  </a:ext>
+                </a:extLst>
+              </p:cNvPr>
+              <p:cNvSpPr/>
+              <p:nvPr/>
+            </p:nvSpPr>
+            <p:spPr>
+              <a:xfrm>
+                <a:off x="10079724" y="5385113"/>
+                <a:ext cx="216130" cy="259499"/>
+              </a:xfrm>
+              <a:prstGeom prst="rect">
+                <a:avLst/>
+              </a:prstGeom>
+              <a:solidFill>
+                <a:schemeClr val="bg1">
+                  <a:lumMod val="50000"/>
+                  <a:alpha val="12157"/>
+                </a:schemeClr>
+              </a:solidFill>
+              <a:ln w="28575">
+                <a:solidFill>
+                  <a:schemeClr val="bg1"/>
+                </a:solidFill>
+              </a:ln>
+            </p:spPr>
+            <p:style>
+              <a:lnRef idx="2">
+                <a:schemeClr val="accent1">
+                  <a:shade val="15000"/>
+                </a:schemeClr>
+              </a:lnRef>
+              <a:fillRef idx="1">
+                <a:schemeClr val="accent1"/>
+              </a:fillRef>
+              <a:effectRef idx="0">
+                <a:schemeClr val="accent1"/>
+              </a:effectRef>
+              <a:fontRef idx="minor">
+                <a:schemeClr val="lt1"/>
+              </a:fontRef>
+            </p:style>
+            <p:txBody>
+              <a:bodyPr rtlCol="0" anchor="ctr"/>
+              <a:lstStyle/>
+              <a:p>
+                <a:pPr algn="ctr"/>
+                <a:endParaRPr lang="en-US" dirty="0"/>
+              </a:p>
+            </p:txBody>
+          </p:sp>
+          <p:sp>
+            <p:nvSpPr>
+              <p:cNvPr id="27" name="Rectangle 26">
+                <a:extLst>
+                  <a:ext uri="{FF2B5EF4-FFF2-40B4-BE49-F238E27FC236}">
+                    <a16:creationId xmlns:a16="http://schemas.microsoft.com/office/drawing/2014/main" id="{2E818A24-9BCC-6542-8E7C-0440922E09B7}"/>
+                  </a:ext>
+                </a:extLst>
+              </p:cNvPr>
+              <p:cNvSpPr/>
+              <p:nvPr/>
+            </p:nvSpPr>
+            <p:spPr>
+              <a:xfrm>
+                <a:off x="10084608" y="5835758"/>
+                <a:ext cx="216130" cy="259499"/>
+              </a:xfrm>
+              <a:prstGeom prst="rect">
+                <a:avLst/>
+              </a:prstGeom>
+              <a:solidFill>
+                <a:schemeClr val="bg1">
+                  <a:lumMod val="50000"/>
+                  <a:alpha val="12157"/>
+                </a:schemeClr>
+              </a:solidFill>
+              <a:ln w="28575">
+                <a:solidFill>
+                  <a:schemeClr val="bg1"/>
+                </a:solidFill>
+              </a:ln>
+            </p:spPr>
+            <p:style>
+              <a:lnRef idx="2">
+                <a:schemeClr val="accent1">
+                  <a:shade val="15000"/>
+                </a:schemeClr>
+              </a:lnRef>
+              <a:fillRef idx="1">
+                <a:schemeClr val="accent1"/>
+              </a:fillRef>
+              <a:effectRef idx="0">
+                <a:schemeClr val="accent1"/>
+              </a:effectRef>
+              <a:fontRef idx="minor">
+                <a:schemeClr val="lt1"/>
+              </a:fontRef>
+            </p:style>
+            <p:txBody>
+              <a:bodyPr rtlCol="0" anchor="ctr"/>
+              <a:lstStyle/>
+              <a:p>
+                <a:pPr algn="ctr"/>
+                <a:endParaRPr lang="en-US" dirty="0"/>
+              </a:p>
+            </p:txBody>
+          </p:sp>
+          <p:sp>
+            <p:nvSpPr>
+              <p:cNvPr id="28" name="Rectangle 27">
+                <a:extLst>
+                  <a:ext uri="{FF2B5EF4-FFF2-40B4-BE49-F238E27FC236}">
+                    <a16:creationId xmlns:a16="http://schemas.microsoft.com/office/drawing/2014/main" id="{FD5B78B5-483E-5665-B8F4-E319CE91FA12}"/>
+                  </a:ext>
+                </a:extLst>
+              </p:cNvPr>
+              <p:cNvSpPr/>
+              <p:nvPr/>
+            </p:nvSpPr>
+            <p:spPr>
+              <a:xfrm>
+                <a:off x="10077916" y="6269957"/>
+                <a:ext cx="216130" cy="259499"/>
+              </a:xfrm>
+              <a:prstGeom prst="rect">
+                <a:avLst/>
+              </a:prstGeom>
+              <a:solidFill>
+                <a:schemeClr val="bg1">
+                  <a:lumMod val="50000"/>
+                  <a:alpha val="12157"/>
+                </a:schemeClr>
+              </a:solidFill>
+              <a:ln w="28575">
+                <a:solidFill>
+                  <a:schemeClr val="bg1"/>
+                </a:solidFill>
+              </a:ln>
+            </p:spPr>
+            <p:style>
+              <a:lnRef idx="2">
+                <a:schemeClr val="accent1">
+                  <a:shade val="15000"/>
+                </a:schemeClr>
+              </a:lnRef>
+              <a:fillRef idx="1">
+                <a:schemeClr val="accent1"/>
+              </a:fillRef>
+              <a:effectRef idx="0">
+                <a:schemeClr val="accent1"/>
+              </a:effectRef>
+              <a:fontRef idx="minor">
+                <a:schemeClr val="lt1"/>
+              </a:fontRef>
+            </p:style>
+            <p:txBody>
+              <a:bodyPr rtlCol="0" anchor="ctr"/>
+              <a:lstStyle/>
+              <a:p>
+                <a:pPr algn="ctr"/>
+                <a:endParaRPr lang="en-US" dirty="0"/>
+              </a:p>
+            </p:txBody>
+          </p:sp>
+        </p:grpSp>
+      </p:grpSp>
+      <p:sp>
+        <p:nvSpPr>
+          <p:cNvPr id="30" name="Left Arrow 29">
+            <a:extLst>
+              <a:ext uri="{FF2B5EF4-FFF2-40B4-BE49-F238E27FC236}">
+                <a16:creationId xmlns:a16="http://schemas.microsoft.com/office/drawing/2014/main" id="{7800E661-D890-9187-885D-97A51D604181}"/>
+              </a:ext>
+            </a:extLst>
+          </p:cNvPr>
+          <p:cNvSpPr/>
+          <p:nvPr/>
+        </p:nvSpPr>
+        <p:spPr>
+          <a:xfrm rot="10800000">
+            <a:off x="10024703" y="1779940"/>
+            <a:ext cx="651300" cy="465374"/>
+          </a:xfrm>
+          <a:prstGeom prst="leftArrow">
+            <a:avLst/>
+          </a:prstGeom>
+          <a:solidFill>
+            <a:srgbClr val="FF0000"/>
+          </a:solidFill>
+        </p:spPr>
+        <p:style>
+          <a:lnRef idx="2">
+            <a:schemeClr val="accent1">
+              <a:shade val="15000"/>
+            </a:schemeClr>
+          </a:lnRef>
+          <a:fillRef idx="1">
+            <a:schemeClr val="accent1"/>
+          </a:fillRef>
+          <a:effectRef idx="0">
+            <a:schemeClr val="accent1"/>
+          </a:effectRef>
+          <a:fontRef idx="minor">
+            <a:schemeClr val="lt1"/>
+          </a:fontRef>
+        </p:style>
+        <p:txBody>
+          <a:bodyPr rtlCol="0" anchor="ctr"/>
+          <a:lstStyle/>
+          <a:p>
+            <a:pPr algn="ctr"/>
+            <a:endParaRPr lang="en-US" dirty="0"/>
+          </a:p>
+        </p:txBody>
+      </p:sp>
+      <p:sp>
+        <p:nvSpPr>
+          <p:cNvPr id="31" name="TextBox 30">
+            <a:extLst>
+              <a:ext uri="{FF2B5EF4-FFF2-40B4-BE49-F238E27FC236}">
+                <a16:creationId xmlns:a16="http://schemas.microsoft.com/office/drawing/2014/main" id="{46BDD51B-0D20-E386-E764-01F0C89972F2}"/>
+              </a:ext>
+            </a:extLst>
+          </p:cNvPr>
+          <p:cNvSpPr txBox="1"/>
+          <p:nvPr/>
+        </p:nvSpPr>
+        <p:spPr>
+          <a:xfrm>
+            <a:off x="6445826" y="3672492"/>
+            <a:ext cx="2900254" cy="1569660"/>
+          </a:xfrm>
+          <a:prstGeom prst="rect">
+            <a:avLst/>
+          </a:prstGeom>
+          <a:solidFill>
+            <a:srgbClr val="383838"/>
+          </a:solidFill>
+        </p:spPr>
+        <p:txBody>
+          <a:bodyPr wrap="square" rtlCol="0">
+            <a:spAutoFit/>
+          </a:bodyPr>
+          <a:lstStyle/>
+          <a:p>
+            <a:r>
+              <a:rPr lang="en-US" sz="2400" b="1" dirty="0">
+                <a:solidFill>
+                  <a:srgbClr val="FF0000"/>
+                </a:solidFill>
+                <a:latin typeface="Courier New" panose="02070309020205020404" pitchFamily="49" charset="0"/>
+                <a:cs typeface="Courier New" panose="02070309020205020404" pitchFamily="49" charset="0"/>
+              </a:rPr>
+              <a:t>replicate</a:t>
+            </a:r>
+            <a:r>
+              <a:rPr lang="en-US" sz="2400" dirty="0">
+                <a:solidFill>
+                  <a:schemeClr val="bg1">
+                    <a:lumMod val="65000"/>
+                  </a:schemeClr>
+                </a:solidFill>
+              </a:rPr>
+              <a:t> </a:t>
+            </a:r>
+          </a:p>
+          <a:p>
+            <a:r>
+              <a:rPr lang="en-US" sz="2400" dirty="0">
+                <a:solidFill>
+                  <a:schemeClr val="bg1">
+                    <a:lumMod val="65000"/>
+                  </a:schemeClr>
+                </a:solidFill>
+              </a:rPr>
+              <a:t>returns a </a:t>
+            </a:r>
+            <a:r>
+              <a:rPr lang="en-US" sz="2400" b="1" dirty="0">
+                <a:solidFill>
+                  <a:schemeClr val="accent2"/>
+                </a:solidFill>
+              </a:rPr>
+              <a:t>list column </a:t>
+            </a:r>
+          </a:p>
+          <a:p>
+            <a:r>
+              <a:rPr lang="en-US" sz="2400" dirty="0">
+                <a:solidFill>
+                  <a:schemeClr val="bg1">
+                    <a:lumMod val="65000"/>
+                  </a:schemeClr>
+                </a:solidFill>
+              </a:rPr>
+              <a:t>of </a:t>
+            </a:r>
+            <a:r>
+              <a:rPr lang="en-US" sz="2400" b="1" dirty="0">
+                <a:solidFill>
+                  <a:srgbClr val="00B0F0"/>
+                </a:solidFill>
+              </a:rPr>
+              <a:t>chr vectors </a:t>
+            </a:r>
+          </a:p>
+          <a:p>
+            <a:r>
+              <a:rPr lang="en-US" sz="2400" dirty="0">
+                <a:solidFill>
+                  <a:schemeClr val="bg1">
+                    <a:lumMod val="65000"/>
+                  </a:schemeClr>
+                </a:solidFill>
+              </a:rPr>
+              <a:t>of a </a:t>
+            </a:r>
+            <a:r>
+              <a:rPr lang="en-US" sz="2400" b="1" dirty="0">
+                <a:solidFill>
+                  <a:schemeClr val="bg1"/>
+                </a:solidFill>
+              </a:rPr>
+              <a:t>single chr</a:t>
+            </a:r>
+          </a:p>
+        </p:txBody>
+      </p:sp>
+      <p:sp>
+        <p:nvSpPr>
+          <p:cNvPr id="48" name="TextBox 47">
+            <a:extLst>
+              <a:ext uri="{FF2B5EF4-FFF2-40B4-BE49-F238E27FC236}">
+                <a16:creationId xmlns:a16="http://schemas.microsoft.com/office/drawing/2014/main" id="{B11A642F-0DEF-E155-6702-E037CE6346A8}"/>
+              </a:ext>
+            </a:extLst>
+          </p:cNvPr>
+          <p:cNvSpPr txBox="1"/>
+          <p:nvPr/>
+        </p:nvSpPr>
+        <p:spPr>
+          <a:xfrm>
+            <a:off x="2766215" y="3824792"/>
+            <a:ext cx="2900254" cy="1200329"/>
+          </a:xfrm>
+          <a:prstGeom prst="rect">
+            <a:avLst/>
+          </a:prstGeom>
+          <a:solidFill>
+            <a:srgbClr val="383838"/>
+          </a:solidFill>
+        </p:spPr>
+        <p:txBody>
+          <a:bodyPr wrap="square" rtlCol="0">
+            <a:spAutoFit/>
+          </a:bodyPr>
+          <a:lstStyle/>
+          <a:p>
+            <a:r>
+              <a:rPr lang="en-US" sz="2400" b="1" dirty="0">
+                <a:solidFill>
+                  <a:srgbClr val="00B050"/>
+                </a:solidFill>
+                <a:latin typeface="Courier New" panose="02070309020205020404" pitchFamily="49" charset="0"/>
+                <a:cs typeface="Courier New" panose="02070309020205020404" pitchFamily="49" charset="0"/>
+              </a:rPr>
+              <a:t>replicate_chr</a:t>
+            </a:r>
+            <a:r>
+              <a:rPr lang="en-US" sz="2400" dirty="0">
+                <a:solidFill>
+                  <a:schemeClr val="bg1">
+                    <a:lumMod val="65000"/>
+                  </a:schemeClr>
+                </a:solidFill>
+              </a:rPr>
+              <a:t> returns a </a:t>
+            </a:r>
+            <a:r>
+              <a:rPr lang="en-US" sz="2400" b="1" dirty="0">
+                <a:solidFill>
+                  <a:schemeClr val="accent2"/>
+                </a:solidFill>
+              </a:rPr>
+              <a:t>list column </a:t>
+            </a:r>
+          </a:p>
+          <a:p>
+            <a:r>
+              <a:rPr lang="en-US" sz="2400" dirty="0">
+                <a:solidFill>
+                  <a:schemeClr val="bg1">
+                    <a:lumMod val="65000"/>
+                  </a:schemeClr>
+                </a:solidFill>
+              </a:rPr>
+              <a:t>of </a:t>
+            </a:r>
+            <a:r>
+              <a:rPr lang="en-US" sz="2400" b="1" dirty="0">
+                <a:solidFill>
+                  <a:srgbClr val="00B0F0"/>
+                </a:solidFill>
+              </a:rPr>
+              <a:t>single chr</a:t>
+            </a:r>
+          </a:p>
+        </p:txBody>
+      </p:sp>
+      <p:pic>
+        <p:nvPicPr>
+          <p:cNvPr id="49" name="Picture 48">
+            <a:extLst>
+              <a:ext uri="{FF2B5EF4-FFF2-40B4-BE49-F238E27FC236}">
+                <a16:creationId xmlns:a16="http://schemas.microsoft.com/office/drawing/2014/main" id="{ADB7D677-D6A2-3D85-DE56-BF052E0358BB}"/>
+              </a:ext>
+            </a:extLst>
+          </p:cNvPr>
+          <p:cNvPicPr>
+            <a:picLocks noChangeAspect="1"/>
+          </p:cNvPicPr>
+          <p:nvPr/>
+        </p:nvPicPr>
+        <p:blipFill>
+          <a:blip r:embed="rId3"/>
+          <a:stretch>
+            <a:fillRect/>
+          </a:stretch>
+        </p:blipFill>
+        <p:spPr>
+          <a:xfrm>
+            <a:off x="450324" y="1115493"/>
+            <a:ext cx="2273300" cy="5727700"/>
+          </a:xfrm>
+          <a:prstGeom prst="rect">
+            <a:avLst/>
+          </a:prstGeom>
+        </p:spPr>
+      </p:pic>
+      <p:grpSp>
+        <p:nvGrpSpPr>
+          <p:cNvPr id="50" name="Group 49">
+            <a:extLst>
+              <a:ext uri="{FF2B5EF4-FFF2-40B4-BE49-F238E27FC236}">
+                <a16:creationId xmlns:a16="http://schemas.microsoft.com/office/drawing/2014/main" id="{51C13EF4-DCDB-387C-3C0E-420B0F0AF1B9}"/>
+              </a:ext>
+            </a:extLst>
+          </p:cNvPr>
+          <p:cNvGrpSpPr/>
+          <p:nvPr/>
+        </p:nvGrpSpPr>
+        <p:grpSpPr>
+          <a:xfrm>
+            <a:off x="1586974" y="2335484"/>
+            <a:ext cx="1093516" cy="4426833"/>
+            <a:chOff x="5216641" y="2265862"/>
+            <a:chExt cx="1093516" cy="4426833"/>
+          </a:xfrm>
+        </p:grpSpPr>
+        <p:sp>
+          <p:nvSpPr>
+            <p:cNvPr id="51" name="Rectangle 50">
+              <a:extLst>
+                <a:ext uri="{FF2B5EF4-FFF2-40B4-BE49-F238E27FC236}">
+                  <a16:creationId xmlns:a16="http://schemas.microsoft.com/office/drawing/2014/main" id="{C2385212-8F45-CC4A-EBC0-212B979A147F}"/>
+                </a:ext>
+              </a:extLst>
+            </p:cNvPr>
+            <p:cNvSpPr/>
+            <p:nvPr/>
+          </p:nvSpPr>
+          <p:spPr>
+            <a:xfrm>
+              <a:off x="5216641" y="2265862"/>
+              <a:ext cx="1093516" cy="4426833"/>
+            </a:xfrm>
+            <a:prstGeom prst="rect">
+              <a:avLst/>
+            </a:prstGeom>
+            <a:solidFill>
+              <a:srgbClr val="ED7D31">
+                <a:alpha val="13333"/>
+              </a:srgbClr>
+            </a:solidFill>
+            <a:ln w="38100">
+              <a:solidFill>
+                <a:schemeClr val="accent2"/>
+              </a:solidFill>
+            </a:ln>
+          </p:spPr>
+          <p:style>
+            <a:lnRef idx="2">
+              <a:schemeClr val="accent1">
+                <a:shade val="15000"/>
+              </a:schemeClr>
+            </a:lnRef>
+            <a:fillRef idx="1">
+              <a:schemeClr val="accent1"/>
+            </a:fillRef>
+            <a:effectRef idx="0">
+              <a:schemeClr val="accent1"/>
+            </a:effectRef>
+            <a:fontRef idx="minor">
+              <a:schemeClr val="lt1"/>
+            </a:fontRef>
+          </p:style>
+          <p:txBody>
+            <a:bodyPr rtlCol="0" anchor="ctr"/>
+            <a:lstStyle/>
+            <a:p>
+              <a:pPr algn="ctr"/>
+              <a:endParaRPr lang="en-US"/>
+            </a:p>
+          </p:txBody>
+        </p:sp>
+        <p:sp>
+          <p:nvSpPr>
+            <p:cNvPr id="52" name="Rectangle 51">
+              <a:extLst>
+                <a:ext uri="{FF2B5EF4-FFF2-40B4-BE49-F238E27FC236}">
+                  <a16:creationId xmlns:a16="http://schemas.microsoft.com/office/drawing/2014/main" id="{D60B81C8-1F17-80B4-E9CE-1C78944D84A8}"/>
+                </a:ext>
+              </a:extLst>
+            </p:cNvPr>
+            <p:cNvSpPr/>
+            <p:nvPr/>
+          </p:nvSpPr>
+          <p:spPr>
+            <a:xfrm>
+              <a:off x="5905343" y="2323014"/>
+              <a:ext cx="332453" cy="281075"/>
+            </a:xfrm>
+            <a:prstGeom prst="rect">
+              <a:avLst/>
+            </a:prstGeom>
+            <a:solidFill>
+              <a:srgbClr val="00B0F0">
+                <a:alpha val="12157"/>
+              </a:srgbClr>
+            </a:solidFill>
+            <a:ln w="28575">
+              <a:solidFill>
+                <a:srgbClr val="00B0F0"/>
+              </a:solidFill>
+            </a:ln>
+          </p:spPr>
+          <p:style>
+            <a:lnRef idx="2">
+              <a:schemeClr val="accent1">
+                <a:shade val="15000"/>
+              </a:schemeClr>
+            </a:lnRef>
+            <a:fillRef idx="1">
+              <a:schemeClr val="accent1"/>
+            </a:fillRef>
+            <a:effectRef idx="0">
+              <a:schemeClr val="accent1"/>
+            </a:effectRef>
+            <a:fontRef idx="minor">
+              <a:schemeClr val="lt1"/>
+            </a:fontRef>
+          </p:style>
+          <p:txBody>
+            <a:bodyPr rtlCol="0" anchor="ctr"/>
+            <a:lstStyle/>
+            <a:p>
+              <a:pPr algn="ctr"/>
+              <a:endParaRPr lang="en-US" dirty="0"/>
+            </a:p>
+          </p:txBody>
+        </p:sp>
+        <p:sp>
+          <p:nvSpPr>
+            <p:cNvPr id="53" name="Rectangle 52">
+              <a:extLst>
+                <a:ext uri="{FF2B5EF4-FFF2-40B4-BE49-F238E27FC236}">
+                  <a16:creationId xmlns:a16="http://schemas.microsoft.com/office/drawing/2014/main" id="{B1A42BCD-257F-EF38-27A2-BDE15391DFD8}"/>
+                </a:ext>
+              </a:extLst>
+            </p:cNvPr>
+            <p:cNvSpPr/>
+            <p:nvPr/>
+          </p:nvSpPr>
+          <p:spPr>
+            <a:xfrm>
+              <a:off x="5905343" y="2760391"/>
+              <a:ext cx="332453" cy="281075"/>
+            </a:xfrm>
+            <a:prstGeom prst="rect">
+              <a:avLst/>
+            </a:prstGeom>
+            <a:solidFill>
+              <a:srgbClr val="00B0F0">
+                <a:alpha val="12157"/>
+              </a:srgbClr>
+            </a:solidFill>
+            <a:ln w="28575">
+              <a:solidFill>
+                <a:srgbClr val="00B0F0"/>
+              </a:solidFill>
+            </a:ln>
+          </p:spPr>
+          <p:style>
+            <a:lnRef idx="2">
+              <a:schemeClr val="accent1">
+                <a:shade val="15000"/>
+              </a:schemeClr>
+            </a:lnRef>
+            <a:fillRef idx="1">
+              <a:schemeClr val="accent1"/>
+            </a:fillRef>
+            <a:effectRef idx="0">
+              <a:schemeClr val="accent1"/>
+            </a:effectRef>
+            <a:fontRef idx="minor">
+              <a:schemeClr val="lt1"/>
+            </a:fontRef>
+          </p:style>
+          <p:txBody>
+            <a:bodyPr rtlCol="0" anchor="ctr"/>
+            <a:lstStyle/>
+            <a:p>
+              <a:pPr algn="ctr"/>
+              <a:endParaRPr lang="en-US" dirty="0"/>
+            </a:p>
+          </p:txBody>
+        </p:sp>
+        <p:sp>
+          <p:nvSpPr>
+            <p:cNvPr id="54" name="Rectangle 53">
+              <a:extLst>
+                <a:ext uri="{FF2B5EF4-FFF2-40B4-BE49-F238E27FC236}">
+                  <a16:creationId xmlns:a16="http://schemas.microsoft.com/office/drawing/2014/main" id="{0CB34603-4BB4-5FCA-382B-935C6FD15D3B}"/>
+                </a:ext>
+              </a:extLst>
+            </p:cNvPr>
+            <p:cNvSpPr/>
+            <p:nvPr/>
+          </p:nvSpPr>
+          <p:spPr>
+            <a:xfrm>
+              <a:off x="5905343" y="3214365"/>
+              <a:ext cx="332453" cy="281075"/>
+            </a:xfrm>
+            <a:prstGeom prst="rect">
+              <a:avLst/>
+            </a:prstGeom>
+            <a:solidFill>
+              <a:srgbClr val="00B0F0">
+                <a:alpha val="12157"/>
+              </a:srgbClr>
+            </a:solidFill>
+            <a:ln w="28575">
+              <a:solidFill>
+                <a:srgbClr val="00B0F0"/>
+              </a:solidFill>
+            </a:ln>
+          </p:spPr>
+          <p:style>
+            <a:lnRef idx="2">
+              <a:schemeClr val="accent1">
+                <a:shade val="15000"/>
+              </a:schemeClr>
+            </a:lnRef>
+            <a:fillRef idx="1">
+              <a:schemeClr val="accent1"/>
+            </a:fillRef>
+            <a:effectRef idx="0">
+              <a:schemeClr val="accent1"/>
+            </a:effectRef>
+            <a:fontRef idx="minor">
+              <a:schemeClr val="lt1"/>
+            </a:fontRef>
+          </p:style>
+          <p:txBody>
+            <a:bodyPr rtlCol="0" anchor="ctr"/>
+            <a:lstStyle/>
+            <a:p>
+              <a:pPr algn="ctr"/>
+              <a:endParaRPr lang="en-US" dirty="0"/>
+            </a:p>
+          </p:txBody>
+        </p:sp>
+        <p:sp>
+          <p:nvSpPr>
+            <p:cNvPr id="55" name="Rectangle 54">
+              <a:extLst>
+                <a:ext uri="{FF2B5EF4-FFF2-40B4-BE49-F238E27FC236}">
+                  <a16:creationId xmlns:a16="http://schemas.microsoft.com/office/drawing/2014/main" id="{6023C67F-0477-AF76-EADB-18F093B42658}"/>
+                </a:ext>
+              </a:extLst>
+            </p:cNvPr>
+            <p:cNvSpPr/>
+            <p:nvPr/>
+          </p:nvSpPr>
+          <p:spPr>
+            <a:xfrm>
+              <a:off x="5905343" y="3651742"/>
+              <a:ext cx="332453" cy="281075"/>
+            </a:xfrm>
+            <a:prstGeom prst="rect">
+              <a:avLst/>
+            </a:prstGeom>
+            <a:solidFill>
+              <a:srgbClr val="00B0F0">
+                <a:alpha val="12157"/>
+              </a:srgbClr>
+            </a:solidFill>
+            <a:ln w="28575">
+              <a:solidFill>
+                <a:srgbClr val="00B0F0"/>
+              </a:solidFill>
+            </a:ln>
+          </p:spPr>
+          <p:style>
+            <a:lnRef idx="2">
+              <a:schemeClr val="accent1">
+                <a:shade val="15000"/>
+              </a:schemeClr>
+            </a:lnRef>
+            <a:fillRef idx="1">
+              <a:schemeClr val="accent1"/>
+            </a:fillRef>
+            <a:effectRef idx="0">
+              <a:schemeClr val="accent1"/>
+            </a:effectRef>
+            <a:fontRef idx="minor">
+              <a:schemeClr val="lt1"/>
+            </a:fontRef>
+          </p:style>
+          <p:txBody>
+            <a:bodyPr rtlCol="0" anchor="ctr"/>
+            <a:lstStyle/>
+            <a:p>
+              <a:pPr algn="ctr"/>
+              <a:endParaRPr lang="en-US" dirty="0"/>
+            </a:p>
+          </p:txBody>
+        </p:sp>
+        <p:sp>
+          <p:nvSpPr>
+            <p:cNvPr id="56" name="Rectangle 55">
+              <a:extLst>
+                <a:ext uri="{FF2B5EF4-FFF2-40B4-BE49-F238E27FC236}">
+                  <a16:creationId xmlns:a16="http://schemas.microsoft.com/office/drawing/2014/main" id="{0BA7D9A5-84DD-9F3E-F349-ACE6CB72BB25}"/>
+                </a:ext>
+              </a:extLst>
+            </p:cNvPr>
+            <p:cNvSpPr/>
+            <p:nvPr/>
+          </p:nvSpPr>
+          <p:spPr>
+            <a:xfrm>
+              <a:off x="5905343" y="4109908"/>
+              <a:ext cx="332453" cy="281075"/>
+            </a:xfrm>
+            <a:prstGeom prst="rect">
+              <a:avLst/>
+            </a:prstGeom>
+            <a:solidFill>
+              <a:srgbClr val="00B0F0">
+                <a:alpha val="12157"/>
+              </a:srgbClr>
+            </a:solidFill>
+            <a:ln w="28575">
+              <a:solidFill>
+                <a:srgbClr val="00B0F0"/>
+              </a:solidFill>
+            </a:ln>
+          </p:spPr>
+          <p:style>
+            <a:lnRef idx="2">
+              <a:schemeClr val="accent1">
+                <a:shade val="15000"/>
+              </a:schemeClr>
+            </a:lnRef>
+            <a:fillRef idx="1">
+              <a:schemeClr val="accent1"/>
+            </a:fillRef>
+            <a:effectRef idx="0">
+              <a:schemeClr val="accent1"/>
+            </a:effectRef>
+            <a:fontRef idx="minor">
+              <a:schemeClr val="lt1"/>
+            </a:fontRef>
+          </p:style>
+          <p:txBody>
+            <a:bodyPr rtlCol="0" anchor="ctr"/>
+            <a:lstStyle/>
+            <a:p>
+              <a:pPr algn="ctr"/>
+              <a:endParaRPr lang="en-US" dirty="0"/>
+            </a:p>
+          </p:txBody>
+        </p:sp>
+        <p:sp>
+          <p:nvSpPr>
+            <p:cNvPr id="57" name="Rectangle 56">
+              <a:extLst>
+                <a:ext uri="{FF2B5EF4-FFF2-40B4-BE49-F238E27FC236}">
+                  <a16:creationId xmlns:a16="http://schemas.microsoft.com/office/drawing/2014/main" id="{9BDDD688-325E-F160-7261-7FF5D148E63E}"/>
+                </a:ext>
+              </a:extLst>
+            </p:cNvPr>
+            <p:cNvSpPr/>
+            <p:nvPr/>
+          </p:nvSpPr>
+          <p:spPr>
+            <a:xfrm>
+              <a:off x="5905343" y="4547285"/>
+              <a:ext cx="332453" cy="281075"/>
+            </a:xfrm>
+            <a:prstGeom prst="rect">
+              <a:avLst/>
+            </a:prstGeom>
+            <a:solidFill>
+              <a:srgbClr val="00B0F0">
+                <a:alpha val="12157"/>
+              </a:srgbClr>
+            </a:solidFill>
+            <a:ln w="28575">
+              <a:solidFill>
+                <a:srgbClr val="00B0F0"/>
+              </a:solidFill>
+            </a:ln>
+          </p:spPr>
+          <p:style>
+            <a:lnRef idx="2">
+              <a:schemeClr val="accent1">
+                <a:shade val="15000"/>
+              </a:schemeClr>
+            </a:lnRef>
+            <a:fillRef idx="1">
+              <a:schemeClr val="accent1"/>
+            </a:fillRef>
+            <a:effectRef idx="0">
+              <a:schemeClr val="accent1"/>
+            </a:effectRef>
+            <a:fontRef idx="minor">
+              <a:schemeClr val="lt1"/>
+            </a:fontRef>
+          </p:style>
+          <p:txBody>
+            <a:bodyPr rtlCol="0" anchor="ctr"/>
+            <a:lstStyle/>
+            <a:p>
+              <a:pPr algn="ctr"/>
+              <a:endParaRPr lang="en-US" dirty="0"/>
+            </a:p>
+          </p:txBody>
+        </p:sp>
+        <p:sp>
+          <p:nvSpPr>
+            <p:cNvPr id="58" name="Rectangle 57">
+              <a:extLst>
+                <a:ext uri="{FF2B5EF4-FFF2-40B4-BE49-F238E27FC236}">
+                  <a16:creationId xmlns:a16="http://schemas.microsoft.com/office/drawing/2014/main" id="{57FD6BB1-FF15-5FC1-99FC-57BA8E1BF9BA}"/>
+                </a:ext>
+              </a:extLst>
+            </p:cNvPr>
+            <p:cNvSpPr/>
+            <p:nvPr/>
+          </p:nvSpPr>
+          <p:spPr>
+            <a:xfrm>
+              <a:off x="5905343" y="5001259"/>
+              <a:ext cx="332453" cy="281075"/>
+            </a:xfrm>
+            <a:prstGeom prst="rect">
+              <a:avLst/>
+            </a:prstGeom>
+            <a:solidFill>
+              <a:srgbClr val="00B0F0">
+                <a:alpha val="12157"/>
+              </a:srgbClr>
+            </a:solidFill>
+            <a:ln w="28575">
+              <a:solidFill>
+                <a:srgbClr val="00B0F0"/>
+              </a:solidFill>
+            </a:ln>
+          </p:spPr>
+          <p:style>
+            <a:lnRef idx="2">
+              <a:schemeClr val="accent1">
+                <a:shade val="15000"/>
+              </a:schemeClr>
+            </a:lnRef>
+            <a:fillRef idx="1">
+              <a:schemeClr val="accent1"/>
+            </a:fillRef>
+            <a:effectRef idx="0">
+              <a:schemeClr val="accent1"/>
+            </a:effectRef>
+            <a:fontRef idx="minor">
+              <a:schemeClr val="lt1"/>
+            </a:fontRef>
+          </p:style>
+          <p:txBody>
+            <a:bodyPr rtlCol="0" anchor="ctr"/>
+            <a:lstStyle/>
+            <a:p>
+              <a:pPr algn="ctr"/>
+              <a:endParaRPr lang="en-US" dirty="0"/>
+            </a:p>
+          </p:txBody>
+        </p:sp>
+        <p:sp>
+          <p:nvSpPr>
+            <p:cNvPr id="59" name="Rectangle 58">
+              <a:extLst>
+                <a:ext uri="{FF2B5EF4-FFF2-40B4-BE49-F238E27FC236}">
+                  <a16:creationId xmlns:a16="http://schemas.microsoft.com/office/drawing/2014/main" id="{CA9E7106-D682-F08C-3DF1-6FA815F52FDF}"/>
+                </a:ext>
+              </a:extLst>
+            </p:cNvPr>
+            <p:cNvSpPr/>
+            <p:nvPr/>
+          </p:nvSpPr>
+          <p:spPr>
+            <a:xfrm>
+              <a:off x="5905343" y="5438636"/>
+              <a:ext cx="332453" cy="281075"/>
+            </a:xfrm>
+            <a:prstGeom prst="rect">
+              <a:avLst/>
+            </a:prstGeom>
+            <a:solidFill>
+              <a:srgbClr val="00B0F0">
+                <a:alpha val="12157"/>
+              </a:srgbClr>
+            </a:solidFill>
+            <a:ln w="28575">
+              <a:solidFill>
+                <a:srgbClr val="00B0F0"/>
+              </a:solidFill>
+            </a:ln>
+          </p:spPr>
+          <p:style>
+            <a:lnRef idx="2">
+              <a:schemeClr val="accent1">
+                <a:shade val="15000"/>
+              </a:schemeClr>
+            </a:lnRef>
+            <a:fillRef idx="1">
+              <a:schemeClr val="accent1"/>
+            </a:fillRef>
+            <a:effectRef idx="0">
+              <a:schemeClr val="accent1"/>
+            </a:effectRef>
+            <a:fontRef idx="minor">
+              <a:schemeClr val="lt1"/>
+            </a:fontRef>
+          </p:style>
+          <p:txBody>
+            <a:bodyPr rtlCol="0" anchor="ctr"/>
+            <a:lstStyle/>
+            <a:p>
+              <a:pPr algn="ctr"/>
+              <a:endParaRPr lang="en-US" dirty="0"/>
+            </a:p>
+          </p:txBody>
+        </p:sp>
+        <p:sp>
+          <p:nvSpPr>
+            <p:cNvPr id="60" name="Rectangle 59">
+              <a:extLst>
+                <a:ext uri="{FF2B5EF4-FFF2-40B4-BE49-F238E27FC236}">
+                  <a16:creationId xmlns:a16="http://schemas.microsoft.com/office/drawing/2014/main" id="{A674C007-6F46-8255-2901-EB4F233B294E}"/>
+                </a:ext>
+              </a:extLst>
+            </p:cNvPr>
+            <p:cNvSpPr/>
+            <p:nvPr/>
+          </p:nvSpPr>
+          <p:spPr>
+            <a:xfrm>
+              <a:off x="5905343" y="5892610"/>
+              <a:ext cx="332453" cy="281075"/>
+            </a:xfrm>
+            <a:prstGeom prst="rect">
+              <a:avLst/>
+            </a:prstGeom>
+            <a:solidFill>
+              <a:srgbClr val="00B0F0">
+                <a:alpha val="12157"/>
+              </a:srgbClr>
+            </a:solidFill>
+            <a:ln w="28575">
+              <a:solidFill>
+                <a:srgbClr val="00B0F0"/>
+              </a:solidFill>
+            </a:ln>
+          </p:spPr>
+          <p:style>
+            <a:lnRef idx="2">
+              <a:schemeClr val="accent1">
+                <a:shade val="15000"/>
+              </a:schemeClr>
+            </a:lnRef>
+            <a:fillRef idx="1">
+              <a:schemeClr val="accent1"/>
+            </a:fillRef>
+            <a:effectRef idx="0">
+              <a:schemeClr val="accent1"/>
+            </a:effectRef>
+            <a:fontRef idx="minor">
+              <a:schemeClr val="lt1"/>
+            </a:fontRef>
+          </p:style>
+          <p:txBody>
+            <a:bodyPr rtlCol="0" anchor="ctr"/>
+            <a:lstStyle/>
+            <a:p>
+              <a:pPr algn="ctr"/>
+              <a:endParaRPr lang="en-US" dirty="0"/>
+            </a:p>
+          </p:txBody>
+        </p:sp>
+        <p:sp>
+          <p:nvSpPr>
+            <p:cNvPr id="61" name="Rectangle 60">
+              <a:extLst>
+                <a:ext uri="{FF2B5EF4-FFF2-40B4-BE49-F238E27FC236}">
+                  <a16:creationId xmlns:a16="http://schemas.microsoft.com/office/drawing/2014/main" id="{F28A2038-177A-E860-CFD8-7C6FCDF6B710}"/>
+                </a:ext>
+              </a:extLst>
+            </p:cNvPr>
+            <p:cNvSpPr/>
+            <p:nvPr/>
+          </p:nvSpPr>
+          <p:spPr>
+            <a:xfrm>
+              <a:off x="5905343" y="6329987"/>
+              <a:ext cx="332453" cy="281075"/>
+            </a:xfrm>
+            <a:prstGeom prst="rect">
+              <a:avLst/>
+            </a:prstGeom>
+            <a:solidFill>
+              <a:srgbClr val="00B0F0">
+                <a:alpha val="12157"/>
+              </a:srgbClr>
+            </a:solidFill>
+            <a:ln w="28575">
+              <a:solidFill>
+                <a:srgbClr val="00B0F0"/>
+              </a:solidFill>
+            </a:ln>
+          </p:spPr>
+          <p:style>
+            <a:lnRef idx="2">
+              <a:schemeClr val="accent1">
+                <a:shade val="15000"/>
+              </a:schemeClr>
+            </a:lnRef>
+            <a:fillRef idx="1">
+              <a:schemeClr val="accent1"/>
+            </a:fillRef>
+            <a:effectRef idx="0">
+              <a:schemeClr val="accent1"/>
+            </a:effectRef>
+            <a:fontRef idx="minor">
+              <a:schemeClr val="lt1"/>
+            </a:fontRef>
+          </p:style>
+          <p:txBody>
+            <a:bodyPr rtlCol="0" anchor="ctr"/>
+            <a:lstStyle/>
+            <a:p>
+              <a:pPr algn="ctr"/>
+              <a:endParaRPr lang="en-US" dirty="0"/>
+            </a:p>
+          </p:txBody>
+        </p:sp>
+      </p:grpSp>
+      <p:sp>
+        <p:nvSpPr>
+          <p:cNvPr id="62" name="Left Arrow 61">
+            <a:extLst>
+              <a:ext uri="{FF2B5EF4-FFF2-40B4-BE49-F238E27FC236}">
+                <a16:creationId xmlns:a16="http://schemas.microsoft.com/office/drawing/2014/main" id="{646D6C74-2175-1252-CB26-C97A1E5D79A4}"/>
+              </a:ext>
+            </a:extLst>
+          </p:cNvPr>
+          <p:cNvSpPr/>
+          <p:nvPr/>
+        </p:nvSpPr>
+        <p:spPr>
+          <a:xfrm>
+            <a:off x="2657204" y="1874418"/>
+            <a:ext cx="651300" cy="513909"/>
+          </a:xfrm>
+          <a:prstGeom prst="leftArrow">
+            <a:avLst/>
+          </a:prstGeom>
+          <a:solidFill>
+            <a:srgbClr val="00B050"/>
+          </a:solidFill>
+        </p:spPr>
+        <p:style>
+          <a:lnRef idx="2">
+            <a:schemeClr val="accent1">
+              <a:shade val="15000"/>
+            </a:schemeClr>
+          </a:lnRef>
+          <a:fillRef idx="1">
+            <a:schemeClr val="accent1"/>
+          </a:fillRef>
+          <a:effectRef idx="0">
+            <a:schemeClr val="accent1"/>
+          </a:effectRef>
+          <a:fontRef idx="minor">
+            <a:schemeClr val="lt1"/>
+          </a:fontRef>
+        </p:style>
+        <p:txBody>
+          <a:bodyPr rtlCol="0" anchor="ctr"/>
+          <a:lstStyle/>
+          <a:p>
+            <a:pPr algn="ctr"/>
+            <a:endParaRPr lang="en-US" dirty="0"/>
+          </a:p>
+        </p:txBody>
+      </p:sp>
+    </p:spTree>
+    <p:extLst>
+      <p:ext uri="{BB962C8B-B14F-4D97-AF65-F5344CB8AC3E}">
+        <p14:creationId xmlns:p14="http://schemas.microsoft.com/office/powerpoint/2010/main" val="3740469708"/>
+      </p:ext>
+    </p:extLst>
+  </p:cSld>
+  <p:clrMapOvr>
+    <a:masterClrMapping/>
+  </p:clrMapOvr>
+</p:sld>
+</file>
+
+<file path=ppt/slides/slide7.xml><?xml version="1.0" encoding="utf-8"?>
+<p:sld xmlns:a="http://schemas.openxmlformats.org/drawingml/2006/main" xmlns:r="http://schemas.openxmlformats.org/officeDocument/2006/relationships" xmlns:p="http://schemas.openxmlformats.org/presentationml/2006/main">
+  <p:cSld>
+    <p:spTree>
+      <p:nvGrpSpPr>
+        <p:cNvPr id="1" name=""/>
+        <p:cNvGrpSpPr/>
+        <p:nvPr/>
+      </p:nvGrpSpPr>
+      <p:grpSpPr>
+        <a:xfrm>
+          <a:off x="0" y="0"/>
+          <a:ext cx="0" cy="0"/>
+          <a:chOff x="0" y="0"/>
+          <a:chExt cx="0" cy="0"/>
+        </a:xfrm>
+      </p:grpSpPr>
+      <p:pic>
+        <p:nvPicPr>
+          <p:cNvPr id="58" name="Picture 57">
+            <a:extLst>
+              <a:ext uri="{FF2B5EF4-FFF2-40B4-BE49-F238E27FC236}">
+                <a16:creationId xmlns:a16="http://schemas.microsoft.com/office/drawing/2014/main" id="{D9A650B9-3B22-87AD-FD74-4D8EDFB5105A}"/>
+              </a:ext>
+            </a:extLst>
+          </p:cNvPr>
+          <p:cNvPicPr>
+            <a:picLocks noChangeAspect="1"/>
+          </p:cNvPicPr>
+          <p:nvPr/>
+        </p:nvPicPr>
+        <p:blipFill>
+          <a:blip r:embed="rId2"/>
+          <a:stretch>
+            <a:fillRect/>
+          </a:stretch>
+        </p:blipFill>
+        <p:spPr>
+          <a:xfrm>
+            <a:off x="5004072" y="1070681"/>
+            <a:ext cx="2273300" cy="5727700"/>
+          </a:xfrm>
+          <a:prstGeom prst="rect">
+            <a:avLst/>
+          </a:prstGeom>
+        </p:spPr>
+      </p:pic>
+      <p:grpSp>
+        <p:nvGrpSpPr>
+          <p:cNvPr id="4" name="Group 3">
+            <a:extLst>
+              <a:ext uri="{FF2B5EF4-FFF2-40B4-BE49-F238E27FC236}">
+                <a16:creationId xmlns:a16="http://schemas.microsoft.com/office/drawing/2014/main" id="{F02FDA10-0C45-73BD-0762-22A9BCA1F5FA}"/>
+              </a:ext>
+            </a:extLst>
+          </p:cNvPr>
+          <p:cNvGrpSpPr/>
+          <p:nvPr/>
+        </p:nvGrpSpPr>
+        <p:grpSpPr>
+          <a:xfrm>
+            <a:off x="6140722" y="2290672"/>
+            <a:ext cx="1093516" cy="4426833"/>
+            <a:chOff x="5216641" y="2265862"/>
+            <a:chExt cx="1093516" cy="4426833"/>
+          </a:xfrm>
+        </p:grpSpPr>
+        <p:sp>
+          <p:nvSpPr>
+            <p:cNvPr id="6" name="Rectangle 5">
+              <a:extLst>
+                <a:ext uri="{FF2B5EF4-FFF2-40B4-BE49-F238E27FC236}">
+                  <a16:creationId xmlns:a16="http://schemas.microsoft.com/office/drawing/2014/main" id="{EB7CC8E9-886C-2BCC-9431-6EB20F0B37D1}"/>
+                </a:ext>
+              </a:extLst>
+            </p:cNvPr>
+            <p:cNvSpPr/>
+            <p:nvPr/>
+          </p:nvSpPr>
+          <p:spPr>
+            <a:xfrm>
+              <a:off x="5216641" y="2265862"/>
+              <a:ext cx="1093516" cy="4426833"/>
+            </a:xfrm>
+            <a:prstGeom prst="rect">
+              <a:avLst/>
+            </a:prstGeom>
+            <a:solidFill>
+              <a:srgbClr val="ED7D31">
+                <a:alpha val="13333"/>
+              </a:srgbClr>
+            </a:solidFill>
+            <a:ln w="38100">
+              <a:solidFill>
+                <a:schemeClr val="accent2"/>
+              </a:solidFill>
+            </a:ln>
+          </p:spPr>
+          <p:style>
+            <a:lnRef idx="2">
+              <a:schemeClr val="accent1">
+                <a:shade val="15000"/>
+              </a:schemeClr>
+            </a:lnRef>
+            <a:fillRef idx="1">
+              <a:schemeClr val="accent1"/>
+            </a:fillRef>
+            <a:effectRef idx="0">
+              <a:schemeClr val="accent1"/>
+            </a:effectRef>
+            <a:fontRef idx="minor">
+              <a:schemeClr val="lt1"/>
+            </a:fontRef>
+          </p:style>
+          <p:txBody>
+            <a:bodyPr rtlCol="0" anchor="ctr"/>
+            <a:lstStyle/>
+            <a:p>
+              <a:pPr algn="ctr"/>
+              <a:endParaRPr lang="en-US"/>
+            </a:p>
+          </p:txBody>
+        </p:sp>
+        <p:sp>
+          <p:nvSpPr>
+            <p:cNvPr id="7" name="Rectangle 6">
+              <a:extLst>
+                <a:ext uri="{FF2B5EF4-FFF2-40B4-BE49-F238E27FC236}">
+                  <a16:creationId xmlns:a16="http://schemas.microsoft.com/office/drawing/2014/main" id="{CB938E2D-8F5E-E132-7C44-C319EE336702}"/>
+                </a:ext>
+              </a:extLst>
+            </p:cNvPr>
+            <p:cNvSpPr/>
+            <p:nvPr/>
+          </p:nvSpPr>
+          <p:spPr>
+            <a:xfrm>
+              <a:off x="5905343" y="2323014"/>
+              <a:ext cx="332453" cy="281075"/>
+            </a:xfrm>
+            <a:prstGeom prst="rect">
+              <a:avLst/>
+            </a:prstGeom>
+            <a:solidFill>
+              <a:srgbClr val="00B0F0">
+                <a:alpha val="12157"/>
+              </a:srgbClr>
+            </a:solidFill>
+            <a:ln w="28575">
+              <a:solidFill>
+                <a:srgbClr val="00B0F0"/>
+              </a:solidFill>
+            </a:ln>
+          </p:spPr>
+          <p:style>
+            <a:lnRef idx="2">
+              <a:schemeClr val="accent1">
+                <a:shade val="15000"/>
+              </a:schemeClr>
+            </a:lnRef>
+            <a:fillRef idx="1">
+              <a:schemeClr val="accent1"/>
+            </a:fillRef>
+            <a:effectRef idx="0">
+              <a:schemeClr val="accent1"/>
+            </a:effectRef>
+            <a:fontRef idx="minor">
+              <a:schemeClr val="lt1"/>
+            </a:fontRef>
+          </p:style>
+          <p:txBody>
+            <a:bodyPr rtlCol="0" anchor="ctr"/>
+            <a:lstStyle/>
+            <a:p>
+              <a:pPr algn="ctr"/>
+              <a:endParaRPr lang="en-US" dirty="0"/>
+            </a:p>
+          </p:txBody>
+        </p:sp>
+        <p:sp>
+          <p:nvSpPr>
+            <p:cNvPr id="8" name="Rectangle 7">
+              <a:extLst>
+                <a:ext uri="{FF2B5EF4-FFF2-40B4-BE49-F238E27FC236}">
+                  <a16:creationId xmlns:a16="http://schemas.microsoft.com/office/drawing/2014/main" id="{ED0D4589-607B-18AD-3EDC-BC0C6B996366}"/>
+                </a:ext>
+              </a:extLst>
+            </p:cNvPr>
+            <p:cNvSpPr/>
+            <p:nvPr/>
+          </p:nvSpPr>
+          <p:spPr>
+            <a:xfrm>
+              <a:off x="5905343" y="2760391"/>
+              <a:ext cx="332453" cy="281075"/>
+            </a:xfrm>
+            <a:prstGeom prst="rect">
+              <a:avLst/>
+            </a:prstGeom>
+            <a:solidFill>
+              <a:srgbClr val="00B0F0">
+                <a:alpha val="12157"/>
+              </a:srgbClr>
+            </a:solidFill>
+            <a:ln w="28575">
+              <a:solidFill>
+                <a:srgbClr val="00B0F0"/>
+              </a:solidFill>
+            </a:ln>
+          </p:spPr>
+          <p:style>
+            <a:lnRef idx="2">
+              <a:schemeClr val="accent1">
+                <a:shade val="15000"/>
+              </a:schemeClr>
+            </a:lnRef>
+            <a:fillRef idx="1">
+              <a:schemeClr val="accent1"/>
+            </a:fillRef>
+            <a:effectRef idx="0">
+              <a:schemeClr val="accent1"/>
+            </a:effectRef>
+            <a:fontRef idx="minor">
+              <a:schemeClr val="lt1"/>
+            </a:fontRef>
+          </p:style>
+          <p:txBody>
+            <a:bodyPr rtlCol="0" anchor="ctr"/>
+            <a:lstStyle/>
+            <a:p>
+              <a:pPr algn="ctr"/>
+              <a:endParaRPr lang="en-US" dirty="0"/>
+            </a:p>
+          </p:txBody>
+        </p:sp>
+        <p:sp>
+          <p:nvSpPr>
+            <p:cNvPr id="9" name="Rectangle 8">
+              <a:extLst>
+                <a:ext uri="{FF2B5EF4-FFF2-40B4-BE49-F238E27FC236}">
+                  <a16:creationId xmlns:a16="http://schemas.microsoft.com/office/drawing/2014/main" id="{DCCC1507-DA3B-0BC4-212B-7DFD71C2FC16}"/>
+                </a:ext>
+              </a:extLst>
+            </p:cNvPr>
+            <p:cNvSpPr/>
+            <p:nvPr/>
+          </p:nvSpPr>
+          <p:spPr>
+            <a:xfrm>
+              <a:off x="5905343" y="3214365"/>
+              <a:ext cx="332453" cy="281075"/>
+            </a:xfrm>
+            <a:prstGeom prst="rect">
+              <a:avLst/>
+            </a:prstGeom>
+            <a:solidFill>
+              <a:srgbClr val="00B0F0">
+                <a:alpha val="12157"/>
+              </a:srgbClr>
+            </a:solidFill>
+            <a:ln w="28575">
+              <a:solidFill>
+                <a:srgbClr val="00B0F0"/>
+              </a:solidFill>
+            </a:ln>
+          </p:spPr>
+          <p:style>
+            <a:lnRef idx="2">
+              <a:schemeClr val="accent1">
+                <a:shade val="15000"/>
+              </a:schemeClr>
+            </a:lnRef>
+            <a:fillRef idx="1">
+              <a:schemeClr val="accent1"/>
+            </a:fillRef>
+            <a:effectRef idx="0">
+              <a:schemeClr val="accent1"/>
+            </a:effectRef>
+            <a:fontRef idx="minor">
+              <a:schemeClr val="lt1"/>
+            </a:fontRef>
+          </p:style>
+          <p:txBody>
+            <a:bodyPr rtlCol="0" anchor="ctr"/>
+            <a:lstStyle/>
+            <a:p>
+              <a:pPr algn="ctr"/>
+              <a:endParaRPr lang="en-US" dirty="0"/>
+            </a:p>
+          </p:txBody>
+        </p:sp>
+        <p:sp>
+          <p:nvSpPr>
+            <p:cNvPr id="10" name="Rectangle 9">
+              <a:extLst>
+                <a:ext uri="{FF2B5EF4-FFF2-40B4-BE49-F238E27FC236}">
+                  <a16:creationId xmlns:a16="http://schemas.microsoft.com/office/drawing/2014/main" id="{F061E640-917E-CF4D-68F9-8F436ACAC7DF}"/>
+                </a:ext>
+              </a:extLst>
+            </p:cNvPr>
+            <p:cNvSpPr/>
+            <p:nvPr/>
+          </p:nvSpPr>
+          <p:spPr>
+            <a:xfrm>
+              <a:off x="5905343" y="3651742"/>
+              <a:ext cx="332453" cy="281075"/>
+            </a:xfrm>
+            <a:prstGeom prst="rect">
+              <a:avLst/>
+            </a:prstGeom>
+            <a:solidFill>
+              <a:srgbClr val="00B0F0">
+                <a:alpha val="12157"/>
+              </a:srgbClr>
+            </a:solidFill>
+            <a:ln w="28575">
+              <a:solidFill>
+                <a:srgbClr val="00B0F0"/>
+              </a:solidFill>
+            </a:ln>
+          </p:spPr>
+          <p:style>
+            <a:lnRef idx="2">
+              <a:schemeClr val="accent1">
+                <a:shade val="15000"/>
+              </a:schemeClr>
+            </a:lnRef>
+            <a:fillRef idx="1">
+              <a:schemeClr val="accent1"/>
+            </a:fillRef>
+            <a:effectRef idx="0">
+              <a:schemeClr val="accent1"/>
+            </a:effectRef>
+            <a:fontRef idx="minor">
+              <a:schemeClr val="lt1"/>
+            </a:fontRef>
+          </p:style>
+          <p:txBody>
+            <a:bodyPr rtlCol="0" anchor="ctr"/>
+            <a:lstStyle/>
+            <a:p>
+              <a:pPr algn="ctr"/>
+              <a:endParaRPr lang="en-US" dirty="0"/>
+            </a:p>
+          </p:txBody>
+        </p:sp>
+        <p:sp>
+          <p:nvSpPr>
+            <p:cNvPr id="11" name="Rectangle 10">
+              <a:extLst>
+                <a:ext uri="{FF2B5EF4-FFF2-40B4-BE49-F238E27FC236}">
+                  <a16:creationId xmlns:a16="http://schemas.microsoft.com/office/drawing/2014/main" id="{5DE76FE8-B710-8C38-54B2-E1DCCCC7E742}"/>
+                </a:ext>
+              </a:extLst>
+            </p:cNvPr>
+            <p:cNvSpPr/>
+            <p:nvPr/>
+          </p:nvSpPr>
+          <p:spPr>
+            <a:xfrm>
+              <a:off x="5905343" y="4109908"/>
+              <a:ext cx="332453" cy="281075"/>
+            </a:xfrm>
+            <a:prstGeom prst="rect">
+              <a:avLst/>
+            </a:prstGeom>
+            <a:solidFill>
+              <a:srgbClr val="00B0F0">
+                <a:alpha val="12157"/>
+              </a:srgbClr>
+            </a:solidFill>
+            <a:ln w="28575">
+              <a:solidFill>
+                <a:srgbClr val="00B0F0"/>
+              </a:solidFill>
+            </a:ln>
+          </p:spPr>
+          <p:style>
+            <a:lnRef idx="2">
+              <a:schemeClr val="accent1">
+                <a:shade val="15000"/>
+              </a:schemeClr>
+            </a:lnRef>
+            <a:fillRef idx="1">
+              <a:schemeClr val="accent1"/>
+            </a:fillRef>
+            <a:effectRef idx="0">
+              <a:schemeClr val="accent1"/>
+            </a:effectRef>
+            <a:fontRef idx="minor">
+              <a:schemeClr val="lt1"/>
+            </a:fontRef>
+          </p:style>
+          <p:txBody>
+            <a:bodyPr rtlCol="0" anchor="ctr"/>
+            <a:lstStyle/>
+            <a:p>
+              <a:pPr algn="ctr"/>
+              <a:endParaRPr lang="en-US" dirty="0"/>
+            </a:p>
+          </p:txBody>
+        </p:sp>
+        <p:sp>
+          <p:nvSpPr>
+            <p:cNvPr id="12" name="Rectangle 11">
+              <a:extLst>
+                <a:ext uri="{FF2B5EF4-FFF2-40B4-BE49-F238E27FC236}">
+                  <a16:creationId xmlns:a16="http://schemas.microsoft.com/office/drawing/2014/main" id="{6FAFE4EE-DD40-813E-F030-144EB050E809}"/>
+                </a:ext>
+              </a:extLst>
+            </p:cNvPr>
+            <p:cNvSpPr/>
+            <p:nvPr/>
+          </p:nvSpPr>
+          <p:spPr>
+            <a:xfrm>
+              <a:off x="5905343" y="4547285"/>
+              <a:ext cx="332453" cy="281075"/>
+            </a:xfrm>
+            <a:prstGeom prst="rect">
+              <a:avLst/>
+            </a:prstGeom>
+            <a:solidFill>
+              <a:srgbClr val="00B0F0">
+                <a:alpha val="12157"/>
+              </a:srgbClr>
+            </a:solidFill>
+            <a:ln w="28575">
+              <a:solidFill>
+                <a:srgbClr val="00B0F0"/>
+              </a:solidFill>
+            </a:ln>
+          </p:spPr>
+          <p:style>
+            <a:lnRef idx="2">
+              <a:schemeClr val="accent1">
+                <a:shade val="15000"/>
+              </a:schemeClr>
+            </a:lnRef>
+            <a:fillRef idx="1">
+              <a:schemeClr val="accent1"/>
+            </a:fillRef>
+            <a:effectRef idx="0">
+              <a:schemeClr val="accent1"/>
+            </a:effectRef>
+            <a:fontRef idx="minor">
+              <a:schemeClr val="lt1"/>
+            </a:fontRef>
+          </p:style>
+          <p:txBody>
+            <a:bodyPr rtlCol="0" anchor="ctr"/>
+            <a:lstStyle/>
+            <a:p>
+              <a:pPr algn="ctr"/>
+              <a:endParaRPr lang="en-US" dirty="0"/>
+            </a:p>
+          </p:txBody>
+        </p:sp>
+        <p:sp>
+          <p:nvSpPr>
+            <p:cNvPr id="13" name="Rectangle 12">
+              <a:extLst>
+                <a:ext uri="{FF2B5EF4-FFF2-40B4-BE49-F238E27FC236}">
+                  <a16:creationId xmlns:a16="http://schemas.microsoft.com/office/drawing/2014/main" id="{43C28868-FBC2-3D2F-1AB7-FA6BB6B44C33}"/>
+                </a:ext>
+              </a:extLst>
+            </p:cNvPr>
+            <p:cNvSpPr/>
+            <p:nvPr/>
+          </p:nvSpPr>
+          <p:spPr>
+            <a:xfrm>
+              <a:off x="5905343" y="5001259"/>
+              <a:ext cx="332453" cy="281075"/>
+            </a:xfrm>
+            <a:prstGeom prst="rect">
+              <a:avLst/>
+            </a:prstGeom>
+            <a:solidFill>
+              <a:srgbClr val="00B0F0">
+                <a:alpha val="12157"/>
+              </a:srgbClr>
+            </a:solidFill>
+            <a:ln w="28575">
+              <a:solidFill>
+                <a:srgbClr val="00B0F0"/>
+              </a:solidFill>
+            </a:ln>
+          </p:spPr>
+          <p:style>
+            <a:lnRef idx="2">
+              <a:schemeClr val="accent1">
+                <a:shade val="15000"/>
+              </a:schemeClr>
+            </a:lnRef>
+            <a:fillRef idx="1">
+              <a:schemeClr val="accent1"/>
+            </a:fillRef>
+            <a:effectRef idx="0">
+              <a:schemeClr val="accent1"/>
+            </a:effectRef>
+            <a:fontRef idx="minor">
+              <a:schemeClr val="lt1"/>
+            </a:fontRef>
+          </p:style>
+          <p:txBody>
+            <a:bodyPr rtlCol="0" anchor="ctr"/>
+            <a:lstStyle/>
+            <a:p>
+              <a:pPr algn="ctr"/>
+              <a:endParaRPr lang="en-US" dirty="0"/>
+            </a:p>
+          </p:txBody>
+        </p:sp>
+        <p:sp>
+          <p:nvSpPr>
+            <p:cNvPr id="14" name="Rectangle 13">
+              <a:extLst>
+                <a:ext uri="{FF2B5EF4-FFF2-40B4-BE49-F238E27FC236}">
+                  <a16:creationId xmlns:a16="http://schemas.microsoft.com/office/drawing/2014/main" id="{6153E1C6-41F7-B8E4-3227-FA84B7C81C33}"/>
+                </a:ext>
+              </a:extLst>
+            </p:cNvPr>
+            <p:cNvSpPr/>
+            <p:nvPr/>
+          </p:nvSpPr>
+          <p:spPr>
+            <a:xfrm>
+              <a:off x="5905343" y="5438636"/>
+              <a:ext cx="332453" cy="281075"/>
+            </a:xfrm>
+            <a:prstGeom prst="rect">
+              <a:avLst/>
+            </a:prstGeom>
+            <a:solidFill>
+              <a:srgbClr val="00B0F0">
+                <a:alpha val="12157"/>
+              </a:srgbClr>
+            </a:solidFill>
+            <a:ln w="28575">
+              <a:solidFill>
+                <a:srgbClr val="00B0F0"/>
+              </a:solidFill>
+            </a:ln>
+          </p:spPr>
+          <p:style>
+            <a:lnRef idx="2">
+              <a:schemeClr val="accent1">
+                <a:shade val="15000"/>
+              </a:schemeClr>
+            </a:lnRef>
+            <a:fillRef idx="1">
+              <a:schemeClr val="accent1"/>
+            </a:fillRef>
+            <a:effectRef idx="0">
+              <a:schemeClr val="accent1"/>
+            </a:effectRef>
+            <a:fontRef idx="minor">
+              <a:schemeClr val="lt1"/>
+            </a:fontRef>
+          </p:style>
+          <p:txBody>
+            <a:bodyPr rtlCol="0" anchor="ctr"/>
+            <a:lstStyle/>
+            <a:p>
+              <a:pPr algn="ctr"/>
+              <a:endParaRPr lang="en-US" dirty="0"/>
+            </a:p>
+          </p:txBody>
+        </p:sp>
+        <p:sp>
+          <p:nvSpPr>
+            <p:cNvPr id="15" name="Rectangle 14">
+              <a:extLst>
+                <a:ext uri="{FF2B5EF4-FFF2-40B4-BE49-F238E27FC236}">
+                  <a16:creationId xmlns:a16="http://schemas.microsoft.com/office/drawing/2014/main" id="{21EC6FFB-21FD-2701-78D2-22CE9D409F57}"/>
+                </a:ext>
+              </a:extLst>
+            </p:cNvPr>
+            <p:cNvSpPr/>
+            <p:nvPr/>
+          </p:nvSpPr>
+          <p:spPr>
+            <a:xfrm>
+              <a:off x="5905343" y="5892610"/>
+              <a:ext cx="332453" cy="281075"/>
+            </a:xfrm>
+            <a:prstGeom prst="rect">
+              <a:avLst/>
+            </a:prstGeom>
+            <a:solidFill>
+              <a:srgbClr val="00B0F0">
+                <a:alpha val="12157"/>
+              </a:srgbClr>
+            </a:solidFill>
+            <a:ln w="28575">
+              <a:solidFill>
+                <a:srgbClr val="00B0F0"/>
+              </a:solidFill>
+            </a:ln>
+          </p:spPr>
+          <p:style>
+            <a:lnRef idx="2">
+              <a:schemeClr val="accent1">
+                <a:shade val="15000"/>
+              </a:schemeClr>
+            </a:lnRef>
+            <a:fillRef idx="1">
+              <a:schemeClr val="accent1"/>
+            </a:fillRef>
+            <a:effectRef idx="0">
+              <a:schemeClr val="accent1"/>
+            </a:effectRef>
+            <a:fontRef idx="minor">
+              <a:schemeClr val="lt1"/>
+            </a:fontRef>
+          </p:style>
+          <p:txBody>
+            <a:bodyPr rtlCol="0" anchor="ctr"/>
+            <a:lstStyle/>
+            <a:p>
+              <a:pPr algn="ctr"/>
+              <a:endParaRPr lang="en-US" dirty="0"/>
+            </a:p>
+          </p:txBody>
+        </p:sp>
+        <p:sp>
+          <p:nvSpPr>
+            <p:cNvPr id="16" name="Rectangle 15">
+              <a:extLst>
+                <a:ext uri="{FF2B5EF4-FFF2-40B4-BE49-F238E27FC236}">
+                  <a16:creationId xmlns:a16="http://schemas.microsoft.com/office/drawing/2014/main" id="{76185A5D-7BC1-64F2-6B28-4EA2915910AE}"/>
+                </a:ext>
+              </a:extLst>
+            </p:cNvPr>
+            <p:cNvSpPr/>
+            <p:nvPr/>
+          </p:nvSpPr>
+          <p:spPr>
+            <a:xfrm>
+              <a:off x="5905343" y="6329987"/>
+              <a:ext cx="332453" cy="281075"/>
+            </a:xfrm>
+            <a:prstGeom prst="rect">
+              <a:avLst/>
+            </a:prstGeom>
+            <a:solidFill>
+              <a:srgbClr val="00B0F0">
+                <a:alpha val="12157"/>
+              </a:srgbClr>
+            </a:solidFill>
+            <a:ln w="28575">
+              <a:solidFill>
+                <a:srgbClr val="00B0F0"/>
+              </a:solidFill>
+            </a:ln>
+          </p:spPr>
+          <p:style>
+            <a:lnRef idx="2">
+              <a:schemeClr val="accent1">
+                <a:shade val="15000"/>
+              </a:schemeClr>
+            </a:lnRef>
+            <a:fillRef idx="1">
+              <a:schemeClr val="accent1"/>
+            </a:fillRef>
+            <a:effectRef idx="0">
+              <a:schemeClr val="accent1"/>
+            </a:effectRef>
+            <a:fontRef idx="minor">
+              <a:schemeClr val="lt1"/>
+            </a:fontRef>
+          </p:style>
+          <p:txBody>
+            <a:bodyPr rtlCol="0" anchor="ctr"/>
+            <a:lstStyle/>
+            <a:p>
+              <a:pPr algn="ctr"/>
+              <a:endParaRPr lang="en-US" dirty="0"/>
+            </a:p>
+          </p:txBody>
+        </p:sp>
+      </p:grpSp>
+      <p:sp>
+        <p:nvSpPr>
+          <p:cNvPr id="47" name="TextBox 46">
+            <a:extLst>
+              <a:ext uri="{FF2B5EF4-FFF2-40B4-BE49-F238E27FC236}">
+                <a16:creationId xmlns:a16="http://schemas.microsoft.com/office/drawing/2014/main" id="{41C1C8DE-F6BC-4BF5-5D2C-4D80CF479B6B}"/>
+              </a:ext>
+            </a:extLst>
+          </p:cNvPr>
+          <p:cNvSpPr txBox="1"/>
+          <p:nvPr/>
+        </p:nvSpPr>
+        <p:spPr>
+          <a:xfrm>
+            <a:off x="754902" y="4180922"/>
+            <a:ext cx="3662541" cy="923330"/>
+          </a:xfrm>
+          <a:prstGeom prst="rect">
+            <a:avLst/>
+          </a:prstGeom>
+          <a:solidFill>
+            <a:srgbClr val="343434"/>
+          </a:solidFill>
+          <a:ln w="57150">
+            <a:solidFill>
+              <a:schemeClr val="accent2"/>
+            </a:solidFill>
+          </a:ln>
+        </p:spPr>
+        <p:txBody>
+          <a:bodyPr wrap="none" rtlCol="0">
+            <a:spAutoFit/>
+          </a:bodyPr>
+          <a:lstStyle/>
+          <a:p>
+            <a:pPr algn="ctr"/>
+            <a:r>
+              <a:rPr lang="en-US" b="1" dirty="0">
+                <a:solidFill>
+                  <a:schemeClr val="accent2"/>
+                </a:solidFill>
+                <a:latin typeface="Courier New" panose="02070309020205020404" pitchFamily="49" charset="0"/>
+                <a:cs typeface="Courier New" panose="02070309020205020404" pitchFamily="49" charset="0"/>
+              </a:rPr>
+              <a:t>mutate(X = </a:t>
+            </a:r>
+            <a:r>
+              <a:rPr lang="en-US" b="1" dirty="0">
+                <a:solidFill>
+                  <a:schemeClr val="accent6">
+                    <a:lumMod val="60000"/>
+                    <a:lumOff val="40000"/>
+                  </a:schemeClr>
+                </a:solidFill>
+                <a:latin typeface="Courier New" panose="02070309020205020404" pitchFamily="49" charset="0"/>
+                <a:cs typeface="Courier New" panose="02070309020205020404" pitchFamily="49" charset="0"/>
+              </a:rPr>
+              <a:t>v(</a:t>
+            </a:r>
+            <a:r>
+              <a:rPr lang="en-US" b="1" dirty="0">
+                <a:solidFill>
+                  <a:schemeClr val="accent2"/>
+                </a:solidFill>
+                <a:latin typeface="Courier New" panose="02070309020205020404" pitchFamily="49" charset="0"/>
+                <a:cs typeface="Courier New" panose="02070309020205020404" pitchFamily="49" charset="0"/>
+              </a:rPr>
+              <a:t>.outcome</a:t>
+            </a:r>
+            <a:r>
+              <a:rPr lang="en-US" b="1" dirty="0">
+                <a:solidFill>
+                  <a:schemeClr val="accent6">
+                    <a:lumMod val="60000"/>
+                    <a:lumOff val="40000"/>
+                  </a:schemeClr>
+                </a:solidFill>
+                <a:latin typeface="Courier New" panose="02070309020205020404" pitchFamily="49" charset="0"/>
+                <a:cs typeface="Courier New" panose="02070309020205020404" pitchFamily="49" charset="0"/>
+              </a:rPr>
+              <a:t>)</a:t>
+            </a:r>
+            <a:r>
+              <a:rPr lang="en-US" b="1" dirty="0">
+                <a:solidFill>
+                  <a:schemeClr val="accent2"/>
+                </a:solidFill>
+                <a:latin typeface="Courier New" panose="02070309020205020404" pitchFamily="49" charset="0"/>
+                <a:cs typeface="Courier New" panose="02070309020205020404" pitchFamily="49" charset="0"/>
+              </a:rPr>
+              <a:t>)</a:t>
+            </a:r>
+            <a:r>
+              <a:rPr lang="en-US" b="1" dirty="0">
+                <a:solidFill>
+                  <a:schemeClr val="accent2"/>
+                </a:solidFill>
+                <a:cs typeface="Courier New" panose="02070309020205020404" pitchFamily="49" charset="0"/>
+              </a:rPr>
+              <a:t> </a:t>
+            </a:r>
+            <a:r>
+              <a:rPr lang="en-US" b="1" dirty="0">
+                <a:solidFill>
+                  <a:schemeClr val="bg1">
+                    <a:lumMod val="65000"/>
+                  </a:schemeClr>
+                </a:solidFill>
+                <a:cs typeface="Courier New" panose="02070309020205020404" pitchFamily="49" charset="0"/>
+              </a:rPr>
+              <a:t>to </a:t>
+            </a:r>
+          </a:p>
+          <a:p>
+            <a:pPr algn="ctr"/>
+            <a:r>
+              <a:rPr lang="en-US" b="1" dirty="0">
+                <a:solidFill>
+                  <a:schemeClr val="bg1">
+                    <a:lumMod val="65000"/>
+                  </a:schemeClr>
+                </a:solidFill>
+                <a:cs typeface="Courier New" panose="02070309020205020404" pitchFamily="49" charset="0"/>
+              </a:rPr>
+              <a:t>change a </a:t>
+            </a:r>
+            <a:r>
+              <a:rPr lang="en-US" b="1" dirty="0">
+                <a:solidFill>
+                  <a:schemeClr val="accent2"/>
+                </a:solidFill>
+                <a:cs typeface="Courier New" panose="02070309020205020404" pitchFamily="49" charset="0"/>
+              </a:rPr>
+              <a:t>chr column</a:t>
+            </a:r>
+          </a:p>
+          <a:p>
+            <a:pPr algn="ctr"/>
+            <a:r>
+              <a:rPr lang="en-US" b="1" dirty="0">
+                <a:solidFill>
+                  <a:schemeClr val="bg1">
+                    <a:lumMod val="65000"/>
+                  </a:schemeClr>
+                </a:solidFill>
+                <a:cs typeface="Courier New" panose="02070309020205020404" pitchFamily="49" charset="0"/>
+              </a:rPr>
+              <a:t>where </a:t>
+            </a:r>
+            <a:r>
+              <a:rPr lang="en-US" b="1" dirty="0">
+                <a:solidFill>
+                  <a:schemeClr val="accent6">
+                    <a:lumMod val="60000"/>
+                    <a:lumOff val="40000"/>
+                  </a:schemeClr>
+                </a:solidFill>
+                <a:cs typeface="Courier New" panose="02070309020205020404" pitchFamily="49" charset="0"/>
+              </a:rPr>
+              <a:t>v</a:t>
+            </a:r>
+            <a:r>
+              <a:rPr lang="en-US" b="1" dirty="0">
+                <a:solidFill>
+                  <a:schemeClr val="bg1">
+                    <a:lumMod val="65000"/>
+                  </a:schemeClr>
+                </a:solidFill>
+                <a:cs typeface="Courier New" panose="02070309020205020404" pitchFamily="49" charset="0"/>
+              </a:rPr>
+              <a:t> is a vectorized function</a:t>
+            </a:r>
+          </a:p>
+        </p:txBody>
+      </p:sp>
+      <p:sp>
+        <p:nvSpPr>
+          <p:cNvPr id="48" name="TextBox 47">
+            <a:extLst>
+              <a:ext uri="{FF2B5EF4-FFF2-40B4-BE49-F238E27FC236}">
+                <a16:creationId xmlns:a16="http://schemas.microsoft.com/office/drawing/2014/main" id="{3D78D1F7-6B6C-6394-820D-ECA4B32F7E1B}"/>
+              </a:ext>
+            </a:extLst>
+          </p:cNvPr>
+          <p:cNvSpPr txBox="1"/>
+          <p:nvPr/>
+        </p:nvSpPr>
+        <p:spPr>
+          <a:xfrm>
+            <a:off x="7774556" y="2026697"/>
+            <a:ext cx="4351832" cy="1200329"/>
+          </a:xfrm>
+          <a:prstGeom prst="rect">
+            <a:avLst/>
+          </a:prstGeom>
+          <a:solidFill>
+            <a:srgbClr val="343434"/>
+          </a:solidFill>
+          <a:ln w="57150">
+            <a:solidFill>
+              <a:srgbClr val="00B0F0"/>
+            </a:solidFill>
+          </a:ln>
+        </p:spPr>
+        <p:txBody>
+          <a:bodyPr wrap="none" rtlCol="0">
+            <a:spAutoFit/>
+          </a:bodyPr>
+          <a:lstStyle/>
+          <a:p>
+            <a:pPr algn="ctr"/>
+            <a:r>
+              <a:rPr lang="en-US" b="1" dirty="0">
+                <a:solidFill>
+                  <a:srgbClr val="00B0F0"/>
+                </a:solidFill>
+                <a:latin typeface="Courier New" panose="02070309020205020404" pitchFamily="49" charset="0"/>
+                <a:cs typeface="Courier New" panose="02070309020205020404" pitchFamily="49" charset="0"/>
+              </a:rPr>
+              <a:t>mutate(X = map(.outcome, </a:t>
+            </a:r>
+            <a:r>
+              <a:rPr lang="en-US" b="1" dirty="0">
+                <a:solidFill>
+                  <a:schemeClr val="accent2">
+                    <a:lumMod val="40000"/>
+                    <a:lumOff val="60000"/>
+                  </a:schemeClr>
+                </a:solidFill>
+                <a:latin typeface="Courier New" panose="02070309020205020404" pitchFamily="49" charset="0"/>
+                <a:cs typeface="Courier New" panose="02070309020205020404" pitchFamily="49" charset="0"/>
+              </a:rPr>
+              <a:t>f</a:t>
+            </a:r>
+            <a:r>
+              <a:rPr lang="en-US" b="1" dirty="0">
+                <a:solidFill>
+                  <a:srgbClr val="00B0F0"/>
+                </a:solidFill>
+                <a:latin typeface="Courier New" panose="02070309020205020404" pitchFamily="49" charset="0"/>
+                <a:cs typeface="Courier New" panose="02070309020205020404" pitchFamily="49" charset="0"/>
+              </a:rPr>
+              <a:t>))</a:t>
+            </a:r>
+            <a:r>
+              <a:rPr lang="en-US" b="1" dirty="0">
+                <a:solidFill>
+                  <a:srgbClr val="00B0F0"/>
+                </a:solidFill>
+                <a:cs typeface="Courier New" panose="02070309020205020404" pitchFamily="49" charset="0"/>
+              </a:rPr>
+              <a:t> </a:t>
+            </a:r>
+            <a:r>
+              <a:rPr lang="en-US" b="1" dirty="0">
+                <a:solidFill>
+                  <a:schemeClr val="bg1">
+                    <a:lumMod val="65000"/>
+                  </a:schemeClr>
+                </a:solidFill>
+                <a:cs typeface="Courier New" panose="02070309020205020404" pitchFamily="49" charset="0"/>
+              </a:rPr>
+              <a:t>to</a:t>
+            </a:r>
+            <a:r>
+              <a:rPr lang="en-US" b="1" dirty="0">
+                <a:cs typeface="Courier New" panose="02070309020205020404" pitchFamily="49" charset="0"/>
+              </a:rPr>
+              <a:t> </a:t>
+            </a:r>
+          </a:p>
+          <a:p>
+            <a:pPr algn="ctr"/>
+            <a:r>
+              <a:rPr lang="en-US" b="1" dirty="0">
+                <a:solidFill>
+                  <a:schemeClr val="bg1">
+                    <a:lumMod val="65000"/>
+                  </a:schemeClr>
+                </a:solidFill>
+                <a:cs typeface="Courier New" panose="02070309020205020404" pitchFamily="49" charset="0"/>
+              </a:rPr>
+              <a:t>change the individual </a:t>
+            </a:r>
+            <a:r>
+              <a:rPr lang="en-US" b="1" dirty="0">
+                <a:solidFill>
+                  <a:srgbClr val="00B0F0"/>
+                </a:solidFill>
+                <a:cs typeface="Courier New" panose="02070309020205020404" pitchFamily="49" charset="0"/>
+              </a:rPr>
+              <a:t>chr</a:t>
+            </a:r>
+            <a:r>
+              <a:rPr lang="en-US" b="1" dirty="0">
+                <a:cs typeface="Courier New" panose="02070309020205020404" pitchFamily="49" charset="0"/>
+              </a:rPr>
+              <a:t> </a:t>
+            </a:r>
+          </a:p>
+          <a:p>
+            <a:pPr algn="ctr"/>
+            <a:r>
+              <a:rPr lang="en-US" b="1" dirty="0">
+                <a:solidFill>
+                  <a:schemeClr val="bg1">
+                    <a:lumMod val="65000"/>
+                  </a:schemeClr>
+                </a:solidFill>
+                <a:cs typeface="Courier New" panose="02070309020205020404" pitchFamily="49" charset="0"/>
+              </a:rPr>
+              <a:t>inside a</a:t>
+            </a:r>
+            <a:r>
+              <a:rPr lang="en-US" b="1" dirty="0">
+                <a:cs typeface="Courier New" panose="02070309020205020404" pitchFamily="49" charset="0"/>
+              </a:rPr>
+              <a:t> </a:t>
+            </a:r>
+            <a:r>
+              <a:rPr lang="en-US" b="1" dirty="0">
+                <a:solidFill>
+                  <a:schemeClr val="accent2"/>
+                </a:solidFill>
+                <a:cs typeface="Courier New" panose="02070309020205020404" pitchFamily="49" charset="0"/>
+              </a:rPr>
+              <a:t>chr column</a:t>
+            </a:r>
+          </a:p>
+          <a:p>
+            <a:pPr algn="ctr"/>
+            <a:r>
+              <a:rPr lang="en-US" b="1" dirty="0">
+                <a:solidFill>
+                  <a:schemeClr val="bg1">
+                    <a:lumMod val="65000"/>
+                  </a:schemeClr>
+                </a:solidFill>
+                <a:cs typeface="Courier New" panose="02070309020205020404" pitchFamily="49" charset="0"/>
+              </a:rPr>
+              <a:t>where </a:t>
+            </a:r>
+            <a:r>
+              <a:rPr lang="en-US" b="1" dirty="0">
+                <a:solidFill>
+                  <a:schemeClr val="accent2">
+                    <a:lumMod val="40000"/>
+                    <a:lumOff val="60000"/>
+                  </a:schemeClr>
+                </a:solidFill>
+                <a:cs typeface="Courier New" panose="02070309020205020404" pitchFamily="49" charset="0"/>
+              </a:rPr>
+              <a:t>f</a:t>
+            </a:r>
+            <a:r>
+              <a:rPr lang="en-US" b="1" dirty="0">
+                <a:solidFill>
+                  <a:schemeClr val="bg1">
+                    <a:lumMod val="65000"/>
+                  </a:schemeClr>
+                </a:solidFill>
+                <a:cs typeface="Courier New" panose="02070309020205020404" pitchFamily="49" charset="0"/>
+              </a:rPr>
+              <a:t> is a scalar function</a:t>
+            </a:r>
+          </a:p>
+        </p:txBody>
+      </p:sp>
+      <p:cxnSp>
+        <p:nvCxnSpPr>
+          <p:cNvPr id="49" name="Straight Arrow Connector 48">
+            <a:extLst>
+              <a:ext uri="{FF2B5EF4-FFF2-40B4-BE49-F238E27FC236}">
+                <a16:creationId xmlns:a16="http://schemas.microsoft.com/office/drawing/2014/main" id="{7D85BA56-B482-6080-ACFB-2ACD404AB12E}"/>
+              </a:ext>
+            </a:extLst>
+          </p:cNvPr>
+          <p:cNvCxnSpPr>
+            <a:cxnSpLocks/>
+            <a:stCxn id="47" idx="3"/>
+            <a:endCxn id="6" idx="1"/>
+          </p:cNvCxnSpPr>
+          <p:nvPr/>
+        </p:nvCxnSpPr>
+        <p:spPr>
+          <a:xfrm flipV="1">
+            <a:off x="4417443" y="4504089"/>
+            <a:ext cx="1723279" cy="138498"/>
+          </a:xfrm>
+          <a:prstGeom prst="straightConnector1">
+            <a:avLst/>
+          </a:prstGeom>
+          <a:ln w="57150">
+            <a:solidFill>
+              <a:schemeClr val="accent2"/>
+            </a:solidFill>
+            <a:tailEnd type="triangle"/>
+          </a:ln>
+        </p:spPr>
+        <p:style>
+          <a:lnRef idx="1">
+            <a:schemeClr val="accent1"/>
+          </a:lnRef>
+          <a:fillRef idx="0">
+            <a:schemeClr val="accent1"/>
+          </a:fillRef>
+          <a:effectRef idx="0">
+            <a:schemeClr val="accent1"/>
+          </a:effectRef>
+          <a:fontRef idx="minor">
+            <a:schemeClr val="tx1"/>
+          </a:fontRef>
+        </p:style>
+      </p:cxnSp>
+      <p:cxnSp>
+        <p:nvCxnSpPr>
+          <p:cNvPr id="50" name="Straight Arrow Connector 49">
+            <a:extLst>
+              <a:ext uri="{FF2B5EF4-FFF2-40B4-BE49-F238E27FC236}">
+                <a16:creationId xmlns:a16="http://schemas.microsoft.com/office/drawing/2014/main" id="{160C974D-569F-1351-EC6B-D4CB11868F44}"/>
+              </a:ext>
+            </a:extLst>
+          </p:cNvPr>
+          <p:cNvCxnSpPr>
+            <a:cxnSpLocks/>
+            <a:stCxn id="48" idx="1"/>
+            <a:endCxn id="7" idx="3"/>
+          </p:cNvCxnSpPr>
+          <p:nvPr/>
+        </p:nvCxnSpPr>
+        <p:spPr>
+          <a:xfrm flipH="1" flipV="1">
+            <a:off x="7161877" y="2488362"/>
+            <a:ext cx="612679" cy="138500"/>
+          </a:xfrm>
+          <a:prstGeom prst="straightConnector1">
+            <a:avLst/>
+          </a:prstGeom>
+          <a:ln w="57150">
+            <a:solidFill>
+              <a:srgbClr val="00B0F0"/>
+            </a:solidFill>
+            <a:tailEnd type="triangle"/>
+          </a:ln>
+        </p:spPr>
+        <p:style>
+          <a:lnRef idx="1">
+            <a:schemeClr val="accent1"/>
+          </a:lnRef>
+          <a:fillRef idx="0">
+            <a:schemeClr val="accent1"/>
+          </a:fillRef>
+          <a:effectRef idx="0">
+            <a:schemeClr val="accent1"/>
+          </a:effectRef>
+          <a:fontRef idx="minor">
+            <a:schemeClr val="tx1"/>
+          </a:fontRef>
+        </p:style>
+      </p:cxnSp>
+      <p:sp>
+        <p:nvSpPr>
+          <p:cNvPr id="57" name="Title 1">
+            <a:extLst>
+              <a:ext uri="{FF2B5EF4-FFF2-40B4-BE49-F238E27FC236}">
+                <a16:creationId xmlns:a16="http://schemas.microsoft.com/office/drawing/2014/main" id="{F92B16D2-6B05-F55E-D3D3-8AD114DCF31A}"/>
+              </a:ext>
+            </a:extLst>
+          </p:cNvPr>
+          <p:cNvSpPr txBox="1">
+            <a:spLocks/>
+          </p:cNvSpPr>
+          <p:nvPr/>
+        </p:nvSpPr>
+        <p:spPr>
+          <a:xfrm>
+            <a:off x="298392" y="115823"/>
+            <a:ext cx="11660245" cy="646332"/>
+          </a:xfrm>
+          <a:prstGeom prst="rect">
+            <a:avLst/>
+          </a:prstGeom>
+        </p:spPr>
+        <p:txBody>
+          <a:bodyPr vert="horz" lIns="91440" tIns="45720" rIns="91440" bIns="45720" rtlCol="0" anchor="ctr">
+            <a:normAutofit fontScale="82500" lnSpcReduction="10000"/>
+          </a:bodyPr>
+          <a:lstStyle>
+            <a:lvl1pPr algn="l" defTabSz="914400" rtl="0" eaLnBrk="1" latinLnBrk="0" hangingPunct="1">
+              <a:lnSpc>
+                <a:spcPct val="90000"/>
+              </a:lnSpc>
+              <a:spcBef>
+                <a:spcPct val="0"/>
+              </a:spcBef>
+              <a:buNone/>
+              <a:defRPr sz="4400" kern="1200">
+                <a:solidFill>
+                  <a:schemeClr val="tx1"/>
+                </a:solidFill>
+                <a:latin typeface="+mj-lt"/>
+                <a:ea typeface="+mj-ea"/>
+                <a:cs typeface="+mj-cs"/>
+              </a:defRPr>
+            </a:lvl1pPr>
+          </a:lstStyle>
+          <a:p>
+            <a:r>
+              <a:rPr lang="en-US" dirty="0"/>
+              <a:t>mutate &amp; map pierce levels of abstraction – scalar column</a:t>
+            </a:r>
+          </a:p>
+        </p:txBody>
+      </p:sp>
+    </p:spTree>
+    <p:extLst>
+      <p:ext uri="{BB962C8B-B14F-4D97-AF65-F5344CB8AC3E}">
+        <p14:creationId xmlns:p14="http://schemas.microsoft.com/office/powerpoint/2010/main" val="2336867340"/>
+      </p:ext>
+    </p:extLst>
+  </p:cSld>
+  <p:clrMapOvr>
+    <a:masterClrMapping/>
+  </p:clrMapOvr>
+</p:sld>
+</file>
+
+<file path=ppt/slides/slide8.xml><?xml version="1.0" encoding="utf-8"?>
 <p:sld xmlns:a="http://schemas.openxmlformats.org/drawingml/2006/main" xmlns:r="http://schemas.openxmlformats.org/officeDocument/2006/relationships" xmlns:p="http://schemas.openxmlformats.org/presentationml/2006/main">
   <p:cSld>
     <p:spTree>
@@ -7242,8 +15751,8 @@
         </p:nvSpPr>
         <p:spPr>
           <a:xfrm>
-            <a:off x="1676400" y="73050"/>
-            <a:ext cx="10515600" cy="646332"/>
+            <a:off x="298392" y="115823"/>
+            <a:ext cx="11660245" cy="646332"/>
           </a:xfrm>
         </p:spPr>
         <p:txBody>
@@ -7254,7 +15763,7 @@
           <a:p>
             <a:r>
               <a:rPr lang="en-US" dirty="0"/>
-              <a:t>mutate &amp; map pierce levels of abstraction</a:t>
+              <a:t>mutate &amp; map pierce levels of abstraction – list column</a:t>
             </a:r>
           </a:p>
         </p:txBody>
@@ -7273,7 +15782,7 @@
         </p:nvGrpSpPr>
         <p:grpSpPr>
           <a:xfrm>
-            <a:off x="3973357" y="939596"/>
+            <a:off x="3395276" y="977329"/>
             <a:ext cx="2336800" cy="5753100"/>
             <a:chOff x="3973357" y="939596"/>
             <a:chExt cx="2336800" cy="5753100"/>
@@ -7294,7 +15803,7 @@
             <p:nvPr/>
           </p:nvPicPr>
           <p:blipFill>
-            <a:blip r:embed="rId2"/>
+            <a:blip r:embed="rId3"/>
             <a:stretch>
               <a:fillRect/>
             </a:stretch>
@@ -9657,8 +18166,8 @@
         </p:nvSpPr>
         <p:spPr>
           <a:xfrm>
-            <a:off x="1676400" y="4077783"/>
-            <a:ext cx="1792029" cy="646331"/>
+            <a:off x="83487" y="3967499"/>
+            <a:ext cx="3016901" cy="1077218"/>
           </a:xfrm>
           <a:prstGeom prst="rect">
             <a:avLst/>
@@ -9673,24 +18182,70 @@
           </a:ln>
         </p:spPr>
         <p:txBody>
-          <a:bodyPr wrap="none" rtlCol="0">
+          <a:bodyPr wrap="square" rtlCol="0">
             <a:spAutoFit/>
           </a:bodyPr>
           <a:lstStyle/>
           <a:p>
             <a:pPr algn="ctr"/>
             <a:r>
-              <a:rPr lang="en-US" b="1" dirty="0">
+              <a:rPr lang="en-US" sz="1600" b="1" dirty="0">
                 <a:solidFill>
                   <a:schemeClr val="accent2"/>
                 </a:solidFill>
                 <a:latin typeface="Courier New" panose="02070309020205020404" pitchFamily="49" charset="0"/>
                 <a:cs typeface="Courier New" panose="02070309020205020404" pitchFamily="49" charset="0"/>
               </a:rPr>
-              <a:t>mutate(…)</a:t>
-            </a:r>
-            <a:r>
-              <a:rPr lang="en-US" b="1" dirty="0">
+              <a:t>mutate(X = </a:t>
+            </a:r>
+            <a:r>
+              <a:rPr lang="en-US" sz="1600" b="1" dirty="0">
+                <a:solidFill>
+                  <a:schemeClr val="accent6">
+                    <a:lumMod val="60000"/>
+                    <a:lumOff val="40000"/>
+                  </a:schemeClr>
+                </a:solidFill>
+                <a:latin typeface="Courier New" panose="02070309020205020404" pitchFamily="49" charset="0"/>
+                <a:cs typeface="Courier New" panose="02070309020205020404" pitchFamily="49" charset="0"/>
+              </a:rPr>
+              <a:t>v(</a:t>
+            </a:r>
+            <a:r>
+              <a:rPr lang="en-US" sz="1600" b="1" dirty="0">
+                <a:solidFill>
+                  <a:schemeClr val="accent2"/>
+                </a:solidFill>
+                <a:latin typeface="Courier New" panose="02070309020205020404" pitchFamily="49" charset="0"/>
+                <a:cs typeface="Courier New" panose="02070309020205020404" pitchFamily="49" charset="0"/>
+              </a:rPr>
+              <a:t>.outcome</a:t>
+            </a:r>
+            <a:r>
+              <a:rPr lang="en-US" sz="1600" b="1" dirty="0">
+                <a:solidFill>
+                  <a:schemeClr val="accent6">
+                    <a:lumMod val="60000"/>
+                    <a:lumOff val="40000"/>
+                  </a:schemeClr>
+                </a:solidFill>
+                <a:latin typeface="Courier New" panose="02070309020205020404" pitchFamily="49" charset="0"/>
+                <a:cs typeface="Courier New" panose="02070309020205020404" pitchFamily="49" charset="0"/>
+              </a:rPr>
+              <a:t>)</a:t>
+            </a:r>
+            <a:r>
+              <a:rPr lang="en-US" sz="1600" b="1" dirty="0">
+                <a:solidFill>
+                  <a:schemeClr val="accent2"/>
+                </a:solidFill>
+                <a:latin typeface="Courier New" panose="02070309020205020404" pitchFamily="49" charset="0"/>
+                <a:cs typeface="Courier New" panose="02070309020205020404" pitchFamily="49" charset="0"/>
+              </a:rPr>
+              <a:t>)</a:t>
+            </a:r>
+            <a:r>
+              <a:rPr lang="en-US" sz="1600" b="1" dirty="0">
                 <a:solidFill>
                   <a:schemeClr val="accent2"/>
                 </a:solidFill>
@@ -9698,8 +18253,11 @@
               </a:rPr>
               <a:t> </a:t>
             </a:r>
-            <a:r>
-              <a:rPr lang="en-US" b="1" dirty="0">
+          </a:p>
+          <a:p>
+            <a:pPr algn="ctr"/>
+            <a:r>
+              <a:rPr lang="en-US" sz="1600" b="1" dirty="0">
                 <a:solidFill>
                   <a:schemeClr val="bg1">
                     <a:lumMod val="65000"/>
@@ -9707,13 +18265,22 @@
                 </a:solidFill>
                 <a:cs typeface="Courier New" panose="02070309020205020404" pitchFamily="49" charset="0"/>
               </a:rPr>
-              <a:t>to </a:t>
+              <a:t>to change a </a:t>
+            </a:r>
+            <a:r>
+              <a:rPr lang="en-US" sz="1600" b="1" dirty="0">
+                <a:solidFill>
+                  <a:schemeClr val="accent2"/>
+                </a:solidFill>
+                <a:cs typeface="Courier New" panose="02070309020205020404" pitchFamily="49" charset="0"/>
+              </a:rPr>
+              <a:t>list column</a:t>
             </a:r>
           </a:p>
           <a:p>
             <a:pPr algn="ctr"/>
             <a:r>
-              <a:rPr lang="en-US" b="1" dirty="0">
+              <a:rPr lang="en-US" sz="1600" b="1" dirty="0">
                 <a:solidFill>
                   <a:schemeClr val="bg1">
                     <a:lumMod val="65000"/>
@@ -9721,16 +18288,44 @@
                 </a:solidFill>
                 <a:cs typeface="Courier New" panose="02070309020205020404" pitchFamily="49" charset="0"/>
               </a:rPr>
-              <a:t>change a </a:t>
-            </a:r>
-            <a:r>
-              <a:rPr lang="en-US" b="1" dirty="0">
+              <a:t>where </a:t>
+            </a:r>
+            <a:r>
+              <a:rPr lang="en-US" sz="1600" b="1" dirty="0">
                 <a:solidFill>
-                  <a:schemeClr val="accent2"/>
+                  <a:schemeClr val="accent6">
+                    <a:lumMod val="60000"/>
+                    <a:lumOff val="40000"/>
+                  </a:schemeClr>
                 </a:solidFill>
                 <a:cs typeface="Courier New" panose="02070309020205020404" pitchFamily="49" charset="0"/>
               </a:rPr>
-              <a:t>column</a:t>
+              <a:t>v</a:t>
+            </a:r>
+            <a:r>
+              <a:rPr lang="en-US" sz="1600" b="1" dirty="0">
+                <a:solidFill>
+                  <a:schemeClr val="bg1">
+                    <a:lumMod val="65000"/>
+                  </a:schemeClr>
+                </a:solidFill>
+                <a:cs typeface="Courier New" panose="02070309020205020404" pitchFamily="49" charset="0"/>
+              </a:rPr>
+              <a:t> is </a:t>
+            </a:r>
+          </a:p>
+          <a:p>
+            <a:pPr algn="ctr"/>
+            <a:r>
+              <a:rPr lang="en-US" sz="1600" b="1" dirty="0">
+                <a:solidFill>
+                  <a:schemeClr val="bg1">
+                    <a:lumMod val="65000"/>
+                  </a:schemeClr>
+                </a:solidFill>
+                <a:cs typeface="Courier New" panose="02070309020205020404" pitchFamily="49" charset="0"/>
+              </a:rPr>
+              <a:t>a vectorized function</a:t>
             </a:r>
           </a:p>
         </p:txBody>
@@ -9749,8 +18344,8 @@
         </p:nvSpPr>
         <p:spPr>
           <a:xfrm>
-            <a:off x="7226581" y="1943093"/>
-            <a:ext cx="2697533" cy="923330"/>
+            <a:off x="6975360" y="2431995"/>
+            <a:ext cx="4351833" cy="1200329"/>
           </a:xfrm>
           <a:prstGeom prst="rect">
             <a:avLst/>
@@ -9779,7 +18374,30 @@
                 <a:latin typeface="Courier New" panose="02070309020205020404" pitchFamily="49" charset="0"/>
                 <a:cs typeface="Courier New" panose="02070309020205020404" pitchFamily="49" charset="0"/>
               </a:rPr>
-              <a:t>mutate(map(...))</a:t>
+              <a:t>mutate(X = map(.outcome, </a:t>
+            </a:r>
+            <a:r>
+              <a:rPr lang="en-US" b="1" dirty="0">
+                <a:solidFill>
+                  <a:schemeClr val="accent2">
+                    <a:lumMod val="40000"/>
+                    <a:lumOff val="60000"/>
+                  </a:schemeClr>
+                </a:solidFill>
+                <a:latin typeface="Courier New" panose="02070309020205020404" pitchFamily="49" charset="0"/>
+                <a:cs typeface="Courier New" panose="02070309020205020404" pitchFamily="49" charset="0"/>
+              </a:rPr>
+              <a:t>f</a:t>
+            </a:r>
+            <a:r>
+              <a:rPr lang="en-US" b="1" dirty="0">
+                <a:solidFill>
+                  <a:srgbClr val="00B0F0"/>
+                </a:solidFill>
+                <a:latin typeface="Courier New" panose="02070309020205020404" pitchFamily="49" charset="0"/>
+                <a:cs typeface="Courier New" panose="02070309020205020404" pitchFamily="49" charset="0"/>
+              </a:rPr>
+              <a:t>))</a:t>
             </a:r>
             <a:r>
               <a:rPr lang="en-US" b="1" dirty="0">
@@ -9819,7 +18437,7 @@
                 </a:solidFill>
                 <a:cs typeface="Courier New" panose="02070309020205020404" pitchFamily="49" charset="0"/>
               </a:rPr>
-              <a:t>change the </a:t>
+              <a:t>change the individual </a:t>
             </a:r>
             <a:r>
               <a:rPr lang="en-US" b="1" dirty="0">
@@ -9828,7 +18446,7 @@
                 </a:solidFill>
                 <a:cs typeface="Courier New" panose="02070309020205020404" pitchFamily="49" charset="0"/>
               </a:rPr>
-              <a:t>vectors</a:t>
+              <a:t>list</a:t>
             </a:r>
             <a:r>
               <a:rPr lang="en-US" b="1" dirty="0">
@@ -9864,6 +18482,43 @@
                 <a:cs typeface="Courier New" panose="02070309020205020404" pitchFamily="49" charset="0"/>
               </a:rPr>
               <a:t>list column</a:t>
+            </a:r>
+          </a:p>
+          <a:p>
+            <a:pPr algn="ctr"/>
+            <a:r>
+              <a:rPr lang="en-US" b="1" dirty="0">
+                <a:solidFill>
+                  <a:schemeClr val="bg1">
+                    <a:lumMod val="65000"/>
+                  </a:schemeClr>
+                </a:solidFill>
+                <a:cs typeface="Courier New" panose="02070309020205020404" pitchFamily="49" charset="0"/>
+              </a:rPr>
+              <a:t>where </a:t>
+            </a:r>
+            <a:r>
+              <a:rPr lang="en-US" b="1" dirty="0">
+                <a:solidFill>
+                  <a:schemeClr val="accent2">
+                    <a:lumMod val="40000"/>
+                    <a:lumOff val="60000"/>
+                  </a:schemeClr>
+                </a:solidFill>
+                <a:cs typeface="Courier New" panose="02070309020205020404" pitchFamily="49" charset="0"/>
+              </a:rPr>
+              <a:t>f</a:t>
+            </a:r>
+            <a:r>
+              <a:rPr lang="en-US" b="1" dirty="0">
+                <a:solidFill>
+                  <a:schemeClr val="bg1">
+                    <a:lumMod val="65000"/>
+                  </a:schemeClr>
+                </a:solidFill>
+                <a:cs typeface="Courier New" panose="02070309020205020404" pitchFamily="49" charset="0"/>
+              </a:rPr>
+              <a:t> is a function designed for lists</a:t>
             </a:r>
           </a:p>
         </p:txBody>
@@ -9882,8 +18537,8 @@
         </p:nvSpPr>
         <p:spPr>
           <a:xfrm>
-            <a:off x="6675148" y="4459015"/>
-            <a:ext cx="3248966" cy="1200329"/>
+            <a:off x="6096000" y="5419218"/>
+            <a:ext cx="5889753" cy="1200329"/>
           </a:xfrm>
           <a:prstGeom prst="rect">
             <a:avLst/>
@@ -9907,7 +18562,30 @@
                 <a:latin typeface="Courier New" panose="02070309020205020404" pitchFamily="49" charset="0"/>
                 <a:cs typeface="Courier New" panose="02070309020205020404" pitchFamily="49" charset="0"/>
               </a:rPr>
-              <a:t>mutate(map(map(...))</a:t>
+              <a:t>mutate(X = map(.outcome, \(x) map(x, </a:t>
+            </a:r>
+            <a:r>
+              <a:rPr lang="en-US" b="1" dirty="0">
+                <a:solidFill>
+                  <a:schemeClr val="accent6">
+                    <a:lumMod val="60000"/>
+                    <a:lumOff val="40000"/>
+                  </a:schemeClr>
+                </a:solidFill>
+                <a:latin typeface="Courier New" panose="02070309020205020404" pitchFamily="49" charset="0"/>
+                <a:cs typeface="Courier New" panose="02070309020205020404" pitchFamily="49" charset="0"/>
+              </a:rPr>
+              <a:t>v</a:t>
+            </a:r>
+            <a:r>
+              <a:rPr lang="en-US" b="1" dirty="0">
+                <a:solidFill>
+                  <a:schemeClr val="bg1"/>
+                </a:solidFill>
+                <a:latin typeface="Courier New" panose="02070309020205020404" pitchFamily="49" charset="0"/>
+                <a:cs typeface="Courier New" panose="02070309020205020404" pitchFamily="49" charset="0"/>
+              </a:rPr>
+              <a:t>)))</a:t>
             </a:r>
             <a:r>
               <a:rPr lang="en-US" b="1" dirty="0">
@@ -9918,6 +18596,9 @@
               </a:rPr>
               <a:t> </a:t>
             </a:r>
+          </a:p>
+          <a:p>
+            <a:pPr algn="ctr"/>
             <a:r>
               <a:rPr lang="en-US" b="1" dirty="0">
                 <a:solidFill>
@@ -9927,11 +18608,17 @@
                 </a:solidFill>
                 <a:cs typeface="Courier New" panose="02070309020205020404" pitchFamily="49" charset="0"/>
               </a:rPr>
-              <a:t>to </a:t>
-            </a:r>
-          </a:p>
-          <a:p>
-            <a:pPr algn="ctr"/>
+              <a:t>to change the </a:t>
+            </a:r>
+            <a:r>
+              <a:rPr lang="en-US" b="1" dirty="0">
+                <a:solidFill>
+                  <a:schemeClr val="bg1"/>
+                </a:solidFill>
+                <a:cs typeface="Courier New" panose="02070309020205020404" pitchFamily="49" charset="0"/>
+              </a:rPr>
+              <a:t>data </a:t>
+            </a:r>
             <a:r>
               <a:rPr lang="en-US" b="1" dirty="0">
                 <a:solidFill>
@@ -9941,30 +18628,7 @@
                 </a:solidFill>
                 <a:cs typeface="Courier New" panose="02070309020205020404" pitchFamily="49" charset="0"/>
               </a:rPr>
-              <a:t>change the </a:t>
-            </a:r>
-            <a:r>
-              <a:rPr lang="en-US" b="1" dirty="0">
-                <a:solidFill>
-                  <a:schemeClr val="bg1"/>
-                </a:solidFill>
-                <a:cs typeface="Courier New" panose="02070309020205020404" pitchFamily="49" charset="0"/>
-              </a:rPr>
-              <a:t>data </a:t>
-            </a:r>
-          </a:p>
-          <a:p>
-            <a:pPr algn="ctr"/>
-            <a:r>
-              <a:rPr lang="en-US" b="1" dirty="0">
-                <a:solidFill>
-                  <a:schemeClr val="bg1">
-                    <a:lumMod val="65000"/>
-                  </a:schemeClr>
-                </a:solidFill>
-                <a:cs typeface="Courier New" panose="02070309020205020404" pitchFamily="49" charset="0"/>
-              </a:rPr>
-              <a:t>inside a </a:t>
+              <a:t>inside each </a:t>
             </a:r>
             <a:r>
               <a:rPr lang="en-US" b="1" dirty="0">
@@ -9973,7 +18637,7 @@
                 </a:solidFill>
                 <a:cs typeface="Courier New" panose="02070309020205020404" pitchFamily="49" charset="0"/>
               </a:rPr>
-              <a:t>vectors</a:t>
+              <a:t>vector</a:t>
             </a:r>
             <a:r>
               <a:rPr lang="en-US" b="1" dirty="0">
@@ -9981,15 +18645,6 @@
               </a:rPr>
               <a:t> </a:t>
             </a:r>
-            <a:endParaRPr lang="en-US" b="1" dirty="0">
-              <a:solidFill>
-                <a:schemeClr val="bg1"/>
-              </a:solidFill>
-              <a:cs typeface="Courier New" panose="02070309020205020404" pitchFamily="49" charset="0"/>
-            </a:endParaRPr>
-          </a:p>
-          <a:p>
-            <a:pPr algn="ctr"/>
             <a:r>
               <a:rPr lang="en-US" b="1" dirty="0">
                 <a:solidFill>
@@ -10019,6 +18674,52 @@
               </a:rPr>
               <a:t>list column</a:t>
             </a:r>
+          </a:p>
+          <a:p>
+            <a:pPr algn="ctr"/>
+            <a:r>
+              <a:rPr lang="en-US" sz="1800" b="1" dirty="0">
+                <a:solidFill>
+                  <a:schemeClr val="bg1">
+                    <a:lumMod val="65000"/>
+                  </a:schemeClr>
+                </a:solidFill>
+                <a:cs typeface="Courier New" panose="02070309020205020404" pitchFamily="49" charset="0"/>
+              </a:rPr>
+              <a:t>where </a:t>
+            </a:r>
+            <a:r>
+              <a:rPr lang="en-US" sz="1800" b="1" dirty="0">
+                <a:solidFill>
+                  <a:schemeClr val="accent6">
+                    <a:lumMod val="60000"/>
+                    <a:lumOff val="40000"/>
+                  </a:schemeClr>
+                </a:solidFill>
+                <a:cs typeface="Courier New" panose="02070309020205020404" pitchFamily="49" charset="0"/>
+              </a:rPr>
+              <a:t>v</a:t>
+            </a:r>
+            <a:r>
+              <a:rPr lang="en-US" sz="1800" b="1" dirty="0">
+                <a:solidFill>
+                  <a:schemeClr val="bg1">
+                    <a:lumMod val="65000"/>
+                  </a:schemeClr>
+                </a:solidFill>
+                <a:cs typeface="Courier New" panose="02070309020205020404" pitchFamily="49" charset="0"/>
+              </a:rPr>
+              <a:t> is a vectorized function</a:t>
+            </a:r>
+          </a:p>
+          <a:p>
+            <a:pPr algn="ctr"/>
+            <a:endParaRPr lang="en-US" b="1" dirty="0">
+              <a:solidFill>
+                <a:schemeClr val="accent2"/>
+              </a:solidFill>
+              <a:cs typeface="Courier New" panose="02070309020205020404" pitchFamily="49" charset="0"/>
+            </a:endParaRPr>
           </a:p>
         </p:txBody>
       </p:sp>
@@ -10039,9 +18740,9 @@
           <p:nvPr/>
         </p:nvCxnSpPr>
         <p:spPr>
-          <a:xfrm>
-            <a:off x="3468429" y="4400949"/>
-            <a:ext cx="1748212" cy="10113"/>
+          <a:xfrm flipV="1">
+            <a:off x="3100388" y="4448795"/>
+            <a:ext cx="1538172" cy="57313"/>
           </a:xfrm>
           <a:prstGeom prst="straightConnector1">
             <a:avLst/>
@@ -10078,15 +18779,16 @@
             </a:extLst>
           </p:cNvPr>
           <p:cNvCxnSpPr>
+            <a:cxnSpLocks/>
             <a:stCxn id="172" idx="1"/>
             <a:endCxn id="89" idx="3"/>
           </p:cNvCxnSpPr>
           <p:nvPr/>
         </p:nvCxnSpPr>
         <p:spPr>
-          <a:xfrm flipH="1">
-            <a:off x="6180645" y="2404758"/>
-            <a:ext cx="1045936" cy="1"/>
+          <a:xfrm flipH="1" flipV="1">
+            <a:off x="5602564" y="2442492"/>
+            <a:ext cx="1372796" cy="589668"/>
           </a:xfrm>
           <a:prstGeom prst="straightConnector1">
             <a:avLst/>
@@ -10127,7 +18829,7 @@
         </p:nvSpPr>
         <p:spPr>
           <a:xfrm rot="5400000">
-            <a:off x="6240989" y="4814154"/>
+            <a:off x="5730326" y="5757605"/>
             <a:ext cx="244900" cy="534879"/>
           </a:xfrm>
           <a:prstGeom prst="downArrow">
@@ -10167,6 +18869,180 @@
           </a:p>
         </p:txBody>
       </p:sp>
+      <p:sp>
+        <p:nvSpPr>
+          <p:cNvPr id="10" name="Rounded Rectangular Callout 9">
+            <a:extLst>
+              <a:ext uri="{FF2B5EF4-FFF2-40B4-BE49-F238E27FC236}">
+                <a16:creationId xmlns:a16="http://schemas.microsoft.com/office/drawing/2014/main" id="{5716CCA9-0CDE-8490-F0AC-CDB0FD2FFBCE}"/>
+              </a:ext>
+            </a:extLst>
+          </p:cNvPr>
+          <p:cNvSpPr/>
+          <p:nvPr/>
+        </p:nvSpPr>
+        <p:spPr>
+          <a:xfrm>
+            <a:off x="8621714" y="1088730"/>
+            <a:ext cx="2336800" cy="685800"/>
+          </a:xfrm>
+          <a:prstGeom prst="wedgeRoundRectCallout">
+            <a:avLst>
+              <a:gd name="adj1" fmla="val -44678"/>
+              <a:gd name="adj2" fmla="val 156250"/>
+              <a:gd name="adj3" fmla="val 16667"/>
+            </a:avLst>
+          </a:prstGeom>
+          <a:solidFill>
+            <a:schemeClr val="bg1">
+              <a:lumMod val="65000"/>
+            </a:schemeClr>
+          </a:solidFill>
+        </p:spPr>
+        <p:style>
+          <a:lnRef idx="2">
+            <a:schemeClr val="accent1">
+              <a:shade val="15000"/>
+            </a:schemeClr>
+          </a:lnRef>
+          <a:fillRef idx="1">
+            <a:schemeClr val="accent1"/>
+          </a:fillRef>
+          <a:effectRef idx="0">
+            <a:schemeClr val="accent1"/>
+          </a:effectRef>
+          <a:fontRef idx="minor">
+            <a:schemeClr val="lt1"/>
+          </a:fontRef>
+        </p:style>
+        <p:txBody>
+          <a:bodyPr rtlCol="0" anchor="ctr"/>
+          <a:lstStyle/>
+          <a:p>
+            <a:pPr algn="ctr"/>
+            <a:r>
+              <a:rPr lang="en-US" dirty="0"/>
+              <a:t>mutate + map descends two levels </a:t>
+            </a:r>
+          </a:p>
+        </p:txBody>
+      </p:sp>
+      <p:sp>
+        <p:nvSpPr>
+          <p:cNvPr id="11" name="Rounded Rectangular Callout 10">
+            <a:extLst>
+              <a:ext uri="{FF2B5EF4-FFF2-40B4-BE49-F238E27FC236}">
+                <a16:creationId xmlns:a16="http://schemas.microsoft.com/office/drawing/2014/main" id="{586A0FF9-3B3F-AE72-A203-9E98170E19D4}"/>
+              </a:ext>
+            </a:extLst>
+          </p:cNvPr>
+          <p:cNvSpPr/>
+          <p:nvPr/>
+        </p:nvSpPr>
+        <p:spPr>
+          <a:xfrm>
+            <a:off x="9151276" y="4334185"/>
+            <a:ext cx="2336800" cy="685800"/>
+          </a:xfrm>
+          <a:prstGeom prst="wedgeRoundRectCallout">
+            <a:avLst>
+              <a:gd name="adj1" fmla="val 6681"/>
+              <a:gd name="adj2" fmla="val 131250"/>
+              <a:gd name="adj3" fmla="val 16667"/>
+            </a:avLst>
+          </a:prstGeom>
+          <a:solidFill>
+            <a:schemeClr val="bg1">
+              <a:lumMod val="65000"/>
+            </a:schemeClr>
+          </a:solidFill>
+        </p:spPr>
+        <p:style>
+          <a:lnRef idx="2">
+            <a:schemeClr val="accent1">
+              <a:shade val="15000"/>
+            </a:schemeClr>
+          </a:lnRef>
+          <a:fillRef idx="1">
+            <a:schemeClr val="accent1"/>
+          </a:fillRef>
+          <a:effectRef idx="0">
+            <a:schemeClr val="accent1"/>
+          </a:effectRef>
+          <a:fontRef idx="minor">
+            <a:schemeClr val="lt1"/>
+          </a:fontRef>
+        </p:style>
+        <p:txBody>
+          <a:bodyPr rtlCol="0" anchor="ctr"/>
+          <a:lstStyle/>
+          <a:p>
+            <a:pPr algn="ctr"/>
+            <a:r>
+              <a:rPr lang="en-US" dirty="0"/>
+              <a:t>mutate + map + map descends three levels </a:t>
+            </a:r>
+          </a:p>
+        </p:txBody>
+      </p:sp>
+      <p:sp>
+        <p:nvSpPr>
+          <p:cNvPr id="12" name="Rounded Rectangular Callout 11">
+            <a:extLst>
+              <a:ext uri="{FF2B5EF4-FFF2-40B4-BE49-F238E27FC236}">
+                <a16:creationId xmlns:a16="http://schemas.microsoft.com/office/drawing/2014/main" id="{2FD345E6-0331-0A94-40F5-1E28317BB7FC}"/>
+              </a:ext>
+            </a:extLst>
+          </p:cNvPr>
+          <p:cNvSpPr/>
+          <p:nvPr/>
+        </p:nvSpPr>
+        <p:spPr>
+          <a:xfrm>
+            <a:off x="466743" y="2899012"/>
+            <a:ext cx="1962132" cy="685800"/>
+          </a:xfrm>
+          <a:prstGeom prst="wedgeRoundRectCallout">
+            <a:avLst>
+              <a:gd name="adj1" fmla="val -42493"/>
+              <a:gd name="adj2" fmla="val 114583"/>
+              <a:gd name="adj3" fmla="val 16667"/>
+            </a:avLst>
+          </a:prstGeom>
+          <a:solidFill>
+            <a:schemeClr val="bg1">
+              <a:lumMod val="65000"/>
+            </a:schemeClr>
+          </a:solidFill>
+        </p:spPr>
+        <p:style>
+          <a:lnRef idx="2">
+            <a:schemeClr val="accent1">
+              <a:shade val="15000"/>
+            </a:schemeClr>
+          </a:lnRef>
+          <a:fillRef idx="1">
+            <a:schemeClr val="accent1"/>
+          </a:fillRef>
+          <a:effectRef idx="0">
+            <a:schemeClr val="accent1"/>
+          </a:effectRef>
+          <a:fontRef idx="minor">
+            <a:schemeClr val="lt1"/>
+          </a:fontRef>
+        </p:style>
+        <p:txBody>
+          <a:bodyPr rtlCol="0" anchor="ctr"/>
+          <a:lstStyle/>
+          <a:p>
+            <a:pPr algn="ctr"/>
+            <a:r>
+              <a:rPr lang="en-US" dirty="0"/>
+              <a:t>mutate  descends one level </a:t>
+            </a:r>
+          </a:p>
+        </p:txBody>
+      </p:sp>
     </p:spTree>
     <p:extLst>
       <p:ext uri="{BB962C8B-B14F-4D97-AF65-F5344CB8AC3E}">
@@ -10180,7 +19056,7 @@
 </p:sld>
 </file>
 
-<file path=ppt/slides/slide4.xml><?xml version="1.0" encoding="utf-8"?>
+<file path=ppt/slides/slide9.xml><?xml version="1.0" encoding="utf-8"?>
 <p:sld xmlns:a="http://schemas.openxmlformats.org/drawingml/2006/main" xmlns:r="http://schemas.openxmlformats.org/officeDocument/2006/relationships" xmlns:p="http://schemas.openxmlformats.org/presentationml/2006/main">
   <p:cSld>
     <p:spTree>
@@ -11196,4 +20072,299 @@
     </a:ext>
   </a:extLst>
 </a:theme>
+</file>
+
+<file path=ppt/theme/theme2.xml><?xml version="1.0" encoding="utf-8"?>
+<a:theme xmlns:a="http://schemas.openxmlformats.org/drawingml/2006/main" name="Office Theme">
+  <a:themeElements>
+    <a:clrScheme name="Office">
+      <a:dk1>
+        <a:sysClr val="windowText" lastClr="000000"/>
+      </a:dk1>
+      <a:lt1>
+        <a:sysClr val="window" lastClr="FFFFFF"/>
+      </a:lt1>
+      <a:dk2>
+        <a:srgbClr val="44546A"/>
+      </a:dk2>
+      <a:lt2>
+        <a:srgbClr val="E7E6E6"/>
+      </a:lt2>
+      <a:accent1>
+        <a:srgbClr val="4472C4"/>
+      </a:accent1>
+      <a:accent2>
+        <a:srgbClr val="ED7D31"/>
+      </a:accent2>
+      <a:accent3>
+        <a:srgbClr val="A5A5A5"/>
+      </a:accent3>
+      <a:accent4>
+        <a:srgbClr val="FFC000"/>
+      </a:accent4>
+      <a:accent5>
+        <a:srgbClr val="5B9BD5"/>
+      </a:accent5>
+      <a:accent6>
+        <a:srgbClr val="70AD47"/>
+      </a:accent6>
+      <a:hlink>
+        <a:srgbClr val="0563C1"/>
+      </a:hlink>
+      <a:folHlink>
+        <a:srgbClr val="954F72"/>
+      </a:folHlink>
+    </a:clrScheme>
+    <a:fontScheme name="Office">
+      <a:majorFont>
+        <a:latin typeface="Calibri Light" panose="020F0302020204030204"/>
+        <a:ea typeface=""/>
+        <a:cs typeface=""/>
+        <a:font script="Jpan" typeface="游ゴシック Light"/>
+        <a:font script="Hang" typeface="맑은 고딕"/>
+        <a:font script="Hans" typeface="等线 Light"/>
+        <a:font script="Hant" typeface="新細明體"/>
+        <a:font script="Arab" typeface="Times New Roman"/>
+        <a:font script="Hebr" typeface="Times New Roman"/>
+        <a:font script="Thai" typeface="Angsana New"/>
+        <a:font script="Ethi" typeface="Nyala"/>
+        <a:font script="Beng" typeface="Vrinda"/>
+        <a:font script="Gujr" typeface="Shruti"/>
+        <a:font script="Khmr" typeface="MoolBoran"/>
+        <a:font script="Knda" typeface="Tunga"/>
+        <a:font script="Guru" typeface="Raavi"/>
+        <a:font script="Cans" typeface="Euphemia"/>
+        <a:font script="Cher" typeface="Plantagenet Cherokee"/>
+        <a:font script="Yiii" typeface="Microsoft Yi Baiti"/>
+        <a:font script="Tibt" typeface="Microsoft Himalaya"/>
+        <a:font script="Thaa" typeface="MV Boli"/>
+        <a:font script="Deva" typeface="Mangal"/>
+        <a:font script="Telu" typeface="Gautami"/>
+        <a:font script="Taml" typeface="Latha"/>
+        <a:font script="Syrc" typeface="Estrangelo Edessa"/>
+        <a:font script="Orya" typeface="Kalinga"/>
+        <a:font script="Mlym" typeface="Kartika"/>
+        <a:font script="Laoo" typeface="DokChampa"/>
+        <a:font script="Sinh" typeface="Iskoola Pota"/>
+        <a:font script="Mong" typeface="Mongolian Baiti"/>
+        <a:font script="Viet" typeface="Times New Roman"/>
+        <a:font script="Uigh" typeface="Microsoft Uighur"/>
+        <a:font script="Geor" typeface="Sylfaen"/>
+        <a:font script="Armn" typeface="Arial"/>
+        <a:font script="Bugi" typeface="Leelawadee UI"/>
+        <a:font script="Bopo" typeface="Microsoft JhengHei"/>
+        <a:font script="Java" typeface="Javanese Text"/>
+        <a:font script="Lisu" typeface="Segoe UI"/>
+        <a:font script="Mymr" typeface="Myanmar Text"/>
+        <a:font script="Nkoo" typeface="Ebrima"/>
+        <a:font script="Olck" typeface="Nirmala UI"/>
+        <a:font script="Osma" typeface="Ebrima"/>
+        <a:font script="Phag" typeface="Phagspa"/>
+        <a:font script="Syrn" typeface="Estrangelo Edessa"/>
+        <a:font script="Syrj" typeface="Estrangelo Edessa"/>
+        <a:font script="Syre" typeface="Estrangelo Edessa"/>
+        <a:font script="Sora" typeface="Nirmala UI"/>
+        <a:font script="Tale" typeface="Microsoft Tai Le"/>
+        <a:font script="Talu" typeface="Microsoft New Tai Lue"/>
+        <a:font script="Tfng" typeface="Ebrima"/>
+      </a:majorFont>
+      <a:minorFont>
+        <a:latin typeface="Calibri" panose="020F0502020204030204"/>
+        <a:ea typeface=""/>
+        <a:cs typeface=""/>
+        <a:font script="Jpan" typeface="游ゴシック"/>
+        <a:font script="Hang" typeface="맑은 고딕"/>
+        <a:font script="Hans" typeface="等线"/>
+        <a:font script="Hant" typeface="新細明體"/>
+        <a:font script="Arab" typeface="Arial"/>
+        <a:font script="Hebr" typeface="Arial"/>
+        <a:font script="Thai" typeface="Cordia New"/>
+        <a:font script="Ethi" typeface="Nyala"/>
+        <a:font script="Beng" typeface="Vrinda"/>
+        <a:font script="Gujr" typeface="Shruti"/>
+        <a:font script="Khmr" typeface="DaunPenh"/>
+        <a:font script="Knda" typeface="Tunga"/>
+        <a:font script="Guru" typeface="Raavi"/>
+        <a:font script="Cans" typeface="Euphemia"/>
+        <a:font script="Cher" typeface="Plantagenet Cherokee"/>
+        <a:font script="Yiii" typeface="Microsoft Yi Baiti"/>
+        <a:font script="Tibt" typeface="Microsoft Himalaya"/>
+        <a:font script="Thaa" typeface="MV Boli"/>
+        <a:font script="Deva" typeface="Mangal"/>
+        <a:font script="Telu" typeface="Gautami"/>
+        <a:font script="Taml" typeface="Latha"/>
+        <a:font script="Syrc" typeface="Estrangelo Edessa"/>
+        <a:font script="Orya" typeface="Kalinga"/>
+        <a:font script="Mlym" typeface="Kartika"/>
+        <a:font script="Laoo" typeface="DokChampa"/>
+        <a:font script="Sinh" typeface="Iskoola Pota"/>
+        <a:font script="Mong" typeface="Mongolian Baiti"/>
+        <a:font script="Viet" typeface="Arial"/>
+        <a:font script="Uigh" typeface="Microsoft Uighur"/>
+        <a:font script="Geor" typeface="Sylfaen"/>
+        <a:font script="Armn" typeface="Arial"/>
+        <a:font script="Bugi" typeface="Leelawadee UI"/>
+        <a:font script="Bopo" typeface="Microsoft JhengHei"/>
+        <a:font script="Java" typeface="Javanese Text"/>
+        <a:font script="Lisu" typeface="Segoe UI"/>
+        <a:font script="Mymr" typeface="Myanmar Text"/>
+        <a:font script="Nkoo" typeface="Ebrima"/>
+        <a:font script="Olck" typeface="Nirmala UI"/>
+        <a:font script="Osma" typeface="Ebrima"/>
+        <a:font script="Phag" typeface="Phagspa"/>
+        <a:font script="Syrn" typeface="Estrangelo Edessa"/>
+        <a:font script="Syrj" typeface="Estrangelo Edessa"/>
+        <a:font script="Syre" typeface="Estrangelo Edessa"/>
+        <a:font script="Sora" typeface="Nirmala UI"/>
+        <a:font script="Tale" typeface="Microsoft Tai Le"/>
+        <a:font script="Talu" typeface="Microsoft New Tai Lue"/>
+        <a:font script="Tfng" typeface="Ebrima"/>
+      </a:minorFont>
+    </a:fontScheme>
+    <a:fmtScheme name="Office">
+      <a:fillStyleLst>
+        <a:solidFill>
+          <a:schemeClr val="phClr"/>
+        </a:solidFill>
+        <a:gradFill rotWithShape="1">
+          <a:gsLst>
+            <a:gs pos="0">
+              <a:schemeClr val="phClr">
+                <a:lumMod val="110000"/>
+                <a:satMod val="105000"/>
+                <a:tint val="67000"/>
+              </a:schemeClr>
+            </a:gs>
+            <a:gs pos="50000">
+              <a:schemeClr val="phClr">
+                <a:lumMod val="105000"/>
+                <a:satMod val="103000"/>
+                <a:tint val="73000"/>
+              </a:schemeClr>
+            </a:gs>
+            <a:gs pos="100000">
+              <a:schemeClr val="phClr">
+                <a:lumMod val="105000"/>
+                <a:satMod val="109000"/>
+                <a:tint val="81000"/>
+              </a:schemeClr>
+            </a:gs>
+          </a:gsLst>
+          <a:lin ang="5400000" scaled="0"/>
+        </a:gradFill>
+        <a:gradFill rotWithShape="1">
+          <a:gsLst>
+            <a:gs pos="0">
+              <a:schemeClr val="phClr">
+                <a:satMod val="103000"/>
+                <a:lumMod val="102000"/>
+                <a:tint val="94000"/>
+              </a:schemeClr>
+            </a:gs>
+            <a:gs pos="50000">
+              <a:schemeClr val="phClr">
+                <a:satMod val="110000"/>
+                <a:lumMod val="100000"/>
+                <a:shade val="100000"/>
+              </a:schemeClr>
+            </a:gs>
+            <a:gs pos="100000">
+              <a:schemeClr val="phClr">
+                <a:lumMod val="99000"/>
+                <a:satMod val="120000"/>
+                <a:shade val="78000"/>
+              </a:schemeClr>
+            </a:gs>
+          </a:gsLst>
+          <a:lin ang="5400000" scaled="0"/>
+        </a:gradFill>
+      </a:fillStyleLst>
+      <a:lnStyleLst>
+        <a:ln w="6350" cap="flat" cmpd="sng" algn="ctr">
+          <a:solidFill>
+            <a:schemeClr val="phClr"/>
+          </a:solidFill>
+          <a:prstDash val="solid"/>
+          <a:miter lim="800000"/>
+        </a:ln>
+        <a:ln w="12700" cap="flat" cmpd="sng" algn="ctr">
+          <a:solidFill>
+            <a:schemeClr val="phClr"/>
+          </a:solidFill>
+          <a:prstDash val="solid"/>
+          <a:miter lim="800000"/>
+        </a:ln>
+        <a:ln w="19050" cap="flat" cmpd="sng" algn="ctr">
+          <a:solidFill>
+            <a:schemeClr val="phClr"/>
+          </a:solidFill>
+          <a:prstDash val="solid"/>
+          <a:miter lim="800000"/>
+        </a:ln>
+      </a:lnStyleLst>
+      <a:effectStyleLst>
+        <a:effectStyle>
+          <a:effectLst/>
+        </a:effectStyle>
+        <a:effectStyle>
+          <a:effectLst/>
+        </a:effectStyle>
+        <a:effectStyle>
+          <a:effectLst>
+            <a:outerShdw blurRad="57150" dist="19050" dir="5400000" algn="ctr" rotWithShape="0">
+              <a:srgbClr val="000000">
+                <a:alpha val="63000"/>
+              </a:srgbClr>
+            </a:outerShdw>
+          </a:effectLst>
+        </a:effectStyle>
+      </a:effectStyleLst>
+      <a:bgFillStyleLst>
+        <a:solidFill>
+          <a:schemeClr val="phClr"/>
+        </a:solidFill>
+        <a:solidFill>
+          <a:schemeClr val="phClr">
+            <a:tint val="95000"/>
+            <a:satMod val="170000"/>
+          </a:schemeClr>
+        </a:solidFill>
+        <a:gradFill rotWithShape="1">
+          <a:gsLst>
+            <a:gs pos="0">
+              <a:schemeClr val="phClr">
+                <a:tint val="93000"/>
+                <a:satMod val="150000"/>
+                <a:shade val="98000"/>
+                <a:lumMod val="102000"/>
+              </a:schemeClr>
+            </a:gs>
+            <a:gs pos="50000">
+              <a:schemeClr val="phClr">
+                <a:tint val="98000"/>
+                <a:satMod val="130000"/>
+                <a:shade val="90000"/>
+                <a:lumMod val="103000"/>
+              </a:schemeClr>
+            </a:gs>
+            <a:gs pos="100000">
+              <a:schemeClr val="phClr">
+                <a:shade val="63000"/>
+                <a:satMod val="120000"/>
+              </a:schemeClr>
+            </a:gs>
+          </a:gsLst>
+          <a:lin ang="5400000" scaled="0"/>
+        </a:gradFill>
+      </a:bgFillStyleLst>
+    </a:fmtScheme>
+  </a:themeElements>
+  <a:objectDefaults/>
+  <a:extraClrSchemeLst/>
+  <a:extLst>
+    <a:ext uri="{05A4C25C-085E-4340-85A3-A5531E510DB2}">
+      <thm15:themeFamily xmlns:thm15="http://schemas.microsoft.com/office/thememl/2012/main" name="Office Theme" id="{62F939B6-93AF-4DB8-9C6B-D6C7DFDC589F}" vid="{4A3C46E8-61CC-4603-A589-7422A47A8E4A}"/>
+    </a:ext>
+  </a:extLst>
+</a:theme>
 </file>